--- a/4 ⚙️ Solution/30 🫥 Agents/10 🔎 Finders/00 📎 Assets/🔎 .pptx
+++ b/4 ⚙️ Solution/30 🫥 Agents/10 🔎 Finders/00 📎 Assets/🔎 .pptx
@@ -27,7 +27,7 @@
       <p:boldItalic r:id="rId11"/>
     </p:embeddedFont>
     <p:embeddedFont>
-      <p:font typeface="Amazon Ember Display" panose="020B0603020204020204" pitchFamily="34" charset="0"/>
+      <p:font typeface="Amazon Ember Display" panose="020F0603020204020204" pitchFamily="34" charset="0"/>
       <p:regular r:id="rId12"/>
       <p:bold r:id="rId13"/>
       <p:italic r:id="rId14"/>
@@ -717,7 +717,7 @@
           <a:p>
             <a:fld id="{542F96DF-134D-4F6A-BFA6-E032E504EEEB}" type="datetime8">
               <a:rPr lang="en-US" smtClean="0"/>
-              <a:t>4/22/25 9:15 PM</a:t>
+              <a:t>9/6/25 12:25 PM</a:t>
             </a:fld>
             <a:endParaRPr lang="en-US" dirty="0"/>
           </a:p>
@@ -924,7 +924,7 @@
           <a:p>
             <a:fld id="{542F96DF-134D-4F6A-BFA6-E032E504EEEB}" type="datetime8">
               <a:rPr lang="en-US" smtClean="0"/>
-              <a:t>4/22/25 9:15 PM</a:t>
+              <a:t>9/6/25 12:25 PM</a:t>
             </a:fld>
             <a:endParaRPr lang="en-US" dirty="0"/>
           </a:p>
@@ -8656,7 +8656,7 @@
                   </a:glow>
                 </a:effectLst>
               </a:rPr>
-              <a:t>advertisers</a:t>
+              <a:t>advertiser</a:t>
             </a:r>
           </a:p>
         </p:txBody>
@@ -10196,7 +10196,6 @@
           </p:cNvPr>
           <p:cNvCxnSpPr>
             <a:cxnSpLocks/>
-            <a:stCxn id="250" idx="0"/>
             <a:endCxn id="252" idx="0"/>
           </p:cNvCxnSpPr>
           <p:nvPr/>
@@ -10945,42 +10944,6 @@
           </p:txBody>
         </p:sp>
       </p:grpSp>
-      <p:sp>
-        <p:nvSpPr>
-          <p:cNvPr id="250" name="TextBox 249">
-            <a:extLst>
-              <a:ext uri="{FF2B5EF4-FFF2-40B4-BE49-F238E27FC236}">
-                <a16:creationId xmlns:a16="http://schemas.microsoft.com/office/drawing/2014/main" id="{5ABDE1C8-C1E6-47CF-9879-9F0CD9B5EE0B}"/>
-              </a:ext>
-            </a:extLst>
-          </p:cNvPr>
-          <p:cNvSpPr txBox="1"/>
-          <p:nvPr/>
-        </p:nvSpPr>
-        <p:spPr>
-          <a:xfrm>
-            <a:off x="4044242" y="2903385"/>
-            <a:ext cx="243656" cy="369332"/>
-          </a:xfrm>
-          <a:prstGeom prst="rect">
-            <a:avLst/>
-          </a:prstGeom>
-          <a:noFill/>
-        </p:spPr>
-        <p:txBody>
-          <a:bodyPr wrap="none" lIns="0" rIns="0" rtlCol="0">
-            <a:spAutoFit/>
-          </a:bodyPr>
-          <a:lstStyle/>
-          <a:p>
-            <a:pPr algn="l"/>
-            <a:r>
-              <a:rPr lang="en-US" dirty="0"/>
-              <a:t>    </a:t>
-            </a:r>
-          </a:p>
-        </p:txBody>
-      </p:sp>
       <p:sp>
         <p:nvSpPr>
           <p:cNvPr id="252" name="TextBox 251">

--- a/4 ⚙️ Solution/30 🫥 Agents/10 🔎 Finders/00 📎 Assets/🔎 .pptx
+++ b/4 ⚙️ Solution/30 🫥 Agents/10 🔎 Finders/00 📎 Assets/🔎 .pptx
@@ -5,40 +5,41 @@
     <p:sldMasterId id="2147483648" r:id="rId1"/>
   </p:sldMasterIdLst>
   <p:notesMasterIdLst>
-    <p:notesMasterId r:id="rId6"/>
+    <p:notesMasterId r:id="rId7"/>
   </p:notesMasterIdLst>
   <p:handoutMasterIdLst>
-    <p:handoutMasterId r:id="rId7"/>
+    <p:handoutMasterId r:id="rId8"/>
   </p:handoutMasterIdLst>
   <p:sldIdLst>
     <p:sldId id="1830" r:id="rId2"/>
     <p:sldId id="1725" r:id="rId3"/>
     <p:sldId id="1724" r:id="rId4"/>
-    <p:sldId id="1831" r:id="rId5"/>
+    <p:sldId id="1832" r:id="rId5"/>
+    <p:sldId id="1833" r:id="rId6"/>
   </p:sldIdLst>
   <p:sldSz cx="12192000" cy="6858000"/>
   <p:notesSz cx="6858000" cy="9144000"/>
   <p:embeddedFontLst>
     <p:embeddedFont>
       <p:font typeface="Amazon Ember" panose="020B0603020204020204" pitchFamily="34" charset="0"/>
-      <p:regular r:id="rId8"/>
-      <p:bold r:id="rId9"/>
-      <p:italic r:id="rId10"/>
-      <p:boldItalic r:id="rId11"/>
+      <p:regular r:id="rId9"/>
+      <p:bold r:id="rId10"/>
+      <p:italic r:id="rId11"/>
+      <p:boldItalic r:id="rId12"/>
     </p:embeddedFont>
     <p:embeddedFont>
       <p:font typeface="Amazon Ember Display" panose="020F0603020204020204" pitchFamily="34" charset="0"/>
-      <p:regular r:id="rId12"/>
-      <p:bold r:id="rId13"/>
-      <p:italic r:id="rId14"/>
-      <p:boldItalic r:id="rId15"/>
+      <p:regular r:id="rId13"/>
+      <p:bold r:id="rId14"/>
+      <p:italic r:id="rId15"/>
+      <p:boldItalic r:id="rId16"/>
     </p:embeddedFont>
     <p:embeddedFont>
       <p:font typeface="Segoe UI" panose="020B0502040204020203" pitchFamily="34" charset="0"/>
-      <p:regular r:id="rId16"/>
-      <p:bold r:id="rId17"/>
-      <p:italic r:id="rId18"/>
-      <p:boldItalic r:id="rId19"/>
+      <p:regular r:id="rId17"/>
+      <p:bold r:id="rId18"/>
+      <p:italic r:id="rId19"/>
+      <p:boldItalic r:id="rId20"/>
     </p:embeddedFont>
   </p:embeddedFontLst>
   <p:defaultTextStyle>
@@ -144,7 +145,8 @@
             <p14:sldId id="1830"/>
             <p14:sldId id="1725"/>
             <p14:sldId id="1724"/>
-            <p14:sldId id="1831"/>
+            <p14:sldId id="1832"/>
+            <p14:sldId id="1833"/>
           </p14:sldIdLst>
         </p14:section>
       </p14:sectionLst>
@@ -978,7 +980,13 @@
   <p:cSld>
     <p:spTree>
       <p:nvGrpSpPr>
-        <p:cNvPr id="1" name=""/>
+        <p:cNvPr id="1" name="">
+          <a:extLst>
+            <a:ext uri="{FF2B5EF4-FFF2-40B4-BE49-F238E27FC236}">
+              <a16:creationId xmlns:a16="http://schemas.microsoft.com/office/drawing/2014/main" id="{ED76481B-A0FD-4A52-C9FC-E7EEE75B6DAD}"/>
+            </a:ext>
+          </a:extLst>
+        </p:cNvPr>
         <p:cNvGrpSpPr/>
         <p:nvPr/>
       </p:nvGrpSpPr>
@@ -992,7 +1000,13 @@
       </p:grpSpPr>
       <p:sp>
         <p:nvSpPr>
-          <p:cNvPr id="2" name="Slide Image Placeholder 1"/>
+          <p:cNvPr id="2" name="Slide Image Placeholder 1">
+            <a:extLst>
+              <a:ext uri="{FF2B5EF4-FFF2-40B4-BE49-F238E27FC236}">
+                <a16:creationId xmlns:a16="http://schemas.microsoft.com/office/drawing/2014/main" id="{8DBF656D-71E9-E146-176A-9E7E9AEBB176}"/>
+              </a:ext>
+            </a:extLst>
+          </p:cNvPr>
           <p:cNvSpPr>
             <a:spLocks noGrp="1" noRot="1" noChangeAspect="1"/>
           </p:cNvSpPr>
@@ -1009,7 +1023,13 @@
       </p:sp>
       <p:sp>
         <p:nvSpPr>
-          <p:cNvPr id="3" name="Notes Placeholder 2"/>
+          <p:cNvPr id="3" name="Notes Placeholder 2">
+            <a:extLst>
+              <a:ext uri="{FF2B5EF4-FFF2-40B4-BE49-F238E27FC236}">
+                <a16:creationId xmlns:a16="http://schemas.microsoft.com/office/drawing/2014/main" id="{F1D91C94-1CFA-D334-EBAC-24A0504BB9E7}"/>
+              </a:ext>
+            </a:extLst>
+          </p:cNvPr>
           <p:cNvSpPr>
             <a:spLocks noGrp="1"/>
           </p:cNvSpPr>
@@ -1028,7 +1048,13 @@
       </p:sp>
       <p:sp>
         <p:nvSpPr>
-          <p:cNvPr id="4" name="Slide Number Placeholder 3"/>
+          <p:cNvPr id="4" name="Slide Number Placeholder 3">
+            <a:extLst>
+              <a:ext uri="{FF2B5EF4-FFF2-40B4-BE49-F238E27FC236}">
+                <a16:creationId xmlns:a16="http://schemas.microsoft.com/office/drawing/2014/main" id="{298054E7-94A7-DD9E-4433-403B5A65B12D}"/>
+              </a:ext>
+            </a:extLst>
+          </p:cNvPr>
           <p:cNvSpPr>
             <a:spLocks noGrp="1"/>
           </p:cNvSpPr>
@@ -1053,7 +1079,121 @@
     </p:spTree>
     <p:extLst>
       <p:ext uri="{BB962C8B-B14F-4D97-AF65-F5344CB8AC3E}">
-        <p14:creationId xmlns:p14="http://schemas.microsoft.com/office/powerpoint/2010/main" val="1157670437"/>
+        <p14:creationId xmlns:p14="http://schemas.microsoft.com/office/powerpoint/2010/main" val="3897646945"/>
+      </p:ext>
+    </p:extLst>
+  </p:cSld>
+  <p:clrMapOvr>
+    <a:masterClrMapping/>
+  </p:clrMapOvr>
+</p:notes>
+</file>
+
+<file path=ppt/notesSlides/notesSlide4.xml><?xml version="1.0" encoding="utf-8"?>
+<p:notes xmlns:a="http://schemas.openxmlformats.org/drawingml/2006/main" xmlns:r="http://schemas.openxmlformats.org/officeDocument/2006/relationships" xmlns:p="http://schemas.openxmlformats.org/presentationml/2006/main">
+  <p:cSld>
+    <p:spTree>
+      <p:nvGrpSpPr>
+        <p:cNvPr id="1" name="">
+          <a:extLst>
+            <a:ext uri="{FF2B5EF4-FFF2-40B4-BE49-F238E27FC236}">
+              <a16:creationId xmlns:a16="http://schemas.microsoft.com/office/drawing/2014/main" id="{6B91C503-4D35-7C14-D2E0-4AC96D9DF8E7}"/>
+            </a:ext>
+          </a:extLst>
+        </p:cNvPr>
+        <p:cNvGrpSpPr/>
+        <p:nvPr/>
+      </p:nvGrpSpPr>
+      <p:grpSpPr>
+        <a:xfrm>
+          <a:off x="0" y="0"/>
+          <a:ext cx="0" cy="0"/>
+          <a:chOff x="0" y="0"/>
+          <a:chExt cx="0" cy="0"/>
+        </a:xfrm>
+      </p:grpSpPr>
+      <p:sp>
+        <p:nvSpPr>
+          <p:cNvPr id="2" name="Slide Image Placeholder 1">
+            <a:extLst>
+              <a:ext uri="{FF2B5EF4-FFF2-40B4-BE49-F238E27FC236}">
+                <a16:creationId xmlns:a16="http://schemas.microsoft.com/office/drawing/2014/main" id="{8EB3AAA7-3668-BC78-A4CC-D649D96F5BA5}"/>
+              </a:ext>
+            </a:extLst>
+          </p:cNvPr>
+          <p:cNvSpPr>
+            <a:spLocks noGrp="1" noRot="1" noChangeAspect="1"/>
+          </p:cNvSpPr>
+          <p:nvPr>
+            <p:ph type="sldImg"/>
+          </p:nvPr>
+        </p:nvSpPr>
+        <p:spPr>
+          <a:xfrm>
+            <a:off x="438150" y="457200"/>
+            <a:ext cx="5981700" cy="3363913"/>
+          </a:xfrm>
+        </p:spPr>
+      </p:sp>
+      <p:sp>
+        <p:nvSpPr>
+          <p:cNvPr id="3" name="Notes Placeholder 2">
+            <a:extLst>
+              <a:ext uri="{FF2B5EF4-FFF2-40B4-BE49-F238E27FC236}">
+                <a16:creationId xmlns:a16="http://schemas.microsoft.com/office/drawing/2014/main" id="{9425FBED-6A8F-00FD-7CB6-EF290365E05A}"/>
+              </a:ext>
+            </a:extLst>
+          </p:cNvPr>
+          <p:cNvSpPr>
+            <a:spLocks noGrp="1"/>
+          </p:cNvSpPr>
+          <p:nvPr>
+            <p:ph type="body" idx="1"/>
+          </p:nvPr>
+        </p:nvSpPr>
+        <p:spPr/>
+        <p:txBody>
+          <a:bodyPr/>
+          <a:lstStyle/>
+          <a:p>
+            <a:endParaRPr lang="en-US" dirty="0"/>
+          </a:p>
+        </p:txBody>
+      </p:sp>
+      <p:sp>
+        <p:nvSpPr>
+          <p:cNvPr id="4" name="Slide Number Placeholder 3">
+            <a:extLst>
+              <a:ext uri="{FF2B5EF4-FFF2-40B4-BE49-F238E27FC236}">
+                <a16:creationId xmlns:a16="http://schemas.microsoft.com/office/drawing/2014/main" id="{62C5DDE0-8266-E39F-CFDA-F9F71A081802}"/>
+              </a:ext>
+            </a:extLst>
+          </p:cNvPr>
+          <p:cNvSpPr>
+            <a:spLocks noGrp="1"/>
+          </p:cNvSpPr>
+          <p:nvPr>
+            <p:ph type="sldNum" sz="quarter" idx="5"/>
+          </p:nvPr>
+        </p:nvSpPr>
+        <p:spPr/>
+        <p:txBody>
+          <a:bodyPr/>
+          <a:lstStyle/>
+          <a:p>
+            <a:fld id="{A3D89E5F-BEEF-42A1-A57B-E5A736D51194}" type="slidenum">
+              <a:rPr lang="en-US" smtClean="0"/>
+              <a:pPr/>
+              <a:t>5</a:t>
+            </a:fld>
+            <a:endParaRPr lang="en-US"/>
+          </a:p>
+        </p:txBody>
+      </p:sp>
+    </p:spTree>
+    <p:extLst>
+      <p:ext uri="{BB962C8B-B14F-4D97-AF65-F5344CB8AC3E}">
+        <p14:creationId xmlns:p14="http://schemas.microsoft.com/office/powerpoint/2010/main" val="1888462872"/>
       </p:ext>
     </p:extLst>
   </p:cSld>
@@ -7626,7 +7766,13 @@
   <p:cSld>
     <p:spTree>
       <p:nvGrpSpPr>
-        <p:cNvPr id="1" name=""/>
+        <p:cNvPr id="1" name="">
+          <a:extLst>
+            <a:ext uri="{FF2B5EF4-FFF2-40B4-BE49-F238E27FC236}">
+              <a16:creationId xmlns:a16="http://schemas.microsoft.com/office/drawing/2014/main" id="{101C4379-4013-317F-FED9-2F9C3A661EBD}"/>
+            </a:ext>
+          </a:extLst>
+        </p:cNvPr>
         <p:cNvGrpSpPr/>
         <p:nvPr/>
       </p:nvGrpSpPr>
@@ -7640,10 +7786,10 @@
       </p:grpSpPr>
       <p:sp>
         <p:nvSpPr>
-          <p:cNvPr id="131" name="Rectangle 130">
-            <a:extLst>
-              <a:ext uri="{FF2B5EF4-FFF2-40B4-BE49-F238E27FC236}">
-                <a16:creationId xmlns:a16="http://schemas.microsoft.com/office/drawing/2014/main" id="{D951D0EF-BD50-6A4D-74D8-2E4BC0DEF66B}"/>
+          <p:cNvPr id="14" name="Rectangle 13">
+            <a:extLst>
+              <a:ext uri="{FF2B5EF4-FFF2-40B4-BE49-F238E27FC236}">
+                <a16:creationId xmlns:a16="http://schemas.microsoft.com/office/drawing/2014/main" id="{DC8E61AE-0845-6800-635D-92C162DAE2A0}"/>
               </a:ext>
             </a:extLst>
           </p:cNvPr>
@@ -7652,428 +7798,18 @@
         </p:nvSpPr>
         <p:spPr>
           <a:xfrm>
-            <a:off x="6625463" y="3726986"/>
-            <a:ext cx="1597235" cy="392400"/>
+            <a:off x="203773" y="2890741"/>
+            <a:ext cx="1481277" cy="1303498"/>
           </a:xfrm>
           <a:prstGeom prst="rect">
             <a:avLst/>
           </a:prstGeom>
           <a:solidFill>
-            <a:schemeClr val="tx1">
-              <a:lumMod val="95000"/>
+            <a:schemeClr val="bg1">
+              <a:lumMod val="85000"/>
+              <a:lumOff val="15000"/>
             </a:schemeClr>
           </a:solidFill>
-          <a:ln w="22225">
-            <a:solidFill>
-              <a:schemeClr val="tx1">
-                <a:lumMod val="50000"/>
-              </a:schemeClr>
-            </a:solidFill>
-            <a:prstDash val="solid"/>
-          </a:ln>
-        </p:spPr>
-        <p:style>
-          <a:lnRef idx="2">
-            <a:schemeClr val="accent1">
-              <a:shade val="50000"/>
-            </a:schemeClr>
-          </a:lnRef>
-          <a:fillRef idx="1">
-            <a:schemeClr val="accent1"/>
-          </a:fillRef>
-          <a:effectRef idx="0">
-            <a:schemeClr val="accent1"/>
-          </a:effectRef>
-          <a:fontRef idx="minor">
-            <a:schemeClr val="lt1"/>
-          </a:fontRef>
-        </p:style>
-        <p:txBody>
-          <a:bodyPr lIns="144000" tIns="144000" rIns="36000" bIns="144000" anchor="ctr"/>
-          <a:lstStyle/>
-          <a:p>
-            <a:r>
-              <a:rPr lang="en-GB" sz="2800" baseline="-9000" dirty="0">
-                <a:solidFill>
-                  <a:schemeClr val="bg2">
-                    <a:lumMod val="40000"/>
-                    <a:lumOff val="60000"/>
-                  </a:schemeClr>
-                </a:solidFill>
-                <a:effectLst>
-                  <a:glow>
-                    <a:schemeClr val="bg1"/>
-                  </a:glow>
-                </a:effectLst>
-              </a:rPr>
-              <a:t>🏦 </a:t>
-            </a:r>
-            <a:r>
-              <a:rPr lang="en-GB" sz="2000" dirty="0">
-                <a:solidFill>
-                  <a:sysClr val="windowText" lastClr="000000"/>
-                </a:solidFill>
-                <a:latin typeface="+mj-lt"/>
-                <a:cs typeface="Arial" panose="020B0604020202020204" pitchFamily="34" charset="0"/>
-              </a:rPr>
-              <a:t>Collector</a:t>
-            </a:r>
-          </a:p>
-        </p:txBody>
-      </p:sp>
-      <p:sp>
-        <p:nvSpPr>
-          <p:cNvPr id="2" name="Rectangle 1">
-            <a:extLst>
-              <a:ext uri="{FF2B5EF4-FFF2-40B4-BE49-F238E27FC236}">
-                <a16:creationId xmlns:a16="http://schemas.microsoft.com/office/drawing/2014/main" id="{7AEA5AD9-03C1-A956-8EC0-E99DFF80E721}"/>
-              </a:ext>
-            </a:extLst>
-          </p:cNvPr>
-          <p:cNvSpPr/>
-          <p:nvPr/>
-        </p:nvSpPr>
-        <p:spPr>
-          <a:xfrm>
-            <a:off x="2745902" y="3254173"/>
-            <a:ext cx="1845803" cy="392400"/>
-          </a:xfrm>
-          <a:prstGeom prst="rect">
-            <a:avLst/>
-          </a:prstGeom>
-          <a:solidFill>
-            <a:schemeClr val="tx1">
-              <a:lumMod val="95000"/>
-            </a:schemeClr>
-          </a:solidFill>
-          <a:ln w="22225">
-            <a:solidFill>
-              <a:schemeClr val="tx1">
-                <a:lumMod val="50000"/>
-              </a:schemeClr>
-            </a:solidFill>
-            <a:prstDash val="solid"/>
-          </a:ln>
-        </p:spPr>
-        <p:style>
-          <a:lnRef idx="2">
-            <a:schemeClr val="accent1">
-              <a:shade val="50000"/>
-            </a:schemeClr>
-          </a:lnRef>
-          <a:fillRef idx="1">
-            <a:schemeClr val="accent1"/>
-          </a:fillRef>
-          <a:effectRef idx="0">
-            <a:schemeClr val="accent1"/>
-          </a:effectRef>
-          <a:fontRef idx="minor">
-            <a:schemeClr val="lt1"/>
-          </a:fontRef>
-        </p:style>
-        <p:txBody>
-          <a:bodyPr lIns="144000" tIns="144000" rIns="36000" bIns="144000" anchor="ctr"/>
-          <a:lstStyle/>
-          <a:p>
-            <a:r>
-              <a:rPr lang="en-GB" sz="2800" baseline="-9000" dirty="0">
-                <a:solidFill>
-                  <a:schemeClr val="bg2">
-                    <a:lumMod val="40000"/>
-                    <a:lumOff val="60000"/>
-                  </a:schemeClr>
-                </a:solidFill>
-                <a:effectLst>
-                  <a:glow>
-                    <a:schemeClr val="bg1"/>
-                  </a:glow>
-                </a:effectLst>
-              </a:rPr>
-              <a:t>👀 </a:t>
-            </a:r>
-            <a:r>
-              <a:rPr lang="en-GB" sz="2000" dirty="0">
-                <a:solidFill>
-                  <a:sysClr val="windowText" lastClr="000000"/>
-                </a:solidFill>
-                <a:latin typeface="+mj-lt"/>
-                <a:cs typeface="Arial" panose="020B0604020202020204" pitchFamily="34" charset="0"/>
-              </a:rPr>
-              <a:t>Advertiser</a:t>
-            </a:r>
-          </a:p>
-        </p:txBody>
-      </p:sp>
-      <p:sp>
-        <p:nvSpPr>
-          <p:cNvPr id="4" name="Rectangle 3">
-            <a:extLst>
-              <a:ext uri="{FF2B5EF4-FFF2-40B4-BE49-F238E27FC236}">
-                <a16:creationId xmlns:a16="http://schemas.microsoft.com/office/drawing/2014/main" id="{58833497-B4F8-8633-5FD6-BC940A3CD569}"/>
-              </a:ext>
-            </a:extLst>
-          </p:cNvPr>
-          <p:cNvSpPr/>
-          <p:nvPr/>
-        </p:nvSpPr>
-        <p:spPr>
-          <a:xfrm>
-            <a:off x="282229" y="3726986"/>
-            <a:ext cx="1334145" cy="392400"/>
-          </a:xfrm>
-          <a:prstGeom prst="rect">
-            <a:avLst/>
-          </a:prstGeom>
-          <a:solidFill>
-            <a:schemeClr val="tx1">
-              <a:lumMod val="95000"/>
-            </a:schemeClr>
-          </a:solidFill>
-          <a:ln w="22225">
-            <a:solidFill>
-              <a:schemeClr val="tx1">
-                <a:lumMod val="50000"/>
-              </a:schemeClr>
-            </a:solidFill>
-            <a:prstDash val="solid"/>
-          </a:ln>
-        </p:spPr>
-        <p:style>
-          <a:lnRef idx="2">
-            <a:schemeClr val="accent1">
-              <a:shade val="50000"/>
-            </a:schemeClr>
-          </a:lnRef>
-          <a:fillRef idx="1">
-            <a:schemeClr val="accent1"/>
-          </a:fillRef>
-          <a:effectRef idx="0">
-            <a:schemeClr val="accent1"/>
-          </a:effectRef>
-          <a:fontRef idx="minor">
-            <a:schemeClr val="lt1"/>
-          </a:fontRef>
-        </p:style>
-        <p:txBody>
-          <a:bodyPr lIns="144000" tIns="144000" rIns="36000" bIns="144000" anchor="ctr"/>
-          <a:lstStyle/>
-          <a:p>
-            <a:r>
-              <a:rPr lang="en-GB" sz="2800" baseline="-9000" dirty="0">
-                <a:solidFill>
-                  <a:schemeClr val="bg2">
-                    <a:lumMod val="40000"/>
-                    <a:lumOff val="60000"/>
-                  </a:schemeClr>
-                </a:solidFill>
-                <a:effectLst>
-                  <a:glow>
-                    <a:schemeClr val="bg1"/>
-                  </a:glow>
-                </a:effectLst>
-              </a:rPr>
-              <a:t>💳 </a:t>
-            </a:r>
-            <a:r>
-              <a:rPr lang="en-GB" sz="2000" dirty="0">
-                <a:solidFill>
-                  <a:sysClr val="windowText" lastClr="000000"/>
-                </a:solidFill>
-                <a:latin typeface="+mj-lt"/>
-                <a:cs typeface="Arial" panose="020B0604020202020204" pitchFamily="34" charset="0"/>
-              </a:rPr>
-              <a:t>Payer</a:t>
-            </a:r>
-          </a:p>
-        </p:txBody>
-      </p:sp>
-      <p:sp>
-        <p:nvSpPr>
-          <p:cNvPr id="5" name="Rectangle 4">
-            <a:extLst>
-              <a:ext uri="{FF2B5EF4-FFF2-40B4-BE49-F238E27FC236}">
-                <a16:creationId xmlns:a16="http://schemas.microsoft.com/office/drawing/2014/main" id="{985D60F8-6288-9DA1-99B0-501CD9431A15}"/>
-              </a:ext>
-            </a:extLst>
-          </p:cNvPr>
-          <p:cNvSpPr/>
-          <p:nvPr/>
-        </p:nvSpPr>
-        <p:spPr>
-          <a:xfrm>
-            <a:off x="282227" y="3254173"/>
-            <a:ext cx="1334146" cy="392400"/>
-          </a:xfrm>
-          <a:prstGeom prst="rect">
-            <a:avLst/>
-          </a:prstGeom>
-          <a:solidFill>
-            <a:schemeClr val="tx1">
-              <a:lumMod val="95000"/>
-            </a:schemeClr>
-          </a:solidFill>
-          <a:ln w="22225">
-            <a:solidFill>
-              <a:schemeClr val="tx1">
-                <a:lumMod val="50000"/>
-              </a:schemeClr>
-            </a:solidFill>
-            <a:prstDash val="solid"/>
-          </a:ln>
-        </p:spPr>
-        <p:style>
-          <a:lnRef idx="2">
-            <a:schemeClr val="accent1">
-              <a:shade val="50000"/>
-            </a:schemeClr>
-          </a:lnRef>
-          <a:fillRef idx="1">
-            <a:schemeClr val="accent1"/>
-          </a:fillRef>
-          <a:effectRef idx="0">
-            <a:schemeClr val="accent1"/>
-          </a:effectRef>
-          <a:fontRef idx="minor">
-            <a:schemeClr val="lt1"/>
-          </a:fontRef>
-        </p:style>
-        <p:txBody>
-          <a:bodyPr lIns="144000" tIns="144000" rIns="36000" bIns="144000" anchor="ctr"/>
-          <a:lstStyle/>
-          <a:p>
-            <a:r>
-              <a:rPr lang="en-GB" sz="2800" baseline="-9000" dirty="0">
-                <a:solidFill>
-                  <a:schemeClr val="bg2">
-                    <a:lumMod val="40000"/>
-                    <a:lumOff val="60000"/>
-                  </a:schemeClr>
-                </a:solidFill>
-                <a:effectLst>
-                  <a:glow>
-                    <a:schemeClr val="bg1"/>
-                  </a:glow>
-                </a:effectLst>
-              </a:rPr>
-              <a:t>💵 </a:t>
-            </a:r>
-            <a:r>
-              <a:rPr lang="en-GB" sz="2000" dirty="0">
-                <a:solidFill>
-                  <a:sysClr val="windowText" lastClr="000000"/>
-                </a:solidFill>
-                <a:latin typeface="+mj-lt"/>
-                <a:cs typeface="Arial" panose="020B0604020202020204" pitchFamily="34" charset="0"/>
-              </a:rPr>
-              <a:t>Seller</a:t>
-            </a:r>
-          </a:p>
-        </p:txBody>
-      </p:sp>
-      <p:sp>
-        <p:nvSpPr>
-          <p:cNvPr id="6" name="Rectangle 5">
-            <a:extLst>
-              <a:ext uri="{FF2B5EF4-FFF2-40B4-BE49-F238E27FC236}">
-                <a16:creationId xmlns:a16="http://schemas.microsoft.com/office/drawing/2014/main" id="{95372D8C-92F8-250A-1276-D3D19463AD5B}"/>
-              </a:ext>
-            </a:extLst>
-          </p:cNvPr>
-          <p:cNvSpPr/>
-          <p:nvPr/>
-        </p:nvSpPr>
-        <p:spPr>
-          <a:xfrm>
-            <a:off x="2745899" y="3726986"/>
-            <a:ext cx="1845803" cy="392400"/>
-          </a:xfrm>
-          <a:prstGeom prst="rect">
-            <a:avLst/>
-          </a:prstGeom>
-          <a:solidFill>
-            <a:schemeClr val="tx1">
-              <a:lumMod val="95000"/>
-            </a:schemeClr>
-          </a:solidFill>
-          <a:ln w="22225">
-            <a:solidFill>
-              <a:schemeClr val="tx1">
-                <a:lumMod val="50000"/>
-              </a:schemeClr>
-            </a:solidFill>
-            <a:prstDash val="solid"/>
-          </a:ln>
-        </p:spPr>
-        <p:style>
-          <a:lnRef idx="2">
-            <a:schemeClr val="accent1">
-              <a:shade val="50000"/>
-            </a:schemeClr>
-          </a:lnRef>
-          <a:fillRef idx="1">
-            <a:schemeClr val="accent1"/>
-          </a:fillRef>
-          <a:effectRef idx="0">
-            <a:schemeClr val="accent1"/>
-          </a:effectRef>
-          <a:fontRef idx="minor">
-            <a:schemeClr val="lt1"/>
-          </a:fontRef>
-        </p:style>
-        <p:txBody>
-          <a:bodyPr lIns="144000" tIns="144000" rIns="36000" bIns="144000" anchor="ctr"/>
-          <a:lstStyle/>
-          <a:p>
-            <a:r>
-              <a:rPr lang="en-GB" sz="2800" baseline="-9000" dirty="0">
-                <a:solidFill>
-                  <a:schemeClr val="bg2">
-                    <a:lumMod val="40000"/>
-                    <a:lumOff val="60000"/>
-                  </a:schemeClr>
-                </a:solidFill>
-                <a:effectLst>
-                  <a:glow>
-                    <a:schemeClr val="bg1"/>
-                  </a:glow>
-                </a:effectLst>
-              </a:rPr>
-              <a:t>🤝 </a:t>
-            </a:r>
-            <a:r>
-              <a:rPr lang="en-GB" sz="2000" dirty="0">
-                <a:solidFill>
-                  <a:sysClr val="windowText" lastClr="000000"/>
-                </a:solidFill>
-                <a:latin typeface="+mj-lt"/>
-                <a:cs typeface="Arial" panose="020B0604020202020204" pitchFamily="34" charset="0"/>
-              </a:rPr>
-              <a:t>Biller</a:t>
-            </a:r>
-          </a:p>
-        </p:txBody>
-      </p:sp>
-      <p:sp>
-        <p:nvSpPr>
-          <p:cNvPr id="14" name="Rectangle 13">
-            <a:extLst>
-              <a:ext uri="{FF2B5EF4-FFF2-40B4-BE49-F238E27FC236}">
-                <a16:creationId xmlns:a16="http://schemas.microsoft.com/office/drawing/2014/main" id="{5AAC2E7A-2446-41DD-3AAE-9123C93AD95E}"/>
-              </a:ext>
-            </a:extLst>
-          </p:cNvPr>
-          <p:cNvSpPr/>
-          <p:nvPr/>
-        </p:nvSpPr>
-        <p:spPr>
-          <a:xfrm>
-            <a:off x="203773" y="2890741"/>
-            <a:ext cx="1481277" cy="1303498"/>
-          </a:xfrm>
-          <a:prstGeom prst="rect">
-            <a:avLst/>
-          </a:prstGeom>
-          <a:noFill/>
           <a:ln w="12700">
             <a:solidFill>
               <a:srgbClr val="5A6B86"/>
@@ -8147,10 +7883,10 @@
       </p:sp>
       <p:sp>
         <p:nvSpPr>
-          <p:cNvPr id="15" name="Rectangle 14">
-            <a:extLst>
-              <a:ext uri="{FF2B5EF4-FFF2-40B4-BE49-F238E27FC236}">
-                <a16:creationId xmlns:a16="http://schemas.microsoft.com/office/drawing/2014/main" id="{8BA969CE-7D56-900A-1E68-588D11F406FE}"/>
+          <p:cNvPr id="23" name="Rectangle 22">
+            <a:extLst>
+              <a:ext uri="{FF2B5EF4-FFF2-40B4-BE49-F238E27FC236}">
+                <a16:creationId xmlns:a16="http://schemas.microsoft.com/office/drawing/2014/main" id="{FEAC0BD4-C2F0-A26C-12B8-68857B37993F}"/>
               </a:ext>
             </a:extLst>
           </p:cNvPr>
@@ -8159,345 +7895,18 @@
         </p:nvSpPr>
         <p:spPr>
           <a:xfrm>
-            <a:off x="2745902" y="4190655"/>
-            <a:ext cx="1845803" cy="392400"/>
+            <a:off x="10031551" y="2889672"/>
+            <a:ext cx="1828801" cy="1300984"/>
           </a:xfrm>
           <a:prstGeom prst="rect">
             <a:avLst/>
           </a:prstGeom>
           <a:solidFill>
-            <a:schemeClr val="tx1">
-              <a:lumMod val="95000"/>
+            <a:schemeClr val="bg1">
+              <a:lumMod val="85000"/>
+              <a:lumOff val="15000"/>
             </a:schemeClr>
           </a:solidFill>
-          <a:ln w="22225">
-            <a:solidFill>
-              <a:schemeClr val="tx1">
-                <a:lumMod val="50000"/>
-              </a:schemeClr>
-            </a:solidFill>
-            <a:prstDash val="solid"/>
-          </a:ln>
-        </p:spPr>
-        <p:style>
-          <a:lnRef idx="2">
-            <a:schemeClr val="accent1">
-              <a:shade val="50000"/>
-            </a:schemeClr>
-          </a:lnRef>
-          <a:fillRef idx="1">
-            <a:schemeClr val="accent1"/>
-          </a:fillRef>
-          <a:effectRef idx="0">
-            <a:schemeClr val="accent1"/>
-          </a:effectRef>
-          <a:fontRef idx="minor">
-            <a:schemeClr val="lt1"/>
-          </a:fontRef>
-        </p:style>
-        <p:txBody>
-          <a:bodyPr lIns="144000" tIns="144000" rIns="36000" bIns="144000" anchor="ctr"/>
-          <a:lstStyle/>
-          <a:p>
-            <a:r>
-              <a:rPr lang="en-GB" sz="2800" baseline="-9000" dirty="0">
-                <a:solidFill>
-                  <a:schemeClr val="bg2">
-                    <a:lumMod val="40000"/>
-                    <a:lumOff val="60000"/>
-                  </a:schemeClr>
-                </a:solidFill>
-                <a:effectLst>
-                  <a:glow>
-                    <a:schemeClr val="bg1"/>
-                  </a:glow>
-                </a:effectLst>
-              </a:rPr>
-              <a:t>🏦 </a:t>
-            </a:r>
-            <a:r>
-              <a:rPr lang="en-GB" sz="2000" dirty="0">
-                <a:solidFill>
-                  <a:sysClr val="windowText" lastClr="000000"/>
-                </a:solidFill>
-                <a:latin typeface="+mj-lt"/>
-                <a:cs typeface="Arial" panose="020B0604020202020204" pitchFamily="34" charset="0"/>
-              </a:rPr>
-              <a:t>Collector</a:t>
-            </a:r>
-          </a:p>
-        </p:txBody>
-      </p:sp>
-      <p:sp>
-        <p:nvSpPr>
-          <p:cNvPr id="16" name="Rectangle 15">
-            <a:extLst>
-              <a:ext uri="{FF2B5EF4-FFF2-40B4-BE49-F238E27FC236}">
-                <a16:creationId xmlns:a16="http://schemas.microsoft.com/office/drawing/2014/main" id="{7EFAFFF3-1D1D-FB73-B78B-605CE33254ED}"/>
-              </a:ext>
-            </a:extLst>
-          </p:cNvPr>
-          <p:cNvSpPr/>
-          <p:nvPr/>
-        </p:nvSpPr>
-        <p:spPr>
-          <a:xfrm>
-            <a:off x="2745898" y="4658355"/>
-            <a:ext cx="1845803" cy="392400"/>
-          </a:xfrm>
-          <a:prstGeom prst="rect">
-            <a:avLst/>
-          </a:prstGeom>
-          <a:solidFill>
-            <a:schemeClr val="tx1">
-              <a:lumMod val="95000"/>
-            </a:schemeClr>
-          </a:solidFill>
-          <a:ln w="22225">
-            <a:solidFill>
-              <a:schemeClr val="tx1">
-                <a:lumMod val="50000"/>
-              </a:schemeClr>
-            </a:solidFill>
-            <a:prstDash val="solid"/>
-          </a:ln>
-        </p:spPr>
-        <p:style>
-          <a:lnRef idx="2">
-            <a:schemeClr val="accent1">
-              <a:shade val="50000"/>
-            </a:schemeClr>
-          </a:lnRef>
-          <a:fillRef idx="1">
-            <a:schemeClr val="accent1"/>
-          </a:fillRef>
-          <a:effectRef idx="0">
-            <a:schemeClr val="accent1"/>
-          </a:effectRef>
-          <a:fontRef idx="minor">
-            <a:schemeClr val="lt1"/>
-          </a:fontRef>
-        </p:style>
-        <p:txBody>
-          <a:bodyPr lIns="144000" tIns="144000" rIns="36000" bIns="144000" anchor="ctr"/>
-          <a:lstStyle/>
-          <a:p>
-            <a:r>
-              <a:rPr lang="en-GB" sz="2800" baseline="-9000" dirty="0">
-                <a:solidFill>
-                  <a:schemeClr val="bg2">
-                    <a:lumMod val="40000"/>
-                    <a:lumOff val="60000"/>
-                  </a:schemeClr>
-                </a:solidFill>
-                <a:effectLst>
-                  <a:glow>
-                    <a:schemeClr val="bg1"/>
-                  </a:glow>
-                </a:effectLst>
-              </a:rPr>
-              <a:t>💳 </a:t>
-            </a:r>
-            <a:r>
-              <a:rPr lang="en-GB" sz="2000" dirty="0">
-                <a:solidFill>
-                  <a:sysClr val="windowText" lastClr="000000"/>
-                </a:solidFill>
-                <a:latin typeface="+mj-lt"/>
-                <a:cs typeface="Arial" panose="020B0604020202020204" pitchFamily="34" charset="0"/>
-              </a:rPr>
-              <a:t>Payer</a:t>
-            </a:r>
-          </a:p>
-        </p:txBody>
-      </p:sp>
-      <p:sp>
-        <p:nvSpPr>
-          <p:cNvPr id="3" name="Rectangle 2">
-            <a:extLst>
-              <a:ext uri="{FF2B5EF4-FFF2-40B4-BE49-F238E27FC236}">
-                <a16:creationId xmlns:a16="http://schemas.microsoft.com/office/drawing/2014/main" id="{C9187186-E7C6-E1D9-86B5-18F8F0201601}"/>
-              </a:ext>
-            </a:extLst>
-          </p:cNvPr>
-          <p:cNvSpPr/>
-          <p:nvPr/>
-        </p:nvSpPr>
-        <p:spPr>
-          <a:xfrm>
-            <a:off x="10108125" y="3254173"/>
-            <a:ext cx="1688079" cy="392400"/>
-          </a:xfrm>
-          <a:prstGeom prst="rect">
-            <a:avLst/>
-          </a:prstGeom>
-          <a:solidFill>
-            <a:schemeClr val="tx1">
-              <a:lumMod val="95000"/>
-            </a:schemeClr>
-          </a:solidFill>
-          <a:ln w="22225">
-            <a:solidFill>
-              <a:schemeClr val="tx1">
-                <a:lumMod val="50000"/>
-              </a:schemeClr>
-            </a:solidFill>
-            <a:prstDash val="solid"/>
-          </a:ln>
-        </p:spPr>
-        <p:style>
-          <a:lnRef idx="2">
-            <a:schemeClr val="accent1">
-              <a:shade val="50000"/>
-            </a:schemeClr>
-          </a:lnRef>
-          <a:fillRef idx="1">
-            <a:schemeClr val="accent1"/>
-          </a:fillRef>
-          <a:effectRef idx="0">
-            <a:schemeClr val="accent1"/>
-          </a:effectRef>
-          <a:fontRef idx="minor">
-            <a:schemeClr val="lt1"/>
-          </a:fontRef>
-        </p:style>
-        <p:txBody>
-          <a:bodyPr lIns="144000" tIns="144000" rIns="36000" bIns="144000" anchor="ctr"/>
-          <a:lstStyle/>
-          <a:p>
-            <a:r>
-              <a:rPr lang="en-GB" sz="2800" baseline="-9000" dirty="0">
-                <a:solidFill>
-                  <a:schemeClr val="bg2">
-                    <a:lumMod val="40000"/>
-                    <a:lumOff val="60000"/>
-                  </a:schemeClr>
-                </a:solidFill>
-                <a:effectLst>
-                  <a:glow>
-                    <a:schemeClr val="bg1"/>
-                  </a:glow>
-                </a:effectLst>
-              </a:rPr>
-              <a:t>🤗 </a:t>
-            </a:r>
-            <a:r>
-              <a:rPr lang="en-GB" sz="2000" dirty="0">
-                <a:solidFill>
-                  <a:sysClr val="windowText" lastClr="000000"/>
-                </a:solidFill>
-                <a:latin typeface="+mj-lt"/>
-                <a:cs typeface="Arial" panose="020B0604020202020204" pitchFamily="34" charset="0"/>
-              </a:rPr>
-              <a:t>Host</a:t>
-            </a:r>
-          </a:p>
-        </p:txBody>
-      </p:sp>
-      <p:sp>
-        <p:nvSpPr>
-          <p:cNvPr id="7" name="Rectangle 6">
-            <a:extLst>
-              <a:ext uri="{FF2B5EF4-FFF2-40B4-BE49-F238E27FC236}">
-                <a16:creationId xmlns:a16="http://schemas.microsoft.com/office/drawing/2014/main" id="{33F53AFB-FF8B-AB33-623C-865793CF0ACB}"/>
-              </a:ext>
-            </a:extLst>
-          </p:cNvPr>
-          <p:cNvSpPr/>
-          <p:nvPr/>
-        </p:nvSpPr>
-        <p:spPr>
-          <a:xfrm>
-            <a:off x="10106664" y="3726986"/>
-            <a:ext cx="1688079" cy="392400"/>
-          </a:xfrm>
-          <a:prstGeom prst="rect">
-            <a:avLst/>
-          </a:prstGeom>
-          <a:solidFill>
-            <a:schemeClr val="tx1">
-              <a:lumMod val="95000"/>
-            </a:schemeClr>
-          </a:solidFill>
-          <a:ln w="22225">
-            <a:solidFill>
-              <a:schemeClr val="tx1">
-                <a:lumMod val="50000"/>
-              </a:schemeClr>
-            </a:solidFill>
-            <a:prstDash val="solid"/>
-          </a:ln>
-        </p:spPr>
-        <p:style>
-          <a:lnRef idx="2">
-            <a:schemeClr val="accent1">
-              <a:shade val="50000"/>
-            </a:schemeClr>
-          </a:lnRef>
-          <a:fillRef idx="1">
-            <a:schemeClr val="accent1"/>
-          </a:fillRef>
-          <a:effectRef idx="0">
-            <a:schemeClr val="accent1"/>
-          </a:effectRef>
-          <a:fontRef idx="minor">
-            <a:schemeClr val="lt1"/>
-          </a:fontRef>
-        </p:style>
-        <p:txBody>
-          <a:bodyPr lIns="144000" tIns="144000" rIns="36000" bIns="144000" anchor="ctr"/>
-          <a:lstStyle/>
-          <a:p>
-            <a:r>
-              <a:rPr lang="en-GB" sz="2800" baseline="-9000" dirty="0">
-                <a:solidFill>
-                  <a:schemeClr val="bg2">
-                    <a:lumMod val="40000"/>
-                    <a:lumOff val="60000"/>
-                  </a:schemeClr>
-                </a:solidFill>
-                <a:effectLst>
-                  <a:glow>
-                    <a:schemeClr val="bg1"/>
-                  </a:glow>
-                </a:effectLst>
-              </a:rPr>
-              <a:t>🏦 </a:t>
-            </a:r>
-            <a:r>
-              <a:rPr lang="en-GB" sz="2000" dirty="0">
-                <a:solidFill>
-                  <a:sysClr val="windowText" lastClr="000000"/>
-                </a:solidFill>
-                <a:latin typeface="+mj-lt"/>
-                <a:cs typeface="Arial" panose="020B0604020202020204" pitchFamily="34" charset="0"/>
-              </a:rPr>
-              <a:t>Collector</a:t>
-            </a:r>
-          </a:p>
-        </p:txBody>
-      </p:sp>
-      <p:sp>
-        <p:nvSpPr>
-          <p:cNvPr id="23" name="Rectangle 22">
-            <a:extLst>
-              <a:ext uri="{FF2B5EF4-FFF2-40B4-BE49-F238E27FC236}">
-                <a16:creationId xmlns:a16="http://schemas.microsoft.com/office/drawing/2014/main" id="{EF539C04-88B0-E456-2CF6-0C9FE3578B15}"/>
-              </a:ext>
-            </a:extLst>
-          </p:cNvPr>
-          <p:cNvSpPr/>
-          <p:nvPr/>
-        </p:nvSpPr>
-        <p:spPr>
-          <a:xfrm>
-            <a:off x="10031551" y="2889672"/>
-            <a:ext cx="1828801" cy="1300984"/>
-          </a:xfrm>
-          <a:prstGeom prst="rect">
-            <a:avLst/>
-          </a:prstGeom>
-          <a:noFill/>
           <a:ln w="12700">
             <a:solidFill>
               <a:srgbClr val="5A6B86"/>
@@ -8574,7 +7983,7 @@
           <p:cNvPr id="24" name="Rectangle 23">
             <a:extLst>
               <a:ext uri="{FF2B5EF4-FFF2-40B4-BE49-F238E27FC236}">
-                <a16:creationId xmlns:a16="http://schemas.microsoft.com/office/drawing/2014/main" id="{A0A93E05-F44F-923E-EF43-D293496D9A31}"/>
+                <a16:creationId xmlns:a16="http://schemas.microsoft.com/office/drawing/2014/main" id="{EB5600DB-EC2D-D2EF-26F1-2E79BF68DA16}"/>
               </a:ext>
             </a:extLst>
           </p:cNvPr>
@@ -8589,7 +7998,12 @@
           <a:prstGeom prst="rect">
             <a:avLst/>
           </a:prstGeom>
-          <a:noFill/>
+          <a:solidFill>
+            <a:schemeClr val="bg1">
+              <a:lumMod val="85000"/>
+              <a:lumOff val="15000"/>
+            </a:schemeClr>
+          </a:solidFill>
           <a:ln w="12700">
             <a:solidFill>
               <a:srgbClr val="5A6B86"/>
@@ -8661,61 +8075,109 @@
           </a:p>
         </p:txBody>
       </p:sp>
-      <p:cxnSp>
-        <p:nvCxnSpPr>
-          <p:cNvPr id="32" name="Straight Arrow Connector 12">
-            <a:extLst>
-              <a:ext uri="{FF2B5EF4-FFF2-40B4-BE49-F238E27FC236}">
-                <a16:creationId xmlns:a16="http://schemas.microsoft.com/office/drawing/2014/main" id="{DF7714FC-069A-4A33-B802-D197FFA5F20B}"/>
-              </a:ext>
-            </a:extLst>
-          </p:cNvPr>
-          <p:cNvCxnSpPr>
-            <a:cxnSpLocks/>
-            <a:stCxn id="6" idx="1"/>
-            <a:endCxn id="4" idx="3"/>
-          </p:cNvCxnSpPr>
-          <p:nvPr/>
-        </p:nvCxnSpPr>
-        <p:spPr>
-          <a:xfrm flipH="1">
-            <a:off x="1616374" y="3923186"/>
-            <a:ext cx="1129525" cy="0"/>
-          </a:xfrm>
-          <a:prstGeom prst="straightConnector1">
+      <p:sp>
+        <p:nvSpPr>
+          <p:cNvPr id="130" name="Rectangle 129">
+            <a:extLst>
+              <a:ext uri="{FF2B5EF4-FFF2-40B4-BE49-F238E27FC236}">
+                <a16:creationId xmlns:a16="http://schemas.microsoft.com/office/drawing/2014/main" id="{CC1D1971-7428-E797-D6AF-728103ED2817}"/>
+              </a:ext>
+            </a:extLst>
+          </p:cNvPr>
+          <p:cNvSpPr/>
+          <p:nvPr/>
+        </p:nvSpPr>
+        <p:spPr>
+          <a:xfrm>
+            <a:off x="6555510" y="2888031"/>
+            <a:ext cx="1719072" cy="1300984"/>
+          </a:xfrm>
+          <a:prstGeom prst="rect">
             <a:avLst/>
           </a:prstGeom>
-          <a:ln>
+          <a:solidFill>
+            <a:schemeClr val="bg1">
+              <a:lumMod val="85000"/>
+              <a:lumOff val="15000"/>
+            </a:schemeClr>
+          </a:solidFill>
+          <a:ln w="12700">
             <a:solidFill>
-              <a:schemeClr val="bg1">
-                <a:lumMod val="50000"/>
-                <a:lumOff val="50000"/>
-              </a:schemeClr>
+              <a:srgbClr val="5A6B86"/>
             </a:solidFill>
-            <a:tailEnd type="triangle" w="lg" len="lg"/>
+            <a:prstDash val="dash"/>
           </a:ln>
         </p:spPr>
         <p:style>
-          <a:lnRef idx="3">
-            <a:schemeClr val="accent2"/>
+          <a:lnRef idx="2">
+            <a:schemeClr val="accent1">
+              <a:shade val="50000"/>
+            </a:schemeClr>
           </a:lnRef>
-          <a:fillRef idx="0">
-            <a:schemeClr val="accent2"/>
+          <a:fillRef idx="1">
+            <a:schemeClr val="accent1"/>
           </a:fillRef>
-          <a:effectRef idx="2">
-            <a:schemeClr val="accent2"/>
+          <a:effectRef idx="0">
+            <a:schemeClr val="accent1"/>
           </a:effectRef>
           <a:fontRef idx="minor">
-            <a:schemeClr val="tx1"/>
+            <a:schemeClr val="lt1"/>
           </a:fontRef>
         </p:style>
-      </p:cxnSp>
+        <p:txBody>
+          <a:bodyPr tIns="36000"/>
+          <a:lstStyle/>
+          <a:p>
+            <a:pPr eaLnBrk="1" fontAlgn="auto" hangingPunct="1">
+              <a:spcBef>
+                <a:spcPts val="0"/>
+              </a:spcBef>
+              <a:spcAft>
+                <a:spcPts val="0"/>
+              </a:spcAft>
+              <a:defRPr/>
+            </a:pPr>
+            <a:r>
+              <a:rPr lang="en-GB" sz="2400" baseline="-11000" dirty="0">
+                <a:solidFill>
+                  <a:schemeClr val="bg2">
+                    <a:lumMod val="40000"/>
+                    <a:lumOff val="60000"/>
+                  </a:schemeClr>
+                </a:solidFill>
+                <a:effectLst>
+                  <a:glow>
+                    <a:schemeClr val="bg1"/>
+                  </a:glow>
+                </a:effectLst>
+              </a:rPr>
+              <a:t>🧚 </a:t>
+            </a:r>
+            <a:r>
+              <a:rPr lang="en-US" i="1" dirty="0">
+                <a:solidFill>
+                  <a:schemeClr val="bg2">
+                    <a:lumMod val="40000"/>
+                    <a:lumOff val="60000"/>
+                  </a:schemeClr>
+                </a:solidFill>
+                <a:effectLst>
+                  <a:glow>
+                    <a:schemeClr val="bg1"/>
+                  </a:glow>
+                </a:effectLst>
+              </a:rPr>
+              <a:t>curator</a:t>
+            </a:r>
+          </a:p>
+        </p:txBody>
+      </p:sp>
       <p:sp>
         <p:nvSpPr>
-          <p:cNvPr id="36" name="Rectangle 35">
-            <a:extLst>
-              <a:ext uri="{FF2B5EF4-FFF2-40B4-BE49-F238E27FC236}">
-                <a16:creationId xmlns:a16="http://schemas.microsoft.com/office/drawing/2014/main" id="{3AB694B1-BC08-6E9C-0B45-12BAADB1D403}"/>
+          <p:cNvPr id="10" name="Rectangle 9">
+            <a:extLst>
+              <a:ext uri="{FF2B5EF4-FFF2-40B4-BE49-F238E27FC236}">
+                <a16:creationId xmlns:a16="http://schemas.microsoft.com/office/drawing/2014/main" id="{3BF6721D-B60B-8A75-C624-C18D4F94B1AD}"/>
               </a:ext>
             </a:extLst>
           </p:cNvPr>
@@ -8724,8 +8186,115 @@
         </p:nvSpPr>
         <p:spPr>
           <a:xfrm>
-            <a:off x="6616960" y="3255483"/>
-            <a:ext cx="1605738" cy="391090"/>
+            <a:off x="10031551" y="815403"/>
+            <a:ext cx="1828801" cy="1300984"/>
+          </a:xfrm>
+          <a:prstGeom prst="rect">
+            <a:avLst/>
+          </a:prstGeom>
+          <a:solidFill>
+            <a:schemeClr val="bg1">
+              <a:lumMod val="85000"/>
+              <a:lumOff val="15000"/>
+            </a:schemeClr>
+          </a:solidFill>
+          <a:ln w="12700">
+            <a:solidFill>
+              <a:srgbClr val="5A6B86"/>
+            </a:solidFill>
+            <a:prstDash val="dash"/>
+          </a:ln>
+        </p:spPr>
+        <p:style>
+          <a:lnRef idx="2">
+            <a:schemeClr val="accent1">
+              <a:shade val="50000"/>
+            </a:schemeClr>
+          </a:lnRef>
+          <a:fillRef idx="1">
+            <a:schemeClr val="accent1"/>
+          </a:fillRef>
+          <a:effectRef idx="0">
+            <a:schemeClr val="accent1"/>
+          </a:effectRef>
+          <a:fontRef idx="minor">
+            <a:schemeClr val="lt1"/>
+          </a:fontRef>
+        </p:style>
+        <p:txBody>
+          <a:bodyPr tIns="36000"/>
+          <a:lstStyle/>
+          <a:p>
+            <a:pPr>
+              <a:defRPr/>
+            </a:pPr>
+            <a:r>
+              <a:rPr lang="en-GB" sz="2400" baseline="-9000" dirty="0">
+                <a:solidFill>
+                  <a:schemeClr val="bg2">
+                    <a:lumMod val="40000"/>
+                    <a:lumOff val="60000"/>
+                  </a:schemeClr>
+                </a:solidFill>
+                <a:effectLst>
+                  <a:glow>
+                    <a:schemeClr val="bg1"/>
+                  </a:glow>
+                </a:effectLst>
+              </a:rPr>
+              <a:t>🤵</a:t>
+            </a:r>
+            <a:r>
+              <a:rPr lang="en-GB" sz="2400" baseline="-11000" dirty="0">
+                <a:solidFill>
+                  <a:schemeClr val="bg2">
+                    <a:lumMod val="40000"/>
+                    <a:lumOff val="60000"/>
+                  </a:schemeClr>
+                </a:solidFill>
+                <a:effectLst>
+                  <a:glow>
+                    <a:schemeClr val="bg1"/>
+                  </a:glow>
+                </a:effectLst>
+              </a:rPr>
+              <a:t> </a:t>
+            </a:r>
+            <a:r>
+              <a:rPr lang="en-US" i="1" dirty="0">
+                <a:solidFill>
+                  <a:schemeClr val="bg2">
+                    <a:lumMod val="40000"/>
+                    <a:lumOff val="60000"/>
+                  </a:schemeClr>
+                </a:solidFill>
+                <a:effectLst>
+                  <a:glow>
+                    <a:schemeClr val="bg1"/>
+                  </a:glow>
+                </a:effectLst>
+              </a:rPr>
+              <a:t>broker</a:t>
+            </a:r>
+          </a:p>
+        </p:txBody>
+      </p:sp>
+      <p:sp>
+        <p:nvSpPr>
+          <p:cNvPr id="131" name="Rectangle 130">
+            <a:extLst>
+              <a:ext uri="{FF2B5EF4-FFF2-40B4-BE49-F238E27FC236}">
+                <a16:creationId xmlns:a16="http://schemas.microsoft.com/office/drawing/2014/main" id="{83F24947-85CD-5780-2CD9-C259FA80632E}"/>
+              </a:ext>
+            </a:extLst>
+          </p:cNvPr>
+          <p:cNvSpPr/>
+          <p:nvPr/>
+        </p:nvSpPr>
+        <p:spPr>
+          <a:xfrm>
+            <a:off x="6625463" y="3726986"/>
+            <a:ext cx="1597235" cy="392400"/>
           </a:xfrm>
           <a:prstGeom prst="rect">
             <a:avLst/>
@@ -8778,7 +8347,7 @@
                   </a:glow>
                 </a:effectLst>
               </a:rPr>
-              <a:t>🧚 </a:t>
+              <a:t>🏦 </a:t>
             </a:r>
             <a:r>
               <a:rPr lang="en-GB" sz="2000" dirty="0">
@@ -8788,17 +8357,17 @@
                 <a:latin typeface="+mj-lt"/>
                 <a:cs typeface="Arial" panose="020B0604020202020204" pitchFamily="34" charset="0"/>
               </a:rPr>
-              <a:t>Curator</a:t>
+              <a:t>Collector</a:t>
             </a:r>
           </a:p>
         </p:txBody>
       </p:sp>
       <p:sp>
         <p:nvSpPr>
-          <p:cNvPr id="44" name="Rectangle 43">
-            <a:extLst>
-              <a:ext uri="{FF2B5EF4-FFF2-40B4-BE49-F238E27FC236}">
-                <a16:creationId xmlns:a16="http://schemas.microsoft.com/office/drawing/2014/main" id="{0926FB43-55FA-4B7C-928D-AE9A94AFEE30}"/>
+          <p:cNvPr id="2" name="Rectangle 1">
+            <a:extLst>
+              <a:ext uri="{FF2B5EF4-FFF2-40B4-BE49-F238E27FC236}">
+                <a16:creationId xmlns:a16="http://schemas.microsoft.com/office/drawing/2014/main" id="{6937E803-6B20-4EEE-EFFA-D77A671D9CFF}"/>
               </a:ext>
             </a:extLst>
           </p:cNvPr>
@@ -8807,8 +8376,8 @@
         </p:nvSpPr>
         <p:spPr>
           <a:xfrm>
-            <a:off x="10273104" y="1173037"/>
-            <a:ext cx="1361455" cy="392400"/>
+            <a:off x="2745902" y="3254173"/>
+            <a:ext cx="1845803" cy="392400"/>
           </a:xfrm>
           <a:prstGeom prst="rect">
             <a:avLst/>
@@ -8861,7 +8430,7 @@
                   </a:glow>
                 </a:effectLst>
               </a:rPr>
-              <a:t>🤵 </a:t>
+              <a:t>👀 </a:t>
             </a:r>
             <a:r>
               <a:rPr lang="en-GB" sz="2000" dirty="0">
@@ -8871,163 +8440,17 @@
                 <a:latin typeface="+mj-lt"/>
                 <a:cs typeface="Arial" panose="020B0604020202020204" pitchFamily="34" charset="0"/>
               </a:rPr>
-              <a:t>Broker</a:t>
+              <a:t>Advertiser</a:t>
             </a:r>
           </a:p>
         </p:txBody>
       </p:sp>
-      <p:cxnSp>
-        <p:nvCxnSpPr>
-          <p:cNvPr id="8" name="Straight Arrow Connector 12">
-            <a:extLst>
-              <a:ext uri="{FF2B5EF4-FFF2-40B4-BE49-F238E27FC236}">
-                <a16:creationId xmlns:a16="http://schemas.microsoft.com/office/drawing/2014/main" id="{8210C39D-025B-B488-8DCA-563EADC9BE40}"/>
-              </a:ext>
-            </a:extLst>
-          </p:cNvPr>
-          <p:cNvCxnSpPr>
-            <a:cxnSpLocks/>
-            <a:stCxn id="4" idx="2"/>
-            <a:endCxn id="15" idx="1"/>
-          </p:cNvCxnSpPr>
-          <p:nvPr/>
-        </p:nvCxnSpPr>
-        <p:spPr>
-          <a:xfrm rot="16200000" flipH="1">
-            <a:off x="1713868" y="3354820"/>
-            <a:ext cx="267469" cy="1796600"/>
-          </a:xfrm>
-          <a:prstGeom prst="bentConnector2">
-            <a:avLst/>
-          </a:prstGeom>
-          <a:ln>
-            <a:solidFill>
-              <a:schemeClr val="bg1">
-                <a:lumMod val="50000"/>
-                <a:lumOff val="50000"/>
-              </a:schemeClr>
-            </a:solidFill>
-            <a:tailEnd type="triangle" w="lg" len="lg"/>
-          </a:ln>
-        </p:spPr>
-        <p:style>
-          <a:lnRef idx="3">
-            <a:schemeClr val="accent2"/>
-          </a:lnRef>
-          <a:fillRef idx="0">
-            <a:schemeClr val="accent2"/>
-          </a:fillRef>
-          <a:effectRef idx="2">
-            <a:schemeClr val="accent2"/>
-          </a:effectRef>
-          <a:fontRef idx="minor">
-            <a:schemeClr val="tx1"/>
-          </a:fontRef>
-        </p:style>
-      </p:cxnSp>
-      <p:cxnSp>
-        <p:nvCxnSpPr>
-          <p:cNvPr id="29" name="Straight Arrow Connector 12">
-            <a:extLst>
-              <a:ext uri="{FF2B5EF4-FFF2-40B4-BE49-F238E27FC236}">
-                <a16:creationId xmlns:a16="http://schemas.microsoft.com/office/drawing/2014/main" id="{D0EB77B4-D8FE-DABB-3F76-E98C76A236D7}"/>
-              </a:ext>
-            </a:extLst>
-          </p:cNvPr>
-          <p:cNvCxnSpPr>
-            <a:cxnSpLocks/>
-            <a:stCxn id="5" idx="3"/>
-            <a:endCxn id="2" idx="1"/>
-          </p:cNvCxnSpPr>
-          <p:nvPr/>
-        </p:nvCxnSpPr>
-        <p:spPr>
-          <a:xfrm>
-            <a:off x="1616373" y="3450373"/>
-            <a:ext cx="1129529" cy="0"/>
-          </a:xfrm>
-          <a:prstGeom prst="straightConnector1">
-            <a:avLst/>
-          </a:prstGeom>
-          <a:ln>
-            <a:solidFill>
-              <a:schemeClr val="bg1">
-                <a:lumMod val="50000"/>
-                <a:lumOff val="50000"/>
-              </a:schemeClr>
-            </a:solidFill>
-            <a:tailEnd type="triangle" w="lg" len="lg"/>
-          </a:ln>
-        </p:spPr>
-        <p:style>
-          <a:lnRef idx="3">
-            <a:schemeClr val="accent2"/>
-          </a:lnRef>
-          <a:fillRef idx="0">
-            <a:schemeClr val="accent2"/>
-          </a:fillRef>
-          <a:effectRef idx="2">
-            <a:schemeClr val="accent2"/>
-          </a:effectRef>
-          <a:fontRef idx="minor">
-            <a:schemeClr val="tx1"/>
-          </a:fontRef>
-        </p:style>
-      </p:cxnSp>
-      <p:cxnSp>
-        <p:nvCxnSpPr>
-          <p:cNvPr id="52" name="Straight Arrow Connector 12">
-            <a:extLst>
-              <a:ext uri="{FF2B5EF4-FFF2-40B4-BE49-F238E27FC236}">
-                <a16:creationId xmlns:a16="http://schemas.microsoft.com/office/drawing/2014/main" id="{1B0A4189-5100-1C6D-25F2-2536A66758A8}"/>
-              </a:ext>
-            </a:extLst>
-          </p:cNvPr>
-          <p:cNvCxnSpPr>
-            <a:cxnSpLocks/>
-            <a:endCxn id="71" idx="1"/>
-          </p:cNvCxnSpPr>
-          <p:nvPr/>
-        </p:nvCxnSpPr>
-        <p:spPr>
-          <a:xfrm rot="16200000" flipH="1">
-            <a:off x="2643219" y="5211950"/>
-            <a:ext cx="444435" cy="239072"/>
-          </a:xfrm>
-          <a:prstGeom prst="bentConnector2">
-            <a:avLst/>
-          </a:prstGeom>
-          <a:ln>
-            <a:solidFill>
-              <a:schemeClr val="bg1">
-                <a:lumMod val="50000"/>
-                <a:lumOff val="50000"/>
-              </a:schemeClr>
-            </a:solidFill>
-            <a:tailEnd type="triangle" w="lg" len="lg"/>
-          </a:ln>
-        </p:spPr>
-        <p:style>
-          <a:lnRef idx="3">
-            <a:schemeClr val="accent2"/>
-          </a:lnRef>
-          <a:fillRef idx="0">
-            <a:schemeClr val="accent2"/>
-          </a:fillRef>
-          <a:effectRef idx="2">
-            <a:schemeClr val="accent2"/>
-          </a:effectRef>
-          <a:fontRef idx="minor">
-            <a:schemeClr val="tx1"/>
-          </a:fontRef>
-        </p:style>
-      </p:cxnSp>
       <p:sp>
         <p:nvSpPr>
-          <p:cNvPr id="71" name="Rectangle 70">
-            <a:extLst>
-              <a:ext uri="{FF2B5EF4-FFF2-40B4-BE49-F238E27FC236}">
-                <a16:creationId xmlns:a16="http://schemas.microsoft.com/office/drawing/2014/main" id="{28ED1674-A973-8A3F-076E-9F6A55D8B9EB}"/>
+          <p:cNvPr id="4" name="Rectangle 3">
+            <a:extLst>
+              <a:ext uri="{FF2B5EF4-FFF2-40B4-BE49-F238E27FC236}">
+                <a16:creationId xmlns:a16="http://schemas.microsoft.com/office/drawing/2014/main" id="{38401CD2-EFAF-6E83-EA55-7DC561A0FD65}"/>
               </a:ext>
             </a:extLst>
           </p:cNvPr>
@@ -9036,8 +8459,8 @@
         </p:nvSpPr>
         <p:spPr>
           <a:xfrm>
-            <a:off x="2984972" y="5357504"/>
-            <a:ext cx="1376334" cy="392400"/>
+            <a:off x="282229" y="3726986"/>
+            <a:ext cx="1334145" cy="392400"/>
           </a:xfrm>
           <a:prstGeom prst="rect">
             <a:avLst/>
@@ -9090,6 +8513,948 @@
                   </a:glow>
                 </a:effectLst>
               </a:rPr>
+              <a:t>💳 </a:t>
+            </a:r>
+            <a:r>
+              <a:rPr lang="en-GB" sz="2000" dirty="0">
+                <a:solidFill>
+                  <a:sysClr val="windowText" lastClr="000000"/>
+                </a:solidFill>
+                <a:latin typeface="+mj-lt"/>
+                <a:cs typeface="Arial" panose="020B0604020202020204" pitchFamily="34" charset="0"/>
+              </a:rPr>
+              <a:t>Payer</a:t>
+            </a:r>
+          </a:p>
+        </p:txBody>
+      </p:sp>
+      <p:sp>
+        <p:nvSpPr>
+          <p:cNvPr id="5" name="Rectangle 4">
+            <a:extLst>
+              <a:ext uri="{FF2B5EF4-FFF2-40B4-BE49-F238E27FC236}">
+                <a16:creationId xmlns:a16="http://schemas.microsoft.com/office/drawing/2014/main" id="{F6B5A3EA-3E03-D785-E75E-F4F861CEDCAE}"/>
+              </a:ext>
+            </a:extLst>
+          </p:cNvPr>
+          <p:cNvSpPr/>
+          <p:nvPr/>
+        </p:nvSpPr>
+        <p:spPr>
+          <a:xfrm>
+            <a:off x="282227" y="3254173"/>
+            <a:ext cx="1334146" cy="392400"/>
+          </a:xfrm>
+          <a:prstGeom prst="rect">
+            <a:avLst/>
+          </a:prstGeom>
+          <a:solidFill>
+            <a:schemeClr val="tx1">
+              <a:lumMod val="95000"/>
+            </a:schemeClr>
+          </a:solidFill>
+          <a:ln w="22225">
+            <a:solidFill>
+              <a:schemeClr val="tx1">
+                <a:lumMod val="50000"/>
+              </a:schemeClr>
+            </a:solidFill>
+            <a:prstDash val="solid"/>
+          </a:ln>
+        </p:spPr>
+        <p:style>
+          <a:lnRef idx="2">
+            <a:schemeClr val="accent1">
+              <a:shade val="50000"/>
+            </a:schemeClr>
+          </a:lnRef>
+          <a:fillRef idx="1">
+            <a:schemeClr val="accent1"/>
+          </a:fillRef>
+          <a:effectRef idx="0">
+            <a:schemeClr val="accent1"/>
+          </a:effectRef>
+          <a:fontRef idx="minor">
+            <a:schemeClr val="lt1"/>
+          </a:fontRef>
+        </p:style>
+        <p:txBody>
+          <a:bodyPr lIns="144000" tIns="144000" rIns="36000" bIns="144000" anchor="ctr"/>
+          <a:lstStyle/>
+          <a:p>
+            <a:r>
+              <a:rPr lang="en-GB" sz="2800" baseline="-9000" dirty="0">
+                <a:solidFill>
+                  <a:schemeClr val="bg2">
+                    <a:lumMod val="40000"/>
+                    <a:lumOff val="60000"/>
+                  </a:schemeClr>
+                </a:solidFill>
+                <a:effectLst>
+                  <a:glow>
+                    <a:schemeClr val="bg1"/>
+                  </a:glow>
+                </a:effectLst>
+              </a:rPr>
+              <a:t>💵 </a:t>
+            </a:r>
+            <a:r>
+              <a:rPr lang="en-GB" sz="2000" dirty="0">
+                <a:solidFill>
+                  <a:sysClr val="windowText" lastClr="000000"/>
+                </a:solidFill>
+                <a:latin typeface="+mj-lt"/>
+                <a:cs typeface="Arial" panose="020B0604020202020204" pitchFamily="34" charset="0"/>
+              </a:rPr>
+              <a:t>Seller</a:t>
+            </a:r>
+          </a:p>
+        </p:txBody>
+      </p:sp>
+      <p:sp>
+        <p:nvSpPr>
+          <p:cNvPr id="6" name="Rectangle 5">
+            <a:extLst>
+              <a:ext uri="{FF2B5EF4-FFF2-40B4-BE49-F238E27FC236}">
+                <a16:creationId xmlns:a16="http://schemas.microsoft.com/office/drawing/2014/main" id="{D7560A62-17F7-5B95-08D7-E8A456C50404}"/>
+              </a:ext>
+            </a:extLst>
+          </p:cNvPr>
+          <p:cNvSpPr/>
+          <p:nvPr/>
+        </p:nvSpPr>
+        <p:spPr>
+          <a:xfrm>
+            <a:off x="2745899" y="3726986"/>
+            <a:ext cx="1845803" cy="392400"/>
+          </a:xfrm>
+          <a:prstGeom prst="rect">
+            <a:avLst/>
+          </a:prstGeom>
+          <a:solidFill>
+            <a:schemeClr val="tx1">
+              <a:lumMod val="95000"/>
+            </a:schemeClr>
+          </a:solidFill>
+          <a:ln w="22225">
+            <a:solidFill>
+              <a:schemeClr val="tx1">
+                <a:lumMod val="50000"/>
+              </a:schemeClr>
+            </a:solidFill>
+            <a:prstDash val="solid"/>
+          </a:ln>
+        </p:spPr>
+        <p:style>
+          <a:lnRef idx="2">
+            <a:schemeClr val="accent1">
+              <a:shade val="50000"/>
+            </a:schemeClr>
+          </a:lnRef>
+          <a:fillRef idx="1">
+            <a:schemeClr val="accent1"/>
+          </a:fillRef>
+          <a:effectRef idx="0">
+            <a:schemeClr val="accent1"/>
+          </a:effectRef>
+          <a:fontRef idx="minor">
+            <a:schemeClr val="lt1"/>
+          </a:fontRef>
+        </p:style>
+        <p:txBody>
+          <a:bodyPr lIns="144000" tIns="144000" rIns="36000" bIns="144000" anchor="ctr"/>
+          <a:lstStyle/>
+          <a:p>
+            <a:r>
+              <a:rPr lang="en-GB" sz="2800" baseline="-9000" dirty="0">
+                <a:solidFill>
+                  <a:schemeClr val="bg2">
+                    <a:lumMod val="40000"/>
+                    <a:lumOff val="60000"/>
+                  </a:schemeClr>
+                </a:solidFill>
+                <a:effectLst>
+                  <a:glow>
+                    <a:schemeClr val="bg1"/>
+                  </a:glow>
+                </a:effectLst>
+              </a:rPr>
+              <a:t>🤝 </a:t>
+            </a:r>
+            <a:r>
+              <a:rPr lang="en-GB" sz="2000" dirty="0">
+                <a:solidFill>
+                  <a:sysClr val="windowText" lastClr="000000"/>
+                </a:solidFill>
+                <a:latin typeface="+mj-lt"/>
+                <a:cs typeface="Arial" panose="020B0604020202020204" pitchFamily="34" charset="0"/>
+              </a:rPr>
+              <a:t>Biller</a:t>
+            </a:r>
+          </a:p>
+        </p:txBody>
+      </p:sp>
+      <p:sp>
+        <p:nvSpPr>
+          <p:cNvPr id="15" name="Rectangle 14">
+            <a:extLst>
+              <a:ext uri="{FF2B5EF4-FFF2-40B4-BE49-F238E27FC236}">
+                <a16:creationId xmlns:a16="http://schemas.microsoft.com/office/drawing/2014/main" id="{0B2940BC-FD73-D3BF-CB0F-2BB75E0C420E}"/>
+              </a:ext>
+            </a:extLst>
+          </p:cNvPr>
+          <p:cNvSpPr/>
+          <p:nvPr/>
+        </p:nvSpPr>
+        <p:spPr>
+          <a:xfrm>
+            <a:off x="2745902" y="4190655"/>
+            <a:ext cx="1845803" cy="392400"/>
+          </a:xfrm>
+          <a:prstGeom prst="rect">
+            <a:avLst/>
+          </a:prstGeom>
+          <a:solidFill>
+            <a:schemeClr val="tx1">
+              <a:lumMod val="95000"/>
+            </a:schemeClr>
+          </a:solidFill>
+          <a:ln w="22225">
+            <a:solidFill>
+              <a:schemeClr val="tx1">
+                <a:lumMod val="50000"/>
+              </a:schemeClr>
+            </a:solidFill>
+            <a:prstDash val="solid"/>
+          </a:ln>
+        </p:spPr>
+        <p:style>
+          <a:lnRef idx="2">
+            <a:schemeClr val="accent1">
+              <a:shade val="50000"/>
+            </a:schemeClr>
+          </a:lnRef>
+          <a:fillRef idx="1">
+            <a:schemeClr val="accent1"/>
+          </a:fillRef>
+          <a:effectRef idx="0">
+            <a:schemeClr val="accent1"/>
+          </a:effectRef>
+          <a:fontRef idx="minor">
+            <a:schemeClr val="lt1"/>
+          </a:fontRef>
+        </p:style>
+        <p:txBody>
+          <a:bodyPr lIns="144000" tIns="144000" rIns="36000" bIns="144000" anchor="ctr"/>
+          <a:lstStyle/>
+          <a:p>
+            <a:r>
+              <a:rPr lang="en-GB" sz="2800" baseline="-9000" dirty="0">
+                <a:solidFill>
+                  <a:schemeClr val="bg2">
+                    <a:lumMod val="40000"/>
+                    <a:lumOff val="60000"/>
+                  </a:schemeClr>
+                </a:solidFill>
+                <a:effectLst>
+                  <a:glow>
+                    <a:schemeClr val="bg1"/>
+                  </a:glow>
+                </a:effectLst>
+              </a:rPr>
+              <a:t>🏦 </a:t>
+            </a:r>
+            <a:r>
+              <a:rPr lang="en-GB" sz="2000" dirty="0">
+                <a:solidFill>
+                  <a:sysClr val="windowText" lastClr="000000"/>
+                </a:solidFill>
+                <a:latin typeface="+mj-lt"/>
+                <a:cs typeface="Arial" panose="020B0604020202020204" pitchFamily="34" charset="0"/>
+              </a:rPr>
+              <a:t>Collector</a:t>
+            </a:r>
+          </a:p>
+        </p:txBody>
+      </p:sp>
+      <p:sp>
+        <p:nvSpPr>
+          <p:cNvPr id="16" name="Rectangle 15">
+            <a:extLst>
+              <a:ext uri="{FF2B5EF4-FFF2-40B4-BE49-F238E27FC236}">
+                <a16:creationId xmlns:a16="http://schemas.microsoft.com/office/drawing/2014/main" id="{CB96D86D-060E-5551-1E82-69788E782CCA}"/>
+              </a:ext>
+            </a:extLst>
+          </p:cNvPr>
+          <p:cNvSpPr/>
+          <p:nvPr/>
+        </p:nvSpPr>
+        <p:spPr>
+          <a:xfrm>
+            <a:off x="2745898" y="4658355"/>
+            <a:ext cx="1845803" cy="392400"/>
+          </a:xfrm>
+          <a:prstGeom prst="rect">
+            <a:avLst/>
+          </a:prstGeom>
+          <a:solidFill>
+            <a:schemeClr val="tx1">
+              <a:lumMod val="95000"/>
+            </a:schemeClr>
+          </a:solidFill>
+          <a:ln w="22225">
+            <a:solidFill>
+              <a:schemeClr val="tx1">
+                <a:lumMod val="50000"/>
+              </a:schemeClr>
+            </a:solidFill>
+            <a:prstDash val="solid"/>
+          </a:ln>
+        </p:spPr>
+        <p:style>
+          <a:lnRef idx="2">
+            <a:schemeClr val="accent1">
+              <a:shade val="50000"/>
+            </a:schemeClr>
+          </a:lnRef>
+          <a:fillRef idx="1">
+            <a:schemeClr val="accent1"/>
+          </a:fillRef>
+          <a:effectRef idx="0">
+            <a:schemeClr val="accent1"/>
+          </a:effectRef>
+          <a:fontRef idx="minor">
+            <a:schemeClr val="lt1"/>
+          </a:fontRef>
+        </p:style>
+        <p:txBody>
+          <a:bodyPr lIns="144000" tIns="144000" rIns="36000" bIns="144000" anchor="ctr"/>
+          <a:lstStyle/>
+          <a:p>
+            <a:r>
+              <a:rPr lang="en-GB" sz="2800" baseline="-9000" dirty="0">
+                <a:solidFill>
+                  <a:schemeClr val="bg2">
+                    <a:lumMod val="40000"/>
+                    <a:lumOff val="60000"/>
+                  </a:schemeClr>
+                </a:solidFill>
+                <a:effectLst>
+                  <a:glow>
+                    <a:schemeClr val="bg1"/>
+                  </a:glow>
+                </a:effectLst>
+              </a:rPr>
+              <a:t>💳 </a:t>
+            </a:r>
+            <a:r>
+              <a:rPr lang="en-GB" sz="2000" dirty="0">
+                <a:solidFill>
+                  <a:sysClr val="windowText" lastClr="000000"/>
+                </a:solidFill>
+                <a:latin typeface="+mj-lt"/>
+                <a:cs typeface="Arial" panose="020B0604020202020204" pitchFamily="34" charset="0"/>
+              </a:rPr>
+              <a:t>Payer</a:t>
+            </a:r>
+          </a:p>
+        </p:txBody>
+      </p:sp>
+      <p:sp>
+        <p:nvSpPr>
+          <p:cNvPr id="3" name="Rectangle 2">
+            <a:extLst>
+              <a:ext uri="{FF2B5EF4-FFF2-40B4-BE49-F238E27FC236}">
+                <a16:creationId xmlns:a16="http://schemas.microsoft.com/office/drawing/2014/main" id="{0C486039-7D39-891C-DBF3-F71F7EA5C8A3}"/>
+              </a:ext>
+            </a:extLst>
+          </p:cNvPr>
+          <p:cNvSpPr/>
+          <p:nvPr/>
+        </p:nvSpPr>
+        <p:spPr>
+          <a:xfrm>
+            <a:off x="10108125" y="3254173"/>
+            <a:ext cx="1688079" cy="392400"/>
+          </a:xfrm>
+          <a:prstGeom prst="rect">
+            <a:avLst/>
+          </a:prstGeom>
+          <a:solidFill>
+            <a:schemeClr val="tx1">
+              <a:lumMod val="95000"/>
+            </a:schemeClr>
+          </a:solidFill>
+          <a:ln w="22225">
+            <a:solidFill>
+              <a:schemeClr val="tx1">
+                <a:lumMod val="50000"/>
+              </a:schemeClr>
+            </a:solidFill>
+            <a:prstDash val="solid"/>
+          </a:ln>
+        </p:spPr>
+        <p:style>
+          <a:lnRef idx="2">
+            <a:schemeClr val="accent1">
+              <a:shade val="50000"/>
+            </a:schemeClr>
+          </a:lnRef>
+          <a:fillRef idx="1">
+            <a:schemeClr val="accent1"/>
+          </a:fillRef>
+          <a:effectRef idx="0">
+            <a:schemeClr val="accent1"/>
+          </a:effectRef>
+          <a:fontRef idx="minor">
+            <a:schemeClr val="lt1"/>
+          </a:fontRef>
+        </p:style>
+        <p:txBody>
+          <a:bodyPr lIns="144000" tIns="144000" rIns="36000" bIns="144000" anchor="ctr"/>
+          <a:lstStyle/>
+          <a:p>
+            <a:r>
+              <a:rPr lang="en-GB" sz="2800" baseline="-9000" dirty="0">
+                <a:solidFill>
+                  <a:schemeClr val="bg2">
+                    <a:lumMod val="40000"/>
+                    <a:lumOff val="60000"/>
+                  </a:schemeClr>
+                </a:solidFill>
+                <a:effectLst>
+                  <a:glow>
+                    <a:schemeClr val="bg1"/>
+                  </a:glow>
+                </a:effectLst>
+              </a:rPr>
+              <a:t>🤗 </a:t>
+            </a:r>
+            <a:r>
+              <a:rPr lang="en-GB" sz="2000" dirty="0">
+                <a:solidFill>
+                  <a:sysClr val="windowText" lastClr="000000"/>
+                </a:solidFill>
+                <a:latin typeface="+mj-lt"/>
+                <a:cs typeface="Arial" panose="020B0604020202020204" pitchFamily="34" charset="0"/>
+              </a:rPr>
+              <a:t>Host</a:t>
+            </a:r>
+          </a:p>
+        </p:txBody>
+      </p:sp>
+      <p:sp>
+        <p:nvSpPr>
+          <p:cNvPr id="7" name="Rectangle 6">
+            <a:extLst>
+              <a:ext uri="{FF2B5EF4-FFF2-40B4-BE49-F238E27FC236}">
+                <a16:creationId xmlns:a16="http://schemas.microsoft.com/office/drawing/2014/main" id="{AC25C1F6-9159-99B1-FD00-DD01DCA65A70}"/>
+              </a:ext>
+            </a:extLst>
+          </p:cNvPr>
+          <p:cNvSpPr/>
+          <p:nvPr/>
+        </p:nvSpPr>
+        <p:spPr>
+          <a:xfrm>
+            <a:off x="10106664" y="3726986"/>
+            <a:ext cx="1688079" cy="392400"/>
+          </a:xfrm>
+          <a:prstGeom prst="rect">
+            <a:avLst/>
+          </a:prstGeom>
+          <a:solidFill>
+            <a:schemeClr val="tx1">
+              <a:lumMod val="95000"/>
+            </a:schemeClr>
+          </a:solidFill>
+          <a:ln w="22225">
+            <a:solidFill>
+              <a:schemeClr val="tx1">
+                <a:lumMod val="50000"/>
+              </a:schemeClr>
+            </a:solidFill>
+            <a:prstDash val="solid"/>
+          </a:ln>
+        </p:spPr>
+        <p:style>
+          <a:lnRef idx="2">
+            <a:schemeClr val="accent1">
+              <a:shade val="50000"/>
+            </a:schemeClr>
+          </a:lnRef>
+          <a:fillRef idx="1">
+            <a:schemeClr val="accent1"/>
+          </a:fillRef>
+          <a:effectRef idx="0">
+            <a:schemeClr val="accent1"/>
+          </a:effectRef>
+          <a:fontRef idx="minor">
+            <a:schemeClr val="lt1"/>
+          </a:fontRef>
+        </p:style>
+        <p:txBody>
+          <a:bodyPr lIns="144000" tIns="144000" rIns="36000" bIns="144000" anchor="ctr"/>
+          <a:lstStyle/>
+          <a:p>
+            <a:r>
+              <a:rPr lang="en-GB" sz="2800" baseline="-9000" dirty="0">
+                <a:solidFill>
+                  <a:schemeClr val="bg2">
+                    <a:lumMod val="40000"/>
+                    <a:lumOff val="60000"/>
+                  </a:schemeClr>
+                </a:solidFill>
+                <a:effectLst>
+                  <a:glow>
+                    <a:schemeClr val="bg1"/>
+                  </a:glow>
+                </a:effectLst>
+              </a:rPr>
+              <a:t>🏦 </a:t>
+            </a:r>
+            <a:r>
+              <a:rPr lang="en-GB" sz="2000" dirty="0">
+                <a:solidFill>
+                  <a:sysClr val="windowText" lastClr="000000"/>
+                </a:solidFill>
+                <a:latin typeface="+mj-lt"/>
+                <a:cs typeface="Arial" panose="020B0604020202020204" pitchFamily="34" charset="0"/>
+              </a:rPr>
+              <a:t>Collector</a:t>
+            </a:r>
+          </a:p>
+        </p:txBody>
+      </p:sp>
+      <p:cxnSp>
+        <p:nvCxnSpPr>
+          <p:cNvPr id="32" name="Straight Arrow Connector 12">
+            <a:extLst>
+              <a:ext uri="{FF2B5EF4-FFF2-40B4-BE49-F238E27FC236}">
+                <a16:creationId xmlns:a16="http://schemas.microsoft.com/office/drawing/2014/main" id="{669847E2-4514-6F52-5C4A-E17C7AADF284}"/>
+              </a:ext>
+            </a:extLst>
+          </p:cNvPr>
+          <p:cNvCxnSpPr>
+            <a:cxnSpLocks/>
+            <a:stCxn id="6" idx="1"/>
+            <a:endCxn id="4" idx="3"/>
+          </p:cNvCxnSpPr>
+          <p:nvPr/>
+        </p:nvCxnSpPr>
+        <p:spPr>
+          <a:xfrm flipH="1">
+            <a:off x="1616374" y="3923186"/>
+            <a:ext cx="1129525" cy="0"/>
+          </a:xfrm>
+          <a:prstGeom prst="straightConnector1">
+            <a:avLst/>
+          </a:prstGeom>
+          <a:ln>
+            <a:solidFill>
+              <a:schemeClr val="bg1">
+                <a:lumMod val="50000"/>
+                <a:lumOff val="50000"/>
+              </a:schemeClr>
+            </a:solidFill>
+            <a:tailEnd type="triangle" w="lg" len="lg"/>
+          </a:ln>
+        </p:spPr>
+        <p:style>
+          <a:lnRef idx="3">
+            <a:schemeClr val="accent2"/>
+          </a:lnRef>
+          <a:fillRef idx="0">
+            <a:schemeClr val="accent2"/>
+          </a:fillRef>
+          <a:effectRef idx="2">
+            <a:schemeClr val="accent2"/>
+          </a:effectRef>
+          <a:fontRef idx="minor">
+            <a:schemeClr val="tx1"/>
+          </a:fontRef>
+        </p:style>
+      </p:cxnSp>
+      <p:sp>
+        <p:nvSpPr>
+          <p:cNvPr id="36" name="Rectangle 35">
+            <a:extLst>
+              <a:ext uri="{FF2B5EF4-FFF2-40B4-BE49-F238E27FC236}">
+                <a16:creationId xmlns:a16="http://schemas.microsoft.com/office/drawing/2014/main" id="{F246FAD6-9EB2-EEF5-645F-CC336ED70E8A}"/>
+              </a:ext>
+            </a:extLst>
+          </p:cNvPr>
+          <p:cNvSpPr/>
+          <p:nvPr/>
+        </p:nvSpPr>
+        <p:spPr>
+          <a:xfrm>
+            <a:off x="6616960" y="3255483"/>
+            <a:ext cx="1605738" cy="391090"/>
+          </a:xfrm>
+          <a:prstGeom prst="rect">
+            <a:avLst/>
+          </a:prstGeom>
+          <a:solidFill>
+            <a:schemeClr val="tx1">
+              <a:lumMod val="95000"/>
+            </a:schemeClr>
+          </a:solidFill>
+          <a:ln w="22225">
+            <a:solidFill>
+              <a:schemeClr val="tx1">
+                <a:lumMod val="50000"/>
+              </a:schemeClr>
+            </a:solidFill>
+            <a:prstDash val="solid"/>
+          </a:ln>
+        </p:spPr>
+        <p:style>
+          <a:lnRef idx="2">
+            <a:schemeClr val="accent1">
+              <a:shade val="50000"/>
+            </a:schemeClr>
+          </a:lnRef>
+          <a:fillRef idx="1">
+            <a:schemeClr val="accent1"/>
+          </a:fillRef>
+          <a:effectRef idx="0">
+            <a:schemeClr val="accent1"/>
+          </a:effectRef>
+          <a:fontRef idx="minor">
+            <a:schemeClr val="lt1"/>
+          </a:fontRef>
+        </p:style>
+        <p:txBody>
+          <a:bodyPr lIns="144000" tIns="144000" rIns="36000" bIns="144000" anchor="ctr"/>
+          <a:lstStyle/>
+          <a:p>
+            <a:r>
+              <a:rPr lang="en-GB" sz="2800" baseline="-9000" dirty="0">
+                <a:solidFill>
+                  <a:schemeClr val="bg2">
+                    <a:lumMod val="40000"/>
+                    <a:lumOff val="60000"/>
+                  </a:schemeClr>
+                </a:solidFill>
+                <a:effectLst>
+                  <a:glow>
+                    <a:schemeClr val="bg1"/>
+                  </a:glow>
+                </a:effectLst>
+              </a:rPr>
+              <a:t>🧚 </a:t>
+            </a:r>
+            <a:r>
+              <a:rPr lang="en-GB" sz="2000" dirty="0">
+                <a:solidFill>
+                  <a:sysClr val="windowText" lastClr="000000"/>
+                </a:solidFill>
+                <a:latin typeface="+mj-lt"/>
+                <a:cs typeface="Arial" panose="020B0604020202020204" pitchFamily="34" charset="0"/>
+              </a:rPr>
+              <a:t>Curator</a:t>
+            </a:r>
+          </a:p>
+        </p:txBody>
+      </p:sp>
+      <p:sp>
+        <p:nvSpPr>
+          <p:cNvPr id="44" name="Rectangle 43">
+            <a:extLst>
+              <a:ext uri="{FF2B5EF4-FFF2-40B4-BE49-F238E27FC236}">
+                <a16:creationId xmlns:a16="http://schemas.microsoft.com/office/drawing/2014/main" id="{E7F22899-A53E-207D-A93C-31874032E38D}"/>
+              </a:ext>
+            </a:extLst>
+          </p:cNvPr>
+          <p:cNvSpPr/>
+          <p:nvPr/>
+        </p:nvSpPr>
+        <p:spPr>
+          <a:xfrm>
+            <a:off x="10104140" y="1173037"/>
+            <a:ext cx="1688400" cy="392400"/>
+          </a:xfrm>
+          <a:prstGeom prst="rect">
+            <a:avLst/>
+          </a:prstGeom>
+          <a:solidFill>
+            <a:schemeClr val="tx1">
+              <a:lumMod val="95000"/>
+            </a:schemeClr>
+          </a:solidFill>
+          <a:ln w="22225">
+            <a:solidFill>
+              <a:schemeClr val="tx1">
+                <a:lumMod val="50000"/>
+              </a:schemeClr>
+            </a:solidFill>
+            <a:prstDash val="solid"/>
+          </a:ln>
+        </p:spPr>
+        <p:style>
+          <a:lnRef idx="2">
+            <a:schemeClr val="accent1">
+              <a:shade val="50000"/>
+            </a:schemeClr>
+          </a:lnRef>
+          <a:fillRef idx="1">
+            <a:schemeClr val="accent1"/>
+          </a:fillRef>
+          <a:effectRef idx="0">
+            <a:schemeClr val="accent1"/>
+          </a:effectRef>
+          <a:fontRef idx="minor">
+            <a:schemeClr val="lt1"/>
+          </a:fontRef>
+        </p:style>
+        <p:txBody>
+          <a:bodyPr lIns="144000" tIns="144000" rIns="36000" bIns="144000" anchor="ctr"/>
+          <a:lstStyle/>
+          <a:p>
+            <a:r>
+              <a:rPr lang="en-GB" sz="2800" baseline="-9000" dirty="0">
+                <a:solidFill>
+                  <a:schemeClr val="bg2">
+                    <a:lumMod val="40000"/>
+                    <a:lumOff val="60000"/>
+                  </a:schemeClr>
+                </a:solidFill>
+                <a:effectLst>
+                  <a:glow>
+                    <a:schemeClr val="bg1"/>
+                  </a:glow>
+                </a:effectLst>
+              </a:rPr>
+              <a:t>🤵 </a:t>
+            </a:r>
+            <a:r>
+              <a:rPr lang="en-GB" sz="2000" dirty="0">
+                <a:solidFill>
+                  <a:sysClr val="windowText" lastClr="000000"/>
+                </a:solidFill>
+                <a:latin typeface="+mj-lt"/>
+                <a:cs typeface="Arial" panose="020B0604020202020204" pitchFamily="34" charset="0"/>
+              </a:rPr>
+              <a:t>Broker</a:t>
+            </a:r>
+          </a:p>
+        </p:txBody>
+      </p:sp>
+      <p:cxnSp>
+        <p:nvCxnSpPr>
+          <p:cNvPr id="8" name="Straight Arrow Connector 12">
+            <a:extLst>
+              <a:ext uri="{FF2B5EF4-FFF2-40B4-BE49-F238E27FC236}">
+                <a16:creationId xmlns:a16="http://schemas.microsoft.com/office/drawing/2014/main" id="{559B149D-7706-433B-7E64-10214C044E7C}"/>
+              </a:ext>
+            </a:extLst>
+          </p:cNvPr>
+          <p:cNvCxnSpPr>
+            <a:cxnSpLocks/>
+            <a:stCxn id="4" idx="2"/>
+            <a:endCxn id="15" idx="1"/>
+          </p:cNvCxnSpPr>
+          <p:nvPr/>
+        </p:nvCxnSpPr>
+        <p:spPr>
+          <a:xfrm rot="16200000" flipH="1">
+            <a:off x="1713868" y="3354820"/>
+            <a:ext cx="267469" cy="1796600"/>
+          </a:xfrm>
+          <a:prstGeom prst="bentConnector2">
+            <a:avLst/>
+          </a:prstGeom>
+          <a:ln>
+            <a:solidFill>
+              <a:schemeClr val="bg1">
+                <a:lumMod val="50000"/>
+                <a:lumOff val="50000"/>
+              </a:schemeClr>
+            </a:solidFill>
+            <a:tailEnd type="triangle" w="lg" len="lg"/>
+          </a:ln>
+        </p:spPr>
+        <p:style>
+          <a:lnRef idx="3">
+            <a:schemeClr val="accent2"/>
+          </a:lnRef>
+          <a:fillRef idx="0">
+            <a:schemeClr val="accent2"/>
+          </a:fillRef>
+          <a:effectRef idx="2">
+            <a:schemeClr val="accent2"/>
+          </a:effectRef>
+          <a:fontRef idx="minor">
+            <a:schemeClr val="tx1"/>
+          </a:fontRef>
+        </p:style>
+      </p:cxnSp>
+      <p:cxnSp>
+        <p:nvCxnSpPr>
+          <p:cNvPr id="29" name="Straight Arrow Connector 12">
+            <a:extLst>
+              <a:ext uri="{FF2B5EF4-FFF2-40B4-BE49-F238E27FC236}">
+                <a16:creationId xmlns:a16="http://schemas.microsoft.com/office/drawing/2014/main" id="{D26A71D7-B7B2-37A8-D962-BC01758FF632}"/>
+              </a:ext>
+            </a:extLst>
+          </p:cNvPr>
+          <p:cNvCxnSpPr>
+            <a:cxnSpLocks/>
+            <a:stCxn id="5" idx="3"/>
+            <a:endCxn id="2" idx="1"/>
+          </p:cNvCxnSpPr>
+          <p:nvPr/>
+        </p:nvCxnSpPr>
+        <p:spPr>
+          <a:xfrm>
+            <a:off x="1616373" y="3450373"/>
+            <a:ext cx="1129529" cy="0"/>
+          </a:xfrm>
+          <a:prstGeom prst="straightConnector1">
+            <a:avLst/>
+          </a:prstGeom>
+          <a:ln>
+            <a:solidFill>
+              <a:schemeClr val="bg1">
+                <a:lumMod val="50000"/>
+                <a:lumOff val="50000"/>
+              </a:schemeClr>
+            </a:solidFill>
+            <a:tailEnd type="triangle" w="lg" len="lg"/>
+          </a:ln>
+        </p:spPr>
+        <p:style>
+          <a:lnRef idx="3">
+            <a:schemeClr val="accent2"/>
+          </a:lnRef>
+          <a:fillRef idx="0">
+            <a:schemeClr val="accent2"/>
+          </a:fillRef>
+          <a:effectRef idx="2">
+            <a:schemeClr val="accent2"/>
+          </a:effectRef>
+          <a:fontRef idx="minor">
+            <a:schemeClr val="tx1"/>
+          </a:fontRef>
+        </p:style>
+      </p:cxnSp>
+      <p:cxnSp>
+        <p:nvCxnSpPr>
+          <p:cNvPr id="52" name="Straight Arrow Connector 12">
+            <a:extLst>
+              <a:ext uri="{FF2B5EF4-FFF2-40B4-BE49-F238E27FC236}">
+                <a16:creationId xmlns:a16="http://schemas.microsoft.com/office/drawing/2014/main" id="{F4210CC8-FFF7-0020-88C0-73D385780544}"/>
+              </a:ext>
+            </a:extLst>
+          </p:cNvPr>
+          <p:cNvCxnSpPr>
+            <a:cxnSpLocks/>
+            <a:endCxn id="71" idx="1"/>
+          </p:cNvCxnSpPr>
+          <p:nvPr/>
+        </p:nvCxnSpPr>
+        <p:spPr>
+          <a:xfrm rot="16200000" flipH="1">
+            <a:off x="2643219" y="5211950"/>
+            <a:ext cx="444435" cy="239072"/>
+          </a:xfrm>
+          <a:prstGeom prst="bentConnector2">
+            <a:avLst/>
+          </a:prstGeom>
+          <a:ln>
+            <a:solidFill>
+              <a:schemeClr val="bg1">
+                <a:lumMod val="50000"/>
+                <a:lumOff val="50000"/>
+              </a:schemeClr>
+            </a:solidFill>
+            <a:tailEnd type="triangle" w="lg" len="lg"/>
+          </a:ln>
+        </p:spPr>
+        <p:style>
+          <a:lnRef idx="3">
+            <a:schemeClr val="accent2"/>
+          </a:lnRef>
+          <a:fillRef idx="0">
+            <a:schemeClr val="accent2"/>
+          </a:fillRef>
+          <a:effectRef idx="2">
+            <a:schemeClr val="accent2"/>
+          </a:effectRef>
+          <a:fontRef idx="minor">
+            <a:schemeClr val="tx1"/>
+          </a:fontRef>
+        </p:style>
+      </p:cxnSp>
+      <p:sp>
+        <p:nvSpPr>
+          <p:cNvPr id="71" name="Rectangle 70">
+            <a:extLst>
+              <a:ext uri="{FF2B5EF4-FFF2-40B4-BE49-F238E27FC236}">
+                <a16:creationId xmlns:a16="http://schemas.microsoft.com/office/drawing/2014/main" id="{E831069A-6202-0183-F4E5-F6F9CFC2E381}"/>
+              </a:ext>
+            </a:extLst>
+          </p:cNvPr>
+          <p:cNvSpPr/>
+          <p:nvPr/>
+        </p:nvSpPr>
+        <p:spPr>
+          <a:xfrm>
+            <a:off x="2984972" y="5357504"/>
+            <a:ext cx="1376334" cy="392400"/>
+          </a:xfrm>
+          <a:prstGeom prst="rect">
+            <a:avLst/>
+          </a:prstGeom>
+          <a:solidFill>
+            <a:schemeClr val="tx1">
+              <a:lumMod val="95000"/>
+            </a:schemeClr>
+          </a:solidFill>
+          <a:ln w="22225">
+            <a:solidFill>
+              <a:schemeClr val="tx1">
+                <a:lumMod val="50000"/>
+              </a:schemeClr>
+            </a:solidFill>
+            <a:prstDash val="solid"/>
+          </a:ln>
+        </p:spPr>
+        <p:style>
+          <a:lnRef idx="2">
+            <a:schemeClr val="accent1">
+              <a:shade val="50000"/>
+            </a:schemeClr>
+          </a:lnRef>
+          <a:fillRef idx="1">
+            <a:schemeClr val="accent1"/>
+          </a:fillRef>
+          <a:effectRef idx="0">
+            <a:schemeClr val="accent1"/>
+          </a:effectRef>
+          <a:fontRef idx="minor">
+            <a:schemeClr val="lt1"/>
+          </a:fontRef>
+        </p:style>
+        <p:txBody>
+          <a:bodyPr lIns="144000" tIns="144000" rIns="36000" bIns="144000" anchor="ctr"/>
+          <a:lstStyle/>
+          <a:p>
+            <a:r>
+              <a:rPr lang="en-GB" sz="2800" baseline="-9000" dirty="0">
+                <a:solidFill>
+                  <a:schemeClr val="bg2">
+                    <a:lumMod val="40000"/>
+                    <a:lumOff val="60000"/>
+                  </a:schemeClr>
+                </a:solidFill>
+                <a:effectLst>
+                  <a:glow>
+                    <a:schemeClr val="bg1"/>
+                  </a:glow>
+                </a:effectLst>
+              </a:rPr>
               <a:t>🧑‍🦰 </a:t>
             </a:r>
             <a:r>
@@ -9110,7 +9475,7 @@
           <p:cNvPr id="78" name="Straight Arrow Connector 12">
             <a:extLst>
               <a:ext uri="{FF2B5EF4-FFF2-40B4-BE49-F238E27FC236}">
-                <a16:creationId xmlns:a16="http://schemas.microsoft.com/office/drawing/2014/main" id="{8B651ACD-E6BA-283B-82BE-1BFE1365A74C}"/>
+                <a16:creationId xmlns:a16="http://schemas.microsoft.com/office/drawing/2014/main" id="{8FFA45AB-A7FE-F2D9-5395-8FDA5F2359D0}"/>
               </a:ext>
             </a:extLst>
           </p:cNvPr>
@@ -9159,7 +9524,7 @@
           <p:cNvPr id="84" name="TextBox 83">
             <a:extLst>
               <a:ext uri="{FF2B5EF4-FFF2-40B4-BE49-F238E27FC236}">
-                <a16:creationId xmlns:a16="http://schemas.microsoft.com/office/drawing/2014/main" id="{A4ABAA82-B89D-6C65-75A0-BE85BC3C4655}"/>
+                <a16:creationId xmlns:a16="http://schemas.microsoft.com/office/drawing/2014/main" id="{3B255128-D806-B256-60D4-C5D185977422}"/>
               </a:ext>
             </a:extLst>
           </p:cNvPr>
@@ -9206,25 +9571,25 @@
           <p:cNvPr id="102" name="Straight Arrow Connector 12">
             <a:extLst>
               <a:ext uri="{FF2B5EF4-FFF2-40B4-BE49-F238E27FC236}">
-                <a16:creationId xmlns:a16="http://schemas.microsoft.com/office/drawing/2014/main" id="{2410C726-407D-2E14-C578-EB8AFF4FD11F}"/>
+                <a16:creationId xmlns:a16="http://schemas.microsoft.com/office/drawing/2014/main" id="{54C4606C-28CD-7978-127A-5F638A9E6DD3}"/>
               </a:ext>
             </a:extLst>
           </p:cNvPr>
           <p:cNvCxnSpPr>
             <a:cxnSpLocks/>
-            <a:stCxn id="44" idx="3"/>
-            <a:endCxn id="3" idx="3"/>
+            <a:stCxn id="22" idx="1"/>
+            <a:endCxn id="44" idx="1"/>
           </p:cNvCxnSpPr>
           <p:nvPr/>
         </p:nvCxnSpPr>
         <p:spPr>
-          <a:xfrm>
-            <a:off x="11634559" y="1369237"/>
-            <a:ext cx="161645" cy="2081136"/>
+          <a:xfrm rot="10800000" flipH="1">
+            <a:off x="10038522" y="1369237"/>
+            <a:ext cx="65618" cy="1697778"/>
           </a:xfrm>
           <a:prstGeom prst="bentConnector3">
             <a:avLst>
-              <a:gd name="adj1" fmla="val 241421"/>
+              <a:gd name="adj1" fmla="val -348380"/>
             </a:avLst>
           </a:prstGeom>
           <a:ln>
@@ -9257,7 +9622,7 @@
           <p:cNvPr id="106" name="Rounded Rectangle 105">
             <a:extLst>
               <a:ext uri="{FF2B5EF4-FFF2-40B4-BE49-F238E27FC236}">
-                <a16:creationId xmlns:a16="http://schemas.microsoft.com/office/drawing/2014/main" id="{6236B3AD-F4B0-D646-C424-35E87CB2CB8B}"/>
+                <a16:creationId xmlns:a16="http://schemas.microsoft.com/office/drawing/2014/main" id="{487B8BB0-3EE0-91F7-786A-8B33C5C3C13B}"/>
               </a:ext>
             </a:extLst>
           </p:cNvPr>
@@ -9268,7 +9633,7 @@
         </p:nvSpPr>
         <p:spPr>
           <a:xfrm>
-            <a:off x="11627734" y="1731889"/>
+            <a:off x="10524489" y="2249386"/>
             <a:ext cx="273600" cy="267900"/>
           </a:xfrm>
           <a:prstGeom prst="roundRect">
@@ -9316,7 +9681,7 @@
           <p:cNvPr id="107" name="Straight Arrow Connector 12">
             <a:extLst>
               <a:ext uri="{FF2B5EF4-FFF2-40B4-BE49-F238E27FC236}">
-                <a16:creationId xmlns:a16="http://schemas.microsoft.com/office/drawing/2014/main" id="{3621BB5F-9F51-E810-FF03-D040B3A36EDD}"/>
+                <a16:creationId xmlns:a16="http://schemas.microsoft.com/office/drawing/2014/main" id="{4C0C73FB-FDEE-65EE-3EBB-43965FE51616}"/>
               </a:ext>
             </a:extLst>
           </p:cNvPr>
@@ -9365,7 +9730,7 @@
           <p:cNvPr id="112" name="TextBox 111">
             <a:extLst>
               <a:ext uri="{FF2B5EF4-FFF2-40B4-BE49-F238E27FC236}">
-                <a16:creationId xmlns:a16="http://schemas.microsoft.com/office/drawing/2014/main" id="{271E1B9D-6560-AAEF-FC4E-8D16C1B4FF88}"/>
+                <a16:creationId xmlns:a16="http://schemas.microsoft.com/office/drawing/2014/main" id="{C4F949E0-D28E-7CBF-1E40-2C36B5114A1B}"/>
               </a:ext>
             </a:extLst>
           </p:cNvPr>
@@ -9412,7 +9777,7 @@
           <p:cNvPr id="113" name="Rounded Rectangle 112">
             <a:extLst>
               <a:ext uri="{FF2B5EF4-FFF2-40B4-BE49-F238E27FC236}">
-                <a16:creationId xmlns:a16="http://schemas.microsoft.com/office/drawing/2014/main" id="{3BD305C9-AC34-4FB3-5D70-15D8AED6599C}"/>
+                <a16:creationId xmlns:a16="http://schemas.microsoft.com/office/drawing/2014/main" id="{F1397B5F-AD65-65F1-1215-0A01C2482E28}"/>
               </a:ext>
             </a:extLst>
           </p:cNvPr>
@@ -9471,7 +9836,7 @@
           <p:cNvPr id="114" name="Rounded Rectangle 113">
             <a:extLst>
               <a:ext uri="{FF2B5EF4-FFF2-40B4-BE49-F238E27FC236}">
-                <a16:creationId xmlns:a16="http://schemas.microsoft.com/office/drawing/2014/main" id="{4056ACEE-187E-361A-B05D-0CFB4DC9DB86}"/>
+                <a16:creationId xmlns:a16="http://schemas.microsoft.com/office/drawing/2014/main" id="{A28D39CC-90AE-2163-8456-DB27062E9EFA}"/>
               </a:ext>
             </a:extLst>
           </p:cNvPr>
@@ -9530,7 +9895,7 @@
           <p:cNvPr id="19" name="Group 18">
             <a:extLst>
               <a:ext uri="{FF2B5EF4-FFF2-40B4-BE49-F238E27FC236}">
-                <a16:creationId xmlns:a16="http://schemas.microsoft.com/office/drawing/2014/main" id="{B97FB5CF-BD6F-D771-E8BD-32EFBDEC9F8A}"/>
+                <a16:creationId xmlns:a16="http://schemas.microsoft.com/office/drawing/2014/main" id="{804EE07F-DFC9-99F6-DC3B-BB463DB6DD5B}"/>
               </a:ext>
             </a:extLst>
           </p:cNvPr>
@@ -9550,7 +9915,7 @@
             <p:cNvPr id="115" name="TextBox 114">
               <a:extLst>
                 <a:ext uri="{FF2B5EF4-FFF2-40B4-BE49-F238E27FC236}">
-                  <a16:creationId xmlns:a16="http://schemas.microsoft.com/office/drawing/2014/main" id="{FA2371D8-3DFB-F7BD-C006-C657F887E832}"/>
+                  <a16:creationId xmlns:a16="http://schemas.microsoft.com/office/drawing/2014/main" id="{0D9AF386-DF2E-837B-696F-EC5D582BA29E}"/>
                 </a:ext>
               </a:extLst>
             </p:cNvPr>
@@ -9597,7 +9962,7 @@
             <p:cNvPr id="116" name="Rounded Rectangle 115">
               <a:extLst>
                 <a:ext uri="{FF2B5EF4-FFF2-40B4-BE49-F238E27FC236}">
-                  <a16:creationId xmlns:a16="http://schemas.microsoft.com/office/drawing/2014/main" id="{4BEF1163-2EAF-4076-C48F-7FBCB26EB8A9}"/>
+                  <a16:creationId xmlns:a16="http://schemas.microsoft.com/office/drawing/2014/main" id="{1B1F170E-23EF-F944-7A8E-71B7D7DD1A13}"/>
                 </a:ext>
               </a:extLst>
             </p:cNvPr>
@@ -9657,7 +10022,7 @@
           <p:cNvPr id="119" name="TextBox 118">
             <a:extLst>
               <a:ext uri="{FF2B5EF4-FFF2-40B4-BE49-F238E27FC236}">
-                <a16:creationId xmlns:a16="http://schemas.microsoft.com/office/drawing/2014/main" id="{11C0F2F1-876D-5F9E-B2F8-BECB954D53AF}"/>
+                <a16:creationId xmlns:a16="http://schemas.microsoft.com/office/drawing/2014/main" id="{2249E212-7C8A-7BD0-09A5-2997B9C89BA7}"/>
               </a:ext>
             </a:extLst>
           </p:cNvPr>
@@ -9666,8 +10031,8 @@
         </p:nvSpPr>
         <p:spPr>
           <a:xfrm>
-            <a:off x="7780371" y="2471573"/>
-            <a:ext cx="1428215" cy="338554"/>
+            <a:off x="4295539" y="1060261"/>
+            <a:ext cx="3182893" cy="338554"/>
           </a:xfrm>
           <a:prstGeom prst="rect">
             <a:avLst/>
@@ -9694,7 +10059,7 @@
                   </a:glow>
                 </a:effectLst>
               </a:rPr>
-              <a:t>navigate</a:t>
+              <a:t>navigate to selected option</a:t>
             </a:r>
           </a:p>
         </p:txBody>
@@ -9704,7 +10069,7 @@
           <p:cNvPr id="120" name="Rounded Rectangle 119">
             <a:extLst>
               <a:ext uri="{FF2B5EF4-FFF2-40B4-BE49-F238E27FC236}">
-                <a16:creationId xmlns:a16="http://schemas.microsoft.com/office/drawing/2014/main" id="{F9F4329D-594F-DB9E-73A0-BB60C54C8C5B}"/>
+                <a16:creationId xmlns:a16="http://schemas.microsoft.com/office/drawing/2014/main" id="{80494E18-13F8-7FD6-C83F-AD8DA0A5FC54}"/>
               </a:ext>
             </a:extLst>
           </p:cNvPr>
@@ -9715,7 +10080,7 @@
         </p:nvSpPr>
         <p:spPr>
           <a:xfrm>
-            <a:off x="7521616" y="2522666"/>
+            <a:off x="4036784" y="1111354"/>
             <a:ext cx="273600" cy="267900"/>
           </a:xfrm>
           <a:prstGeom prst="roundRect">
@@ -9763,7 +10128,7 @@
           <p:cNvPr id="121" name="TextBox 120">
             <a:extLst>
               <a:ext uri="{FF2B5EF4-FFF2-40B4-BE49-F238E27FC236}">
-                <a16:creationId xmlns:a16="http://schemas.microsoft.com/office/drawing/2014/main" id="{8AFBB2D8-3F78-5437-5719-0BD4BC7845B3}"/>
+                <a16:creationId xmlns:a16="http://schemas.microsoft.com/office/drawing/2014/main" id="{CF32A1EC-9A47-CD82-9074-8939D3D1D6BD}"/>
               </a:ext>
             </a:extLst>
           </p:cNvPr>
@@ -9811,7 +10176,7 @@
           <p:cNvPr id="122" name="TextBox 121">
             <a:extLst>
               <a:ext uri="{FF2B5EF4-FFF2-40B4-BE49-F238E27FC236}">
-                <a16:creationId xmlns:a16="http://schemas.microsoft.com/office/drawing/2014/main" id="{03E0F3F6-85C7-4990-28BD-A262321DB965}"/>
+                <a16:creationId xmlns:a16="http://schemas.microsoft.com/office/drawing/2014/main" id="{C93C5069-E622-C014-A409-569D7FA07316}"/>
               </a:ext>
             </a:extLst>
           </p:cNvPr>
@@ -9858,7 +10223,7 @@
           <p:cNvPr id="123" name="TextBox 122">
             <a:extLst>
               <a:ext uri="{FF2B5EF4-FFF2-40B4-BE49-F238E27FC236}">
-                <a16:creationId xmlns:a16="http://schemas.microsoft.com/office/drawing/2014/main" id="{2270C571-D44B-0ACF-FA29-3DF53D87B540}"/>
+                <a16:creationId xmlns:a16="http://schemas.microsoft.com/office/drawing/2014/main" id="{21335F86-1816-AF8F-915E-701E15557927}"/>
               </a:ext>
             </a:extLst>
           </p:cNvPr>
@@ -9902,111 +10267,19 @@
       </p:sp>
       <p:sp>
         <p:nvSpPr>
-          <p:cNvPr id="130" name="Rectangle 129">
-            <a:extLst>
-              <a:ext uri="{FF2B5EF4-FFF2-40B4-BE49-F238E27FC236}">
-                <a16:creationId xmlns:a16="http://schemas.microsoft.com/office/drawing/2014/main" id="{BEDF7847-C0CC-E4B8-F745-7EA9235E4154}"/>
-              </a:ext>
-            </a:extLst>
-          </p:cNvPr>
-          <p:cNvSpPr/>
+          <p:cNvPr id="153" name="TextBox 152">
+            <a:extLst>
+              <a:ext uri="{FF2B5EF4-FFF2-40B4-BE49-F238E27FC236}">
+                <a16:creationId xmlns:a16="http://schemas.microsoft.com/office/drawing/2014/main" id="{7124864C-18CE-F0C5-FC8B-4F73C48AE015}"/>
+              </a:ext>
+            </a:extLst>
+          </p:cNvPr>
+          <p:cNvSpPr txBox="1"/>
           <p:nvPr/>
         </p:nvSpPr>
         <p:spPr>
           <a:xfrm>
-            <a:off x="6555510" y="2888031"/>
-            <a:ext cx="1719072" cy="1300984"/>
-          </a:xfrm>
-          <a:prstGeom prst="rect">
-            <a:avLst/>
-          </a:prstGeom>
-          <a:noFill/>
-          <a:ln w="12700">
-            <a:solidFill>
-              <a:srgbClr val="5A6B86"/>
-            </a:solidFill>
-            <a:prstDash val="dash"/>
-          </a:ln>
-        </p:spPr>
-        <p:style>
-          <a:lnRef idx="2">
-            <a:schemeClr val="accent1">
-              <a:shade val="50000"/>
-            </a:schemeClr>
-          </a:lnRef>
-          <a:fillRef idx="1">
-            <a:schemeClr val="accent1"/>
-          </a:fillRef>
-          <a:effectRef idx="0">
-            <a:schemeClr val="accent1"/>
-          </a:effectRef>
-          <a:fontRef idx="minor">
-            <a:schemeClr val="lt1"/>
-          </a:fontRef>
-        </p:style>
-        <p:txBody>
-          <a:bodyPr tIns="36000"/>
-          <a:lstStyle/>
-          <a:p>
-            <a:pPr eaLnBrk="1" fontAlgn="auto" hangingPunct="1">
-              <a:spcBef>
-                <a:spcPts val="0"/>
-              </a:spcBef>
-              <a:spcAft>
-                <a:spcPts val="0"/>
-              </a:spcAft>
-              <a:defRPr/>
-            </a:pPr>
-            <a:r>
-              <a:rPr lang="en-GB" sz="2400" baseline="-11000" dirty="0">
-                <a:solidFill>
-                  <a:schemeClr val="bg2">
-                    <a:lumMod val="40000"/>
-                    <a:lumOff val="60000"/>
-                  </a:schemeClr>
-                </a:solidFill>
-                <a:effectLst>
-                  <a:glow>
-                    <a:schemeClr val="bg1"/>
-                  </a:glow>
-                </a:effectLst>
-              </a:rPr>
-              <a:t>🧚 </a:t>
-            </a:r>
-            <a:r>
-              <a:rPr lang="en-US" i="1" dirty="0">
-                <a:solidFill>
-                  <a:schemeClr val="bg2">
-                    <a:lumMod val="40000"/>
-                    <a:lumOff val="60000"/>
-                  </a:schemeClr>
-                </a:solidFill>
-                <a:effectLst>
-                  <a:glow>
-                    <a:schemeClr val="bg1"/>
-                  </a:glow>
-                </a:effectLst>
-              </a:rPr>
-              <a:t>curator</a:t>
-            </a:r>
-          </a:p>
-        </p:txBody>
-      </p:sp>
-      <p:sp>
-        <p:nvSpPr>
-          <p:cNvPr id="153" name="TextBox 152">
-            <a:extLst>
-              <a:ext uri="{FF2B5EF4-FFF2-40B4-BE49-F238E27FC236}">
-                <a16:creationId xmlns:a16="http://schemas.microsoft.com/office/drawing/2014/main" id="{0DB2386D-738F-3429-4C82-34851A698F7D}"/>
-              </a:ext>
-            </a:extLst>
-          </p:cNvPr>
-          <p:cNvSpPr txBox="1"/>
-          <p:nvPr/>
-        </p:nvSpPr>
-        <p:spPr>
-          <a:xfrm>
-            <a:off x="10782721" y="2040580"/>
+            <a:off x="9649659" y="2558077"/>
             <a:ext cx="1235293" cy="338554"/>
           </a:xfrm>
           <a:prstGeom prst="rect">
@@ -10045,7 +10318,7 @@
           <p:cNvPr id="17" name="Straight Arrow Connector 12">
             <a:extLst>
               <a:ext uri="{FF2B5EF4-FFF2-40B4-BE49-F238E27FC236}">
-                <a16:creationId xmlns:a16="http://schemas.microsoft.com/office/drawing/2014/main" id="{14B245F5-943B-ECFD-C09C-34C924F16B0F}"/>
+                <a16:creationId xmlns:a16="http://schemas.microsoft.com/office/drawing/2014/main" id="{E667F5D6-6305-BE5E-1FBB-6184FF01FBC2}"/>
               </a:ext>
             </a:extLst>
           </p:cNvPr>
@@ -10094,7 +10367,7 @@
           <p:cNvPr id="124" name="Straight Arrow Connector 12">
             <a:extLst>
               <a:ext uri="{FF2B5EF4-FFF2-40B4-BE49-F238E27FC236}">
-                <a16:creationId xmlns:a16="http://schemas.microsoft.com/office/drawing/2014/main" id="{F5B2F34D-B642-6E09-D1E1-A10F95BCE4F2}"/>
+                <a16:creationId xmlns:a16="http://schemas.microsoft.com/office/drawing/2014/main" id="{6037A19A-1A52-C87C-4932-25DD16D3BF23}"/>
               </a:ext>
             </a:extLst>
           </p:cNvPr>
@@ -10143,7 +10416,7 @@
           <p:cNvPr id="154" name="TextBox 153">
             <a:extLst>
               <a:ext uri="{FF2B5EF4-FFF2-40B4-BE49-F238E27FC236}">
-                <a16:creationId xmlns:a16="http://schemas.microsoft.com/office/drawing/2014/main" id="{7966628B-E064-0E60-9C5D-11E148162F3E}"/>
+                <a16:creationId xmlns:a16="http://schemas.microsoft.com/office/drawing/2014/main" id="{A1260684-EADC-EC0E-E70A-183E4B97DD2A}"/>
               </a:ext>
             </a:extLst>
           </p:cNvPr>
@@ -10152,7 +10425,7 @@
         </p:nvSpPr>
         <p:spPr>
           <a:xfrm>
-            <a:off x="10956189" y="4250971"/>
+            <a:off x="9585913" y="4259867"/>
             <a:ext cx="1091366" cy="338554"/>
           </a:xfrm>
           <a:prstGeom prst="rect">
@@ -10190,7 +10463,7 @@
           <p:cNvPr id="215" name="Straight Arrow Connector 12">
             <a:extLst>
               <a:ext uri="{FF2B5EF4-FFF2-40B4-BE49-F238E27FC236}">
-                <a16:creationId xmlns:a16="http://schemas.microsoft.com/office/drawing/2014/main" id="{D8877A8C-22E9-1F89-98E5-E3153E273ADB}"/>
+                <a16:creationId xmlns:a16="http://schemas.microsoft.com/office/drawing/2014/main" id="{910B6C23-2CE3-3180-FA18-A1CE7E75DEB0}"/>
               </a:ext>
             </a:extLst>
           </p:cNvPr>
@@ -10240,7 +10513,7 @@
           <p:cNvPr id="223" name="TextBox 222">
             <a:extLst>
               <a:ext uri="{FF2B5EF4-FFF2-40B4-BE49-F238E27FC236}">
-                <a16:creationId xmlns:a16="http://schemas.microsoft.com/office/drawing/2014/main" id="{C9317102-C781-F51B-DC81-CAD5DAEBAF4F}"/>
+                <a16:creationId xmlns:a16="http://schemas.microsoft.com/office/drawing/2014/main" id="{D0D4F86D-B668-AF54-DFD9-9919A7EBDBF2}"/>
               </a:ext>
             </a:extLst>
           </p:cNvPr>
@@ -10249,7 +10522,7 @@
         </p:nvSpPr>
         <p:spPr>
           <a:xfrm>
-            <a:off x="7433334" y="4250971"/>
+            <a:off x="6070481" y="4257754"/>
             <a:ext cx="1091366" cy="338554"/>
           </a:xfrm>
           <a:prstGeom prst="rect">
@@ -10287,7 +10560,7 @@
           <p:cNvPr id="225" name="TextBox 224">
             <a:extLst>
               <a:ext uri="{FF2B5EF4-FFF2-40B4-BE49-F238E27FC236}">
-                <a16:creationId xmlns:a16="http://schemas.microsoft.com/office/drawing/2014/main" id="{22B85175-50A9-7138-3733-B150DFECD21E}"/>
+                <a16:creationId xmlns:a16="http://schemas.microsoft.com/office/drawing/2014/main" id="{5785E3D6-A815-C8DC-199C-EB8992622A41}"/>
               </a:ext>
             </a:extLst>
           </p:cNvPr>
@@ -10334,7 +10607,7 @@
           <p:cNvPr id="226" name="Rounded Rectangle 225">
             <a:extLst>
               <a:ext uri="{FF2B5EF4-FFF2-40B4-BE49-F238E27FC236}">
-                <a16:creationId xmlns:a16="http://schemas.microsoft.com/office/drawing/2014/main" id="{43D516DF-F869-142E-E063-42DECB2E747F}"/>
+                <a16:creationId xmlns:a16="http://schemas.microsoft.com/office/drawing/2014/main" id="{0CE5B752-0F21-98DB-8C99-30B63E573EEB}"/>
               </a:ext>
             </a:extLst>
           </p:cNvPr>
@@ -10393,7 +10666,7 @@
           <p:cNvPr id="227" name="Rounded Rectangle 226">
             <a:extLst>
               <a:ext uri="{FF2B5EF4-FFF2-40B4-BE49-F238E27FC236}">
-                <a16:creationId xmlns:a16="http://schemas.microsoft.com/office/drawing/2014/main" id="{51944D05-0291-6625-A0AE-E79E4FB858D5}"/>
+                <a16:creationId xmlns:a16="http://schemas.microsoft.com/office/drawing/2014/main" id="{7B62CE08-CD28-F446-658E-854A68F145D2}"/>
               </a:ext>
             </a:extLst>
           </p:cNvPr>
@@ -10454,7 +10727,7 @@
           <p:cNvPr id="229" name="Rounded Rectangle 228">
             <a:extLst>
               <a:ext uri="{FF2B5EF4-FFF2-40B4-BE49-F238E27FC236}">
-                <a16:creationId xmlns:a16="http://schemas.microsoft.com/office/drawing/2014/main" id="{52CB9F89-459D-7E9C-B9D8-8EF710ED9EEA}"/>
+                <a16:creationId xmlns:a16="http://schemas.microsoft.com/office/drawing/2014/main" id="{F3C141C7-41A3-68FC-C21B-E0E34E97FE32}"/>
               </a:ext>
             </a:extLst>
           </p:cNvPr>
@@ -10472,7 +10745,7 @@
             <a:avLst/>
           </a:prstGeom>
           <a:solidFill>
-            <a:srgbClr val="7030A0"/>
+            <a:srgbClr val="945200"/>
           </a:solidFill>
           <a:ln>
             <a:noFill/>
@@ -10503,7 +10776,7 @@
                   <a:schemeClr val="tx1"/>
                 </a:solidFill>
               </a:rPr>
-              <a:t>A</a:t>
+              <a:t>E</a:t>
             </a:r>
           </a:p>
         </p:txBody>
@@ -10513,7 +10786,7 @@
           <p:cNvPr id="231" name="Rounded Rectangle 230">
             <a:extLst>
               <a:ext uri="{FF2B5EF4-FFF2-40B4-BE49-F238E27FC236}">
-                <a16:creationId xmlns:a16="http://schemas.microsoft.com/office/drawing/2014/main" id="{929FFF3B-A4A6-7009-6128-1E76BACA7336}"/>
+                <a16:creationId xmlns:a16="http://schemas.microsoft.com/office/drawing/2014/main" id="{5B324E17-D84D-0281-C00D-C914A57FAC60}"/>
               </a:ext>
             </a:extLst>
           </p:cNvPr>
@@ -10531,7 +10804,7 @@
             <a:avLst/>
           </a:prstGeom>
           <a:solidFill>
-            <a:srgbClr val="7030A0"/>
+            <a:srgbClr val="945200"/>
           </a:solidFill>
           <a:ln>
             <a:noFill/>
@@ -10562,7 +10835,7 @@
                   <a:schemeClr val="tx1"/>
                 </a:solidFill>
               </a:rPr>
-              <a:t>B</a:t>
+              <a:t>F</a:t>
             </a:r>
           </a:p>
         </p:txBody>
@@ -10572,7 +10845,7 @@
           <p:cNvPr id="234" name="Rounded Rectangle 233">
             <a:extLst>
               <a:ext uri="{FF2B5EF4-FFF2-40B4-BE49-F238E27FC236}">
-                <a16:creationId xmlns:a16="http://schemas.microsoft.com/office/drawing/2014/main" id="{DF1154D1-A002-BE06-0823-103198225B37}"/>
+                <a16:creationId xmlns:a16="http://schemas.microsoft.com/office/drawing/2014/main" id="{6E91E00C-FB05-4A6B-0641-438453DB39F4}"/>
               </a:ext>
             </a:extLst>
           </p:cNvPr>
@@ -10631,7 +10904,7 @@
           <p:cNvPr id="235" name="Rounded Rectangle 234">
             <a:extLst>
               <a:ext uri="{FF2B5EF4-FFF2-40B4-BE49-F238E27FC236}">
-                <a16:creationId xmlns:a16="http://schemas.microsoft.com/office/drawing/2014/main" id="{AFEBFDAA-EF02-BA1D-924E-6E1775227D37}"/>
+                <a16:creationId xmlns:a16="http://schemas.microsoft.com/office/drawing/2014/main" id="{7B561FBE-E97C-1A25-3CD0-774BE4176A08}"/>
               </a:ext>
             </a:extLst>
           </p:cNvPr>
@@ -10680,7 +10953,7 @@
                   <a:schemeClr val="tx1"/>
                 </a:solidFill>
               </a:rPr>
-              <a:t>B</a:t>
+              <a:t>C</a:t>
             </a:r>
           </a:p>
         </p:txBody>
@@ -10690,7 +10963,7 @@
           <p:cNvPr id="241" name="Rectangle 240">
             <a:extLst>
               <a:ext uri="{FF2B5EF4-FFF2-40B4-BE49-F238E27FC236}">
-                <a16:creationId xmlns:a16="http://schemas.microsoft.com/office/drawing/2014/main" id="{24A5D078-548A-0E7F-BA30-36CE92CEC35B}"/>
+                <a16:creationId xmlns:a16="http://schemas.microsoft.com/office/drawing/2014/main" id="{4AED1827-94B6-DCA2-9A06-0D0D66BBB095}"/>
               </a:ext>
             </a:extLst>
           </p:cNvPr>
@@ -10773,21 +11046,21 @@
           <p:cNvPr id="242" name="Straight Arrow Connector 12">
             <a:extLst>
               <a:ext uri="{FF2B5EF4-FFF2-40B4-BE49-F238E27FC236}">
-                <a16:creationId xmlns:a16="http://schemas.microsoft.com/office/drawing/2014/main" id="{FBD6E426-EA0A-1032-5662-160CDFA36A7B}"/>
+                <a16:creationId xmlns:a16="http://schemas.microsoft.com/office/drawing/2014/main" id="{991AA3EE-B118-5F74-F5DC-479BE87C1911}"/>
               </a:ext>
             </a:extLst>
           </p:cNvPr>
           <p:cNvCxnSpPr>
             <a:cxnSpLocks/>
-            <a:stCxn id="44" idx="0"/>
+            <a:stCxn id="10" idx="0"/>
             <a:endCxn id="241" idx="3"/>
           </p:cNvCxnSpPr>
           <p:nvPr/>
         </p:nvCxnSpPr>
         <p:spPr>
           <a:xfrm rot="16200000" flipV="1">
-            <a:off x="7226952" y="-2553843"/>
-            <a:ext cx="776892" cy="6676868"/>
+            <a:off x="7401829" y="-2728720"/>
+            <a:ext cx="419258" cy="6668988"/>
           </a:xfrm>
           <a:prstGeom prst="bentConnector2">
             <a:avLst/>
@@ -10822,7 +11095,7 @@
           <p:cNvPr id="269" name="Group 268">
             <a:extLst>
               <a:ext uri="{FF2B5EF4-FFF2-40B4-BE49-F238E27FC236}">
-                <a16:creationId xmlns:a16="http://schemas.microsoft.com/office/drawing/2014/main" id="{0B1126B8-C805-E7CC-346D-519E33649A2E}"/>
+                <a16:creationId xmlns:a16="http://schemas.microsoft.com/office/drawing/2014/main" id="{FE6E8C38-4677-1D0A-4175-79D66AEE3F38}"/>
               </a:ext>
             </a:extLst>
           </p:cNvPr>
@@ -10831,7 +11104,7 @@
         </p:nvGrpSpPr>
         <p:grpSpPr>
           <a:xfrm>
-            <a:off x="9789675" y="456784"/>
+            <a:off x="9676369" y="456784"/>
             <a:ext cx="1388515" cy="338554"/>
             <a:chOff x="9740247" y="1519486"/>
             <a:chExt cx="1388515" cy="338554"/>
@@ -10842,7 +11115,7 @@
             <p:cNvPr id="245" name="TextBox 244">
               <a:extLst>
                 <a:ext uri="{FF2B5EF4-FFF2-40B4-BE49-F238E27FC236}">
-                  <a16:creationId xmlns:a16="http://schemas.microsoft.com/office/drawing/2014/main" id="{688D44E8-9EC5-E965-AF5D-49045C1967E9}"/>
+                  <a16:creationId xmlns:a16="http://schemas.microsoft.com/office/drawing/2014/main" id="{03246AF9-F840-5709-4939-7C9FB41CD33B}"/>
                 </a:ext>
               </a:extLst>
             </p:cNvPr>
@@ -10889,7 +11162,7 @@
             <p:cNvPr id="246" name="Rounded Rectangle 245">
               <a:extLst>
                 <a:ext uri="{FF2B5EF4-FFF2-40B4-BE49-F238E27FC236}">
-                  <a16:creationId xmlns:a16="http://schemas.microsoft.com/office/drawing/2014/main" id="{91DC9B6F-3741-BD51-CFB1-9857CDE4A670}"/>
+                  <a16:creationId xmlns:a16="http://schemas.microsoft.com/office/drawing/2014/main" id="{A2E511CB-AB71-CD24-21B8-27CCF24C77DD}"/>
                 </a:ext>
               </a:extLst>
             </p:cNvPr>
@@ -10949,7 +11222,7 @@
           <p:cNvPr id="252" name="TextBox 251">
             <a:extLst>
               <a:ext uri="{FF2B5EF4-FFF2-40B4-BE49-F238E27FC236}">
-                <a16:creationId xmlns:a16="http://schemas.microsoft.com/office/drawing/2014/main" id="{A7EBBEC1-EC0C-611D-848C-67B5B9956F83}"/>
+                <a16:creationId xmlns:a16="http://schemas.microsoft.com/office/drawing/2014/main" id="{B424E39E-F618-70C0-BB1E-1D7AD6E8809C}"/>
               </a:ext>
             </a:extLst>
           </p:cNvPr>
@@ -10985,7 +11258,7 @@
           <p:cNvPr id="262" name="Straight Arrow Connector 12">
             <a:extLst>
               <a:ext uri="{FF2B5EF4-FFF2-40B4-BE49-F238E27FC236}">
-                <a16:creationId xmlns:a16="http://schemas.microsoft.com/office/drawing/2014/main" id="{9773F4DF-96C8-C748-2432-77C208E3D278}"/>
+                <a16:creationId xmlns:a16="http://schemas.microsoft.com/office/drawing/2014/main" id="{A3405822-A54E-93B6-60E0-51C256CC4DD6}"/>
               </a:ext>
             </a:extLst>
           </p:cNvPr>
@@ -11034,21 +11307,21 @@
           <p:cNvPr id="272" name="Straight Arrow Connector 12">
             <a:extLst>
               <a:ext uri="{FF2B5EF4-FFF2-40B4-BE49-F238E27FC236}">
-                <a16:creationId xmlns:a16="http://schemas.microsoft.com/office/drawing/2014/main" id="{DD544852-0996-2EE6-638C-3A5E6617FC15}"/>
+                <a16:creationId xmlns:a16="http://schemas.microsoft.com/office/drawing/2014/main" id="{5501DFAA-EFB3-421A-48AD-B7410D0D3B9E}"/>
               </a:ext>
             </a:extLst>
           </p:cNvPr>
           <p:cNvCxnSpPr>
             <a:cxnSpLocks/>
-            <a:stCxn id="23" idx="0"/>
-            <a:endCxn id="44" idx="2"/>
+            <a:stCxn id="10" idx="2"/>
+            <a:endCxn id="23" idx="0"/>
           </p:cNvCxnSpPr>
           <p:nvPr/>
         </p:nvCxnSpPr>
         <p:spPr>
-          <a:xfrm flipV="1">
-            <a:off x="10945952" y="1565437"/>
-            <a:ext cx="7880" cy="1324235"/>
+          <a:xfrm>
+            <a:off x="10945952" y="2116387"/>
+            <a:ext cx="0" cy="773285"/>
           </a:xfrm>
           <a:prstGeom prst="straightConnector1">
             <a:avLst/>
@@ -11083,7 +11356,7 @@
           <p:cNvPr id="275" name="Rounded Rectangle 274">
             <a:extLst>
               <a:ext uri="{FF2B5EF4-FFF2-40B4-BE49-F238E27FC236}">
-                <a16:creationId xmlns:a16="http://schemas.microsoft.com/office/drawing/2014/main" id="{359F0404-575A-7336-1759-383938DAE998}"/>
+                <a16:creationId xmlns:a16="http://schemas.microsoft.com/office/drawing/2014/main" id="{39DE9B6D-5FCC-1D8A-2358-63173929326F}"/>
               </a:ext>
             </a:extLst>
           </p:cNvPr>
@@ -11094,7 +11367,7 @@
         </p:nvSpPr>
         <p:spPr>
           <a:xfrm>
-            <a:off x="10555626" y="2273730"/>
+            <a:off x="9412826" y="2005824"/>
             <a:ext cx="273600" cy="267900"/>
           </a:xfrm>
           <a:prstGeom prst="roundRect">
@@ -11142,7 +11415,7 @@
           <p:cNvPr id="276" name="TextBox 275">
             <a:extLst>
               <a:ext uri="{FF2B5EF4-FFF2-40B4-BE49-F238E27FC236}">
-                <a16:creationId xmlns:a16="http://schemas.microsoft.com/office/drawing/2014/main" id="{7D776B1B-A879-8B79-57CF-0DD0B6B97217}"/>
+                <a16:creationId xmlns:a16="http://schemas.microsoft.com/office/drawing/2014/main" id="{2028F9FB-7E01-6457-6C77-EAC96AD2BC8B}"/>
               </a:ext>
             </a:extLst>
           </p:cNvPr>
@@ -11151,7 +11424,7 @@
         </p:nvSpPr>
         <p:spPr>
           <a:xfrm>
-            <a:off x="9710613" y="2549234"/>
+            <a:off x="8567813" y="2281328"/>
             <a:ext cx="1235293" cy="338554"/>
           </a:xfrm>
           <a:prstGeom prst="rect">
@@ -11190,7 +11463,7 @@
           <p:cNvPr id="277" name="TextBox 276">
             <a:extLst>
               <a:ext uri="{FF2B5EF4-FFF2-40B4-BE49-F238E27FC236}">
-                <a16:creationId xmlns:a16="http://schemas.microsoft.com/office/drawing/2014/main" id="{91250EF5-B461-C7BC-99ED-97DFECC241CB}"/>
+                <a16:creationId xmlns:a16="http://schemas.microsoft.com/office/drawing/2014/main" id="{B700FC9C-9284-FA35-C98A-E1868D3C71F2}"/>
               </a:ext>
             </a:extLst>
           </p:cNvPr>
@@ -11327,7 +11600,7 @@
           <p:cNvPr id="278" name="Straight Arrow Connector 12">
             <a:extLst>
               <a:ext uri="{FF2B5EF4-FFF2-40B4-BE49-F238E27FC236}">
-                <a16:creationId xmlns:a16="http://schemas.microsoft.com/office/drawing/2014/main" id="{7F7DE762-3DB4-D1DD-3346-9E824A876D48}"/>
+                <a16:creationId xmlns:a16="http://schemas.microsoft.com/office/drawing/2014/main" id="{12FD7CE9-EC23-98B1-CDF1-6E24035B168E}"/>
               </a:ext>
             </a:extLst>
           </p:cNvPr>
@@ -11375,7 +11648,7 @@
           <p:cNvPr id="283" name="TextBox 282">
             <a:extLst>
               <a:ext uri="{FF2B5EF4-FFF2-40B4-BE49-F238E27FC236}">
-                <a16:creationId xmlns:a16="http://schemas.microsoft.com/office/drawing/2014/main" id="{2464F95F-FCAE-BDBF-7EEA-671831D1C7A0}"/>
+                <a16:creationId xmlns:a16="http://schemas.microsoft.com/office/drawing/2014/main" id="{C9CEC3B9-C61E-BF52-09C5-B01B84897F43}"/>
               </a:ext>
             </a:extLst>
           </p:cNvPr>
@@ -11384,7 +11657,7 @@
         </p:nvSpPr>
         <p:spPr>
           <a:xfrm>
-            <a:off x="4017585" y="647682"/>
+            <a:off x="3009566" y="1012915"/>
             <a:ext cx="639105" cy="338554"/>
           </a:xfrm>
           <a:prstGeom prst="rect">
@@ -11423,7 +11696,7 @@
           <p:cNvPr id="284" name="Rounded Rectangle 283">
             <a:extLst>
               <a:ext uri="{FF2B5EF4-FFF2-40B4-BE49-F238E27FC236}">
-                <a16:creationId xmlns:a16="http://schemas.microsoft.com/office/drawing/2014/main" id="{E20611D2-EBDA-88E8-F888-2A3AA388A950}"/>
+                <a16:creationId xmlns:a16="http://schemas.microsoft.com/office/drawing/2014/main" id="{33D86450-0061-F613-0496-F961508074A8}"/>
               </a:ext>
             </a:extLst>
           </p:cNvPr>
@@ -11434,7 +11707,7 @@
         </p:nvSpPr>
         <p:spPr>
           <a:xfrm>
-            <a:off x="3779133" y="686852"/>
+            <a:off x="3278012" y="715158"/>
             <a:ext cx="273600" cy="267900"/>
           </a:xfrm>
           <a:prstGeom prst="roundRect">
@@ -11482,7 +11755,7 @@
           <p:cNvPr id="285" name="TextBox 284">
             <a:extLst>
               <a:ext uri="{FF2B5EF4-FFF2-40B4-BE49-F238E27FC236}">
-                <a16:creationId xmlns:a16="http://schemas.microsoft.com/office/drawing/2014/main" id="{7D61648F-9B37-3ADE-B012-1C094C836F6E}"/>
+                <a16:creationId xmlns:a16="http://schemas.microsoft.com/office/drawing/2014/main" id="{CF7F30B8-8F69-5A13-5A9A-F8DE005C6EA5}"/>
               </a:ext>
             </a:extLst>
           </p:cNvPr>
@@ -11522,7 +11795,7 @@
           <p:cNvPr id="290" name="Group 289">
             <a:extLst>
               <a:ext uri="{FF2B5EF4-FFF2-40B4-BE49-F238E27FC236}">
-                <a16:creationId xmlns:a16="http://schemas.microsoft.com/office/drawing/2014/main" id="{4E01D56F-A5E4-99AF-1F21-3DC40E91722D}"/>
+                <a16:creationId xmlns:a16="http://schemas.microsoft.com/office/drawing/2014/main" id="{FB4D65BB-EC5F-0D77-E8B9-D243AF0C8B8D}"/>
               </a:ext>
             </a:extLst>
           </p:cNvPr>
@@ -11542,7 +11815,7 @@
             <p:cNvPr id="287" name="Group 286">
               <a:extLst>
                 <a:ext uri="{FF2B5EF4-FFF2-40B4-BE49-F238E27FC236}">
-                  <a16:creationId xmlns:a16="http://schemas.microsoft.com/office/drawing/2014/main" id="{BEF8EB00-532B-1194-0CC4-A090DBDDAD58}"/>
+                  <a16:creationId xmlns:a16="http://schemas.microsoft.com/office/drawing/2014/main" id="{35488A1E-4A26-820D-EF9F-164F177FDDEF}"/>
                 </a:ext>
               </a:extLst>
             </p:cNvPr>
@@ -11562,7 +11835,7 @@
               <p:cNvPr id="268" name="Group 267">
                 <a:extLst>
                   <a:ext uri="{FF2B5EF4-FFF2-40B4-BE49-F238E27FC236}">
-                    <a16:creationId xmlns:a16="http://schemas.microsoft.com/office/drawing/2014/main" id="{82ED4E00-4FE4-3E4C-436D-1477D3C1B3A5}"/>
+                    <a16:creationId xmlns:a16="http://schemas.microsoft.com/office/drawing/2014/main" id="{D4429960-43C9-636B-E8CC-F8FA4176DA6F}"/>
                   </a:ext>
                 </a:extLst>
               </p:cNvPr>
@@ -11579,244 +11852,10 @@
             </p:grpSpPr>
             <p:sp>
               <p:nvSpPr>
-                <p:cNvPr id="258" name="Rectangle 257">
-                  <a:extLst>
-                    <a:ext uri="{FF2B5EF4-FFF2-40B4-BE49-F238E27FC236}">
-                      <a16:creationId xmlns:a16="http://schemas.microsoft.com/office/drawing/2014/main" id="{4DAB9B28-0EC0-F979-097C-89C78DEAEA13}"/>
-                    </a:ext>
-                  </a:extLst>
-                </p:cNvPr>
-                <p:cNvSpPr/>
-                <p:nvPr/>
-              </p:nvSpPr>
-              <p:spPr>
-                <a:xfrm>
-                  <a:off x="2752625" y="1619505"/>
-                  <a:ext cx="501299" cy="392400"/>
-                </a:xfrm>
-                <a:prstGeom prst="rect">
-                  <a:avLst/>
-                </a:prstGeom>
-                <a:solidFill>
-                  <a:schemeClr val="bg1"/>
-                </a:solidFill>
-                <a:ln w="22225">
-                  <a:solidFill>
-                    <a:schemeClr val="tx1">
-                      <a:lumMod val="50000"/>
-                    </a:schemeClr>
-                  </a:solidFill>
-                  <a:prstDash val="solid"/>
-                </a:ln>
-              </p:spPr>
-              <p:style>
-                <a:lnRef idx="2">
-                  <a:schemeClr val="accent1">
-                    <a:shade val="50000"/>
-                  </a:schemeClr>
-                </a:lnRef>
-                <a:fillRef idx="1">
-                  <a:schemeClr val="accent1"/>
-                </a:fillRef>
-                <a:effectRef idx="0">
-                  <a:schemeClr val="accent1"/>
-                </a:effectRef>
-                <a:fontRef idx="minor">
-                  <a:schemeClr val="lt1"/>
-                </a:fontRef>
-              </p:style>
-              <p:txBody>
-                <a:bodyPr lIns="144000" tIns="144000" rIns="36000" bIns="144000" anchor="ctr"/>
-                <a:lstStyle/>
-                <a:p>
-                  <a:r>
-                    <a:rPr lang="en-GB" sz="2800" baseline="-9000" dirty="0">
-                      <a:solidFill>
-                        <a:schemeClr val="tx1"/>
-                      </a:solidFill>
-                      <a:effectLst>
-                        <a:glow>
-                          <a:schemeClr val="bg1"/>
-                        </a:glow>
-                      </a:effectLst>
-                    </a:rPr>
-                    <a:t>🤗 </a:t>
-                  </a:r>
-                  <a:r>
-                    <a:rPr lang="en-GB" sz="2000" dirty="0">
-                      <a:solidFill>
-                        <a:schemeClr val="tx1"/>
-                      </a:solidFill>
-                      <a:latin typeface="+mj-lt"/>
-                      <a:cs typeface="Arial" panose="020B0604020202020204" pitchFamily="34" charset="0"/>
-                    </a:rPr>
-                    <a:t> </a:t>
-                  </a:r>
-                </a:p>
-              </p:txBody>
-            </p:sp>
-            <p:sp>
-              <p:nvSpPr>
-                <p:cNvPr id="259" name="Rectangle 258">
-                  <a:extLst>
-                    <a:ext uri="{FF2B5EF4-FFF2-40B4-BE49-F238E27FC236}">
-                      <a16:creationId xmlns:a16="http://schemas.microsoft.com/office/drawing/2014/main" id="{3E3438A7-4C7D-D528-4FE5-747B349B5329}"/>
-                    </a:ext>
-                  </a:extLst>
-                </p:cNvPr>
-                <p:cNvSpPr/>
-                <p:nvPr/>
-              </p:nvSpPr>
-              <p:spPr>
-                <a:xfrm>
-                  <a:off x="2752625" y="2107314"/>
-                  <a:ext cx="501299" cy="391090"/>
-                </a:xfrm>
-                <a:prstGeom prst="rect">
-                  <a:avLst/>
-                </a:prstGeom>
-                <a:solidFill>
-                  <a:schemeClr val="bg1"/>
-                </a:solidFill>
-                <a:ln w="22225">
-                  <a:solidFill>
-                    <a:schemeClr val="tx1">
-                      <a:lumMod val="50000"/>
-                    </a:schemeClr>
-                  </a:solidFill>
-                  <a:prstDash val="solid"/>
-                </a:ln>
-              </p:spPr>
-              <p:style>
-                <a:lnRef idx="2">
-                  <a:schemeClr val="accent1">
-                    <a:shade val="50000"/>
-                  </a:schemeClr>
-                </a:lnRef>
-                <a:fillRef idx="1">
-                  <a:schemeClr val="accent1"/>
-                </a:fillRef>
-                <a:effectRef idx="0">
-                  <a:schemeClr val="accent1"/>
-                </a:effectRef>
-                <a:fontRef idx="minor">
-                  <a:schemeClr val="lt1"/>
-                </a:fontRef>
-              </p:style>
-              <p:txBody>
-                <a:bodyPr lIns="144000" tIns="144000" rIns="36000" bIns="144000" anchor="ctr"/>
-                <a:lstStyle/>
-                <a:p>
-                  <a:r>
-                    <a:rPr lang="en-GB" sz="2800" baseline="-9000" dirty="0">
-                      <a:solidFill>
-                        <a:schemeClr val="tx1"/>
-                      </a:solidFill>
-                      <a:effectLst>
-                        <a:glow>
-                          <a:schemeClr val="bg1"/>
-                        </a:glow>
-                      </a:effectLst>
-                    </a:rPr>
-                    <a:t>🧢 </a:t>
-                  </a:r>
-                  <a:r>
-                    <a:rPr lang="en-GB" sz="2000" dirty="0">
-                      <a:solidFill>
-                        <a:schemeClr val="tx1"/>
-                      </a:solidFill>
-                      <a:latin typeface="+mj-lt"/>
-                      <a:cs typeface="Arial" panose="020B0604020202020204" pitchFamily="34" charset="0"/>
-                    </a:rPr>
-                    <a:t> </a:t>
-                  </a:r>
-                </a:p>
-              </p:txBody>
-            </p:sp>
-            <p:sp>
-              <p:nvSpPr>
-                <p:cNvPr id="260" name="Rectangle 259">
-                  <a:extLst>
-                    <a:ext uri="{FF2B5EF4-FFF2-40B4-BE49-F238E27FC236}">
-                      <a16:creationId xmlns:a16="http://schemas.microsoft.com/office/drawing/2014/main" id="{3D762A75-4535-28E8-C610-3A9B7AE8AF57}"/>
-                    </a:ext>
-                  </a:extLst>
-                </p:cNvPr>
-                <p:cNvSpPr/>
-                <p:nvPr/>
-              </p:nvSpPr>
-              <p:spPr>
-                <a:xfrm>
-                  <a:off x="3345195" y="2106577"/>
-                  <a:ext cx="501299" cy="392400"/>
-                </a:xfrm>
-                <a:prstGeom prst="rect">
-                  <a:avLst/>
-                </a:prstGeom>
-                <a:solidFill>
-                  <a:schemeClr val="bg1"/>
-                </a:solidFill>
-                <a:ln w="22225">
-                  <a:solidFill>
-                    <a:schemeClr val="tx1">
-                      <a:lumMod val="50000"/>
-                    </a:schemeClr>
-                  </a:solidFill>
-                  <a:prstDash val="solid"/>
-                </a:ln>
-              </p:spPr>
-              <p:style>
-                <a:lnRef idx="2">
-                  <a:schemeClr val="accent1">
-                    <a:shade val="50000"/>
-                  </a:schemeClr>
-                </a:lnRef>
-                <a:fillRef idx="1">
-                  <a:schemeClr val="accent1"/>
-                </a:fillRef>
-                <a:effectRef idx="0">
-                  <a:schemeClr val="accent1"/>
-                </a:effectRef>
-                <a:fontRef idx="minor">
-                  <a:schemeClr val="lt1"/>
-                </a:fontRef>
-              </p:style>
-              <p:txBody>
-                <a:bodyPr lIns="144000" tIns="144000" rIns="36000" bIns="144000" anchor="ctr"/>
-                <a:lstStyle/>
-                <a:p>
-                  <a:r>
-                    <a:rPr lang="en-GB" sz="2800" baseline="-9000" dirty="0">
-                      <a:solidFill>
-                        <a:schemeClr val="tx1"/>
-                      </a:solidFill>
-                      <a:effectLst>
-                        <a:glow>
-                          <a:schemeClr val="bg1"/>
-                        </a:glow>
-                      </a:effectLst>
-                    </a:rPr>
-                    <a:t>👀 </a:t>
-                  </a:r>
-                  <a:r>
-                    <a:rPr lang="en-GB" sz="2000" dirty="0">
-                      <a:solidFill>
-                        <a:schemeClr val="tx1"/>
-                      </a:solidFill>
-                      <a:latin typeface="+mj-lt"/>
-                      <a:cs typeface="Arial" panose="020B0604020202020204" pitchFamily="34" charset="0"/>
-                    </a:rPr>
-                    <a:t> </a:t>
-                  </a:r>
-                </a:p>
-              </p:txBody>
-            </p:sp>
-            <p:sp>
-              <p:nvSpPr>
                 <p:cNvPr id="261" name="Rectangle 260">
                   <a:extLst>
                     <a:ext uri="{FF2B5EF4-FFF2-40B4-BE49-F238E27FC236}">
-                      <a16:creationId xmlns:a16="http://schemas.microsoft.com/office/drawing/2014/main" id="{F0069B9C-1982-49BF-6AF7-BEBD976B400B}"/>
+                      <a16:creationId xmlns:a16="http://schemas.microsoft.com/office/drawing/2014/main" id="{9507CDF6-0A46-DC66-7A70-2F536E15516D}"/>
                     </a:ext>
                   </a:extLst>
                 </p:cNvPr>
@@ -11831,7 +11870,12 @@
                 <a:prstGeom prst="rect">
                   <a:avLst/>
                 </a:prstGeom>
-                <a:noFill/>
+                <a:solidFill>
+                  <a:schemeClr val="bg1">
+                    <a:lumMod val="85000"/>
+                    <a:lumOff val="15000"/>
+                  </a:schemeClr>
+                </a:solidFill>
                 <a:ln w="12700">
                   <a:solidFill>
                     <a:srgbClr val="5A6B86"/>
@@ -11905,10 +11949,260 @@
             </p:sp>
             <p:sp>
               <p:nvSpPr>
+                <p:cNvPr id="258" name="Rectangle 257">
+                  <a:extLst>
+                    <a:ext uri="{FF2B5EF4-FFF2-40B4-BE49-F238E27FC236}">
+                      <a16:creationId xmlns:a16="http://schemas.microsoft.com/office/drawing/2014/main" id="{BDAD9696-0E13-688E-D4CA-AD91EA80C585}"/>
+                    </a:ext>
+                  </a:extLst>
+                </p:cNvPr>
+                <p:cNvSpPr/>
+                <p:nvPr/>
+              </p:nvSpPr>
+              <p:spPr>
+                <a:xfrm>
+                  <a:off x="2752625" y="1619505"/>
+                  <a:ext cx="501299" cy="392400"/>
+                </a:xfrm>
+                <a:prstGeom prst="rect">
+                  <a:avLst/>
+                </a:prstGeom>
+                <a:solidFill>
+                  <a:schemeClr val="bg1"/>
+                </a:solidFill>
+                <a:ln w="22225">
+                  <a:solidFill>
+                    <a:schemeClr val="tx1">
+                      <a:lumMod val="50000"/>
+                    </a:schemeClr>
+                  </a:solidFill>
+                  <a:prstDash val="solid"/>
+                </a:ln>
+              </p:spPr>
+              <p:style>
+                <a:lnRef idx="2">
+                  <a:schemeClr val="accent1">
+                    <a:shade val="50000"/>
+                  </a:schemeClr>
+                </a:lnRef>
+                <a:fillRef idx="1">
+                  <a:schemeClr val="accent1"/>
+                </a:fillRef>
+                <a:effectRef idx="0">
+                  <a:schemeClr val="accent1"/>
+                </a:effectRef>
+                <a:fontRef idx="minor">
+                  <a:schemeClr val="lt1"/>
+                </a:fontRef>
+              </p:style>
+              <p:txBody>
+                <a:bodyPr lIns="144000" tIns="144000" rIns="36000" bIns="144000" anchor="ctr"/>
+                <a:lstStyle/>
+                <a:p>
+                  <a:r>
+                    <a:rPr lang="en-GB" sz="2800" baseline="-9000" dirty="0">
+                      <a:solidFill>
+                        <a:schemeClr val="tx1"/>
+                      </a:solidFill>
+                      <a:effectLst>
+                        <a:glow>
+                          <a:schemeClr val="bg1"/>
+                        </a:glow>
+                      </a:effectLst>
+                    </a:rPr>
+                    <a:t>🤗 </a:t>
+                  </a:r>
+                  <a:r>
+                    <a:rPr lang="en-GB" sz="2000" dirty="0">
+                      <a:solidFill>
+                        <a:schemeClr val="tx1"/>
+                      </a:solidFill>
+                      <a:latin typeface="+mj-lt"/>
+                      <a:cs typeface="Arial" panose="020B0604020202020204" pitchFamily="34" charset="0"/>
+                    </a:rPr>
+                    <a:t> </a:t>
+                  </a:r>
+                </a:p>
+              </p:txBody>
+            </p:sp>
+            <p:sp>
+              <p:nvSpPr>
+                <p:cNvPr id="259" name="Rectangle 258">
+                  <a:extLst>
+                    <a:ext uri="{FF2B5EF4-FFF2-40B4-BE49-F238E27FC236}">
+                      <a16:creationId xmlns:a16="http://schemas.microsoft.com/office/drawing/2014/main" id="{62893914-1561-FF5E-0706-30769625EFDA}"/>
+                    </a:ext>
+                  </a:extLst>
+                </p:cNvPr>
+                <p:cNvSpPr/>
+                <p:nvPr/>
+              </p:nvSpPr>
+              <p:spPr>
+                <a:xfrm>
+                  <a:off x="2752625" y="2107314"/>
+                  <a:ext cx="501299" cy="391090"/>
+                </a:xfrm>
+                <a:prstGeom prst="rect">
+                  <a:avLst/>
+                </a:prstGeom>
+                <a:solidFill>
+                  <a:schemeClr val="bg1"/>
+                </a:solidFill>
+                <a:ln w="22225">
+                  <a:solidFill>
+                    <a:schemeClr val="tx1">
+                      <a:lumMod val="50000"/>
+                    </a:schemeClr>
+                  </a:solidFill>
+                  <a:prstDash val="solid"/>
+                </a:ln>
+              </p:spPr>
+              <p:style>
+                <a:lnRef idx="2">
+                  <a:schemeClr val="accent1">
+                    <a:shade val="50000"/>
+                  </a:schemeClr>
+                </a:lnRef>
+                <a:fillRef idx="1">
+                  <a:schemeClr val="accent1"/>
+                </a:fillRef>
+                <a:effectRef idx="0">
+                  <a:schemeClr val="accent1"/>
+                </a:effectRef>
+                <a:fontRef idx="minor">
+                  <a:schemeClr val="lt1"/>
+                </a:fontRef>
+              </p:style>
+              <p:txBody>
+                <a:bodyPr lIns="144000" tIns="144000" rIns="36000" bIns="144000" anchor="ctr"/>
+                <a:lstStyle/>
+                <a:p>
+                  <a:r>
+                    <a:rPr lang="en-GB" sz="2800" baseline="-9000" dirty="0">
+                      <a:solidFill>
+                        <a:schemeClr val="bg2">
+                          <a:lumMod val="40000"/>
+                          <a:lumOff val="60000"/>
+                        </a:schemeClr>
+                      </a:solidFill>
+                      <a:effectLst>
+                        <a:glow>
+                          <a:schemeClr val="bg1"/>
+                        </a:glow>
+                      </a:effectLst>
+                    </a:rPr>
+                    <a:t>🧚</a:t>
+                  </a:r>
+                  <a:r>
+                    <a:rPr lang="en-GB" sz="2800" baseline="-9000" dirty="0">
+                      <a:solidFill>
+                        <a:schemeClr val="tx1"/>
+                      </a:solidFill>
+                      <a:effectLst>
+                        <a:glow>
+                          <a:schemeClr val="bg1"/>
+                        </a:glow>
+                      </a:effectLst>
+                    </a:rPr>
+                    <a:t> </a:t>
+                  </a:r>
+                  <a:r>
+                    <a:rPr lang="en-GB" sz="2000" dirty="0">
+                      <a:solidFill>
+                        <a:schemeClr val="tx1"/>
+                      </a:solidFill>
+                      <a:latin typeface="+mj-lt"/>
+                      <a:cs typeface="Arial" panose="020B0604020202020204" pitchFamily="34" charset="0"/>
+                    </a:rPr>
+                    <a:t> </a:t>
+                  </a:r>
+                </a:p>
+              </p:txBody>
+            </p:sp>
+            <p:sp>
+              <p:nvSpPr>
+                <p:cNvPr id="260" name="Rectangle 259">
+                  <a:extLst>
+                    <a:ext uri="{FF2B5EF4-FFF2-40B4-BE49-F238E27FC236}">
+                      <a16:creationId xmlns:a16="http://schemas.microsoft.com/office/drawing/2014/main" id="{13CE89A4-5254-F8A4-FFD9-742D7709CF4C}"/>
+                    </a:ext>
+                  </a:extLst>
+                </p:cNvPr>
+                <p:cNvSpPr/>
+                <p:nvPr/>
+              </p:nvSpPr>
+              <p:spPr>
+                <a:xfrm>
+                  <a:off x="3345195" y="2106577"/>
+                  <a:ext cx="501299" cy="392400"/>
+                </a:xfrm>
+                <a:prstGeom prst="rect">
+                  <a:avLst/>
+                </a:prstGeom>
+                <a:solidFill>
+                  <a:schemeClr val="bg1"/>
+                </a:solidFill>
+                <a:ln w="22225">
+                  <a:solidFill>
+                    <a:schemeClr val="tx1">
+                      <a:lumMod val="50000"/>
+                    </a:schemeClr>
+                  </a:solidFill>
+                  <a:prstDash val="solid"/>
+                </a:ln>
+              </p:spPr>
+              <p:style>
+                <a:lnRef idx="2">
+                  <a:schemeClr val="accent1">
+                    <a:shade val="50000"/>
+                  </a:schemeClr>
+                </a:lnRef>
+                <a:fillRef idx="1">
+                  <a:schemeClr val="accent1"/>
+                </a:fillRef>
+                <a:effectRef idx="0">
+                  <a:schemeClr val="accent1"/>
+                </a:effectRef>
+                <a:fontRef idx="minor">
+                  <a:schemeClr val="lt1"/>
+                </a:fontRef>
+              </p:style>
+              <p:txBody>
+                <a:bodyPr lIns="144000" tIns="144000" rIns="36000" bIns="144000" anchor="ctr"/>
+                <a:lstStyle/>
+                <a:p>
+                  <a:r>
+                    <a:rPr lang="en-GB" sz="2800" baseline="-9000" dirty="0">
+                      <a:solidFill>
+                        <a:schemeClr val="tx1"/>
+                      </a:solidFill>
+                      <a:effectLst>
+                        <a:glow>
+                          <a:schemeClr val="bg1"/>
+                        </a:glow>
+                      </a:effectLst>
+                    </a:rPr>
+                    <a:t>👀 </a:t>
+                  </a:r>
+                  <a:r>
+                    <a:rPr lang="en-GB" sz="2000" dirty="0">
+                      <a:solidFill>
+                        <a:schemeClr val="tx1"/>
+                      </a:solidFill>
+                      <a:latin typeface="+mj-lt"/>
+                      <a:cs typeface="Arial" panose="020B0604020202020204" pitchFamily="34" charset="0"/>
+                    </a:rPr>
+                    <a:t> </a:t>
+                  </a:r>
+                </a:p>
+              </p:txBody>
+            </p:sp>
+            <p:sp>
+              <p:nvSpPr>
                 <p:cNvPr id="265" name="TextBox 264">
                   <a:extLst>
                     <a:ext uri="{FF2B5EF4-FFF2-40B4-BE49-F238E27FC236}">
-                      <a16:creationId xmlns:a16="http://schemas.microsoft.com/office/drawing/2014/main" id="{E5F6EB05-2C6E-010F-D0E1-BB1767460A3F}"/>
+                      <a16:creationId xmlns:a16="http://schemas.microsoft.com/office/drawing/2014/main" id="{CFD8FE2E-894F-0E58-C1EE-9F7CBD5BDC9A}"/>
                     </a:ext>
                   </a:extLst>
                 </p:cNvPr>
@@ -11945,7 +12239,7 @@
               <p:cNvPr id="286" name="Rectangle 285">
                 <a:extLst>
                   <a:ext uri="{FF2B5EF4-FFF2-40B4-BE49-F238E27FC236}">
-                    <a16:creationId xmlns:a16="http://schemas.microsoft.com/office/drawing/2014/main" id="{44BD8099-AF61-3B63-A09E-3DA5ECDC682E}"/>
+                    <a16:creationId xmlns:a16="http://schemas.microsoft.com/office/drawing/2014/main" id="{B42EC763-5F8A-C04F-9D5A-172DDEE9450A}"/>
                   </a:ext>
                 </a:extLst>
               </p:cNvPr>
@@ -12040,7 +12334,7 @@
             <p:cNvPr id="289" name="Rectangle 288">
               <a:extLst>
                 <a:ext uri="{FF2B5EF4-FFF2-40B4-BE49-F238E27FC236}">
-                  <a16:creationId xmlns:a16="http://schemas.microsoft.com/office/drawing/2014/main" id="{0C5BAC15-2EB4-A29F-C59F-BB0B24CAC2A3}"/>
+                  <a16:creationId xmlns:a16="http://schemas.microsoft.com/office/drawing/2014/main" id="{8195573C-BB30-B430-C2DC-2D2A1E2DFC44}"/>
                 </a:ext>
               </a:extLst>
             </p:cNvPr>
@@ -12119,7 +12413,7 @@
           <p:cNvPr id="291" name="TextBox 290">
             <a:extLst>
               <a:ext uri="{FF2B5EF4-FFF2-40B4-BE49-F238E27FC236}">
-                <a16:creationId xmlns:a16="http://schemas.microsoft.com/office/drawing/2014/main" id="{F07B9A42-DF65-33B7-266B-B9CC4840AC13}"/>
+                <a16:creationId xmlns:a16="http://schemas.microsoft.com/office/drawing/2014/main" id="{B54267EC-725E-4E01-982B-B196FE3E6DED}"/>
               </a:ext>
             </a:extLst>
           </p:cNvPr>
@@ -12166,7 +12460,7 @@
           <p:cNvPr id="292" name="Rounded Rectangle 291">
             <a:extLst>
               <a:ext uri="{FF2B5EF4-FFF2-40B4-BE49-F238E27FC236}">
-                <a16:creationId xmlns:a16="http://schemas.microsoft.com/office/drawing/2014/main" id="{34D5CD0B-33AB-C4D3-241E-89CE2B1987CA}"/>
+                <a16:creationId xmlns:a16="http://schemas.microsoft.com/office/drawing/2014/main" id="{EEC0B438-CFAC-68BF-01E6-22CD944A123B}"/>
               </a:ext>
             </a:extLst>
           </p:cNvPr>
@@ -12225,7 +12519,7 @@
           <p:cNvPr id="27" name="Straight Arrow Connector 12">
             <a:extLst>
               <a:ext uri="{FF2B5EF4-FFF2-40B4-BE49-F238E27FC236}">
-                <a16:creationId xmlns:a16="http://schemas.microsoft.com/office/drawing/2014/main" id="{CD9C174C-7C63-E71D-6A5A-8CB109CA301A}"/>
+                <a16:creationId xmlns:a16="http://schemas.microsoft.com/office/drawing/2014/main" id="{04CA260E-BAF4-0005-C8DA-759C950BA4E1}"/>
               </a:ext>
             </a:extLst>
           </p:cNvPr>
@@ -12274,7 +12568,7 @@
           <p:cNvPr id="41" name="Group 40">
             <a:extLst>
               <a:ext uri="{FF2B5EF4-FFF2-40B4-BE49-F238E27FC236}">
-                <a16:creationId xmlns:a16="http://schemas.microsoft.com/office/drawing/2014/main" id="{76DC1ACE-FA07-06E2-2087-F52F4563DF6D}"/>
+                <a16:creationId xmlns:a16="http://schemas.microsoft.com/office/drawing/2014/main" id="{C50E1E50-D39F-5EA7-B07D-EB57E39C7160}"/>
               </a:ext>
             </a:extLst>
           </p:cNvPr>
@@ -12294,7 +12588,7 @@
             <p:cNvPr id="42" name="TextBox 41">
               <a:extLst>
                 <a:ext uri="{FF2B5EF4-FFF2-40B4-BE49-F238E27FC236}">
-                  <a16:creationId xmlns:a16="http://schemas.microsoft.com/office/drawing/2014/main" id="{56D5DD63-F25E-8973-D746-41D68AD421E4}"/>
+                  <a16:creationId xmlns:a16="http://schemas.microsoft.com/office/drawing/2014/main" id="{A263A264-D3C3-B8AC-612E-390B7FFC3326}"/>
                 </a:ext>
               </a:extLst>
             </p:cNvPr>
@@ -12341,7 +12635,7 @@
             <p:cNvPr id="43" name="Rounded Rectangle 42">
               <a:extLst>
                 <a:ext uri="{FF2B5EF4-FFF2-40B4-BE49-F238E27FC236}">
-                  <a16:creationId xmlns:a16="http://schemas.microsoft.com/office/drawing/2014/main" id="{397C581E-B34F-A18D-462A-1629061685A8}"/>
+                  <a16:creationId xmlns:a16="http://schemas.microsoft.com/office/drawing/2014/main" id="{1D18006A-BDB4-9C30-3325-91530335B85B}"/>
                 </a:ext>
               </a:extLst>
             </p:cNvPr>
@@ -12396,10 +12690,5817 @@
           </p:txBody>
         </p:sp>
       </p:grpSp>
+      <p:cxnSp>
+        <p:nvCxnSpPr>
+          <p:cNvPr id="12" name="Straight Arrow Connector 12">
+            <a:extLst>
+              <a:ext uri="{FF2B5EF4-FFF2-40B4-BE49-F238E27FC236}">
+                <a16:creationId xmlns:a16="http://schemas.microsoft.com/office/drawing/2014/main" id="{5D5866F1-C970-3165-82FA-7C9F66BFE7BF}"/>
+              </a:ext>
+            </a:extLst>
+          </p:cNvPr>
+          <p:cNvCxnSpPr>
+            <a:cxnSpLocks/>
+            <a:stCxn id="20" idx="0"/>
+          </p:cNvCxnSpPr>
+          <p:nvPr/>
+        </p:nvCxnSpPr>
+        <p:spPr>
+          <a:xfrm rot="5400000" flipH="1" flipV="1">
+            <a:off x="6034138" y="-1103708"/>
+            <a:ext cx="1891305" cy="6103524"/>
+          </a:xfrm>
+          <a:prstGeom prst="bentConnector2">
+            <a:avLst/>
+          </a:prstGeom>
+          <a:ln>
+            <a:solidFill>
+              <a:schemeClr val="bg1">
+                <a:lumMod val="50000"/>
+                <a:lumOff val="50000"/>
+              </a:schemeClr>
+            </a:solidFill>
+            <a:tailEnd type="triangle" w="lg" len="lg"/>
+          </a:ln>
+        </p:spPr>
+        <p:style>
+          <a:lnRef idx="3">
+            <a:schemeClr val="accent2"/>
+          </a:lnRef>
+          <a:fillRef idx="0">
+            <a:schemeClr val="accent2"/>
+          </a:fillRef>
+          <a:effectRef idx="2">
+            <a:schemeClr val="accent2"/>
+          </a:effectRef>
+          <a:fontRef idx="minor">
+            <a:schemeClr val="tx1"/>
+          </a:fontRef>
+        </p:style>
+      </p:cxnSp>
+      <p:sp>
+        <p:nvSpPr>
+          <p:cNvPr id="20" name="TextBox 19">
+            <a:extLst>
+              <a:ext uri="{FF2B5EF4-FFF2-40B4-BE49-F238E27FC236}">
+                <a16:creationId xmlns:a16="http://schemas.microsoft.com/office/drawing/2014/main" id="{65CFE864-2710-E692-A395-CB90977BFDD7}"/>
+              </a:ext>
+            </a:extLst>
+          </p:cNvPr>
+          <p:cNvSpPr txBox="1"/>
+          <p:nvPr/>
+        </p:nvSpPr>
+        <p:spPr>
+          <a:xfrm>
+            <a:off x="3806200" y="2893706"/>
+            <a:ext cx="243656" cy="369332"/>
+          </a:xfrm>
+          <a:prstGeom prst="rect">
+            <a:avLst/>
+          </a:prstGeom>
+          <a:noFill/>
+        </p:spPr>
+        <p:txBody>
+          <a:bodyPr wrap="none" lIns="0" rIns="0" rtlCol="0">
+            <a:spAutoFit/>
+          </a:bodyPr>
+          <a:lstStyle/>
+          <a:p>
+            <a:pPr algn="l"/>
+            <a:r>
+              <a:rPr lang="en-PT" dirty="0"/>
+              <a:t>    </a:t>
+            </a:r>
+          </a:p>
+        </p:txBody>
+      </p:sp>
+      <p:sp>
+        <p:nvSpPr>
+          <p:cNvPr id="9" name="Rectangle 8">
+            <a:extLst>
+              <a:ext uri="{FF2B5EF4-FFF2-40B4-BE49-F238E27FC236}">
+                <a16:creationId xmlns:a16="http://schemas.microsoft.com/office/drawing/2014/main" id="{44834806-25DD-E0B8-F03C-B6CFA135ED09}"/>
+              </a:ext>
+            </a:extLst>
+          </p:cNvPr>
+          <p:cNvSpPr/>
+          <p:nvPr/>
+        </p:nvSpPr>
+        <p:spPr>
+          <a:xfrm>
+            <a:off x="10104140" y="1652880"/>
+            <a:ext cx="1688400" cy="392400"/>
+          </a:xfrm>
+          <a:prstGeom prst="rect">
+            <a:avLst/>
+          </a:prstGeom>
+          <a:solidFill>
+            <a:schemeClr val="tx1">
+              <a:lumMod val="95000"/>
+            </a:schemeClr>
+          </a:solidFill>
+          <a:ln w="22225">
+            <a:solidFill>
+              <a:schemeClr val="tx1">
+                <a:lumMod val="50000"/>
+              </a:schemeClr>
+            </a:solidFill>
+            <a:prstDash val="solid"/>
+          </a:ln>
+        </p:spPr>
+        <p:style>
+          <a:lnRef idx="2">
+            <a:schemeClr val="accent1">
+              <a:shade val="50000"/>
+            </a:schemeClr>
+          </a:lnRef>
+          <a:fillRef idx="1">
+            <a:schemeClr val="accent1"/>
+          </a:fillRef>
+          <a:effectRef idx="0">
+            <a:schemeClr val="accent1"/>
+          </a:effectRef>
+          <a:fontRef idx="minor">
+            <a:schemeClr val="lt1"/>
+          </a:fontRef>
+        </p:style>
+        <p:txBody>
+          <a:bodyPr lIns="144000" tIns="144000" rIns="36000" bIns="144000" anchor="ctr"/>
+          <a:lstStyle/>
+          <a:p>
+            <a:r>
+              <a:rPr lang="en-GB" sz="2800" baseline="-9000" dirty="0">
+                <a:solidFill>
+                  <a:schemeClr val="bg2">
+                    <a:lumMod val="40000"/>
+                    <a:lumOff val="60000"/>
+                  </a:schemeClr>
+                </a:solidFill>
+                <a:effectLst>
+                  <a:glow>
+                    <a:schemeClr val="bg1"/>
+                  </a:glow>
+                </a:effectLst>
+              </a:rPr>
+              <a:t>🏦 </a:t>
+            </a:r>
+            <a:r>
+              <a:rPr lang="en-GB" sz="2000" dirty="0">
+                <a:solidFill>
+                  <a:sysClr val="windowText" lastClr="000000"/>
+                </a:solidFill>
+                <a:latin typeface="+mj-lt"/>
+                <a:cs typeface="Arial" panose="020B0604020202020204" pitchFamily="34" charset="0"/>
+              </a:rPr>
+              <a:t>Collector</a:t>
+            </a:r>
+          </a:p>
+        </p:txBody>
+      </p:sp>
+      <p:sp>
+        <p:nvSpPr>
+          <p:cNvPr id="22" name="TextBox 21">
+            <a:extLst>
+              <a:ext uri="{FF2B5EF4-FFF2-40B4-BE49-F238E27FC236}">
+                <a16:creationId xmlns:a16="http://schemas.microsoft.com/office/drawing/2014/main" id="{AEF71313-3811-B1BE-6265-300F051DCF70}"/>
+              </a:ext>
+            </a:extLst>
+          </p:cNvPr>
+          <p:cNvSpPr txBox="1"/>
+          <p:nvPr/>
+        </p:nvSpPr>
+        <p:spPr>
+          <a:xfrm>
+            <a:off x="10038522" y="2882349"/>
+            <a:ext cx="304571" cy="369332"/>
+          </a:xfrm>
+          <a:prstGeom prst="rect">
+            <a:avLst/>
+          </a:prstGeom>
+          <a:noFill/>
+        </p:spPr>
+        <p:txBody>
+          <a:bodyPr wrap="none" lIns="0" rIns="0" rtlCol="0">
+            <a:spAutoFit/>
+          </a:bodyPr>
+          <a:lstStyle/>
+          <a:p>
+            <a:pPr algn="l"/>
+            <a:r>
+              <a:rPr lang="en-PT" dirty="0"/>
+              <a:t>     </a:t>
+            </a:r>
+          </a:p>
+        </p:txBody>
+      </p:sp>
+      <p:cxnSp>
+        <p:nvCxnSpPr>
+          <p:cNvPr id="26" name="Straight Arrow Connector 12">
+            <a:extLst>
+              <a:ext uri="{FF2B5EF4-FFF2-40B4-BE49-F238E27FC236}">
+                <a16:creationId xmlns:a16="http://schemas.microsoft.com/office/drawing/2014/main" id="{912AD610-8D30-9131-5C4C-3D0CA34F69E9}"/>
+              </a:ext>
+            </a:extLst>
+          </p:cNvPr>
+          <p:cNvCxnSpPr>
+            <a:cxnSpLocks/>
+            <a:stCxn id="16" idx="3"/>
+            <a:endCxn id="9" idx="3"/>
+          </p:cNvCxnSpPr>
+          <p:nvPr/>
+        </p:nvCxnSpPr>
+        <p:spPr>
+          <a:xfrm flipV="1">
+            <a:off x="4591701" y="1849080"/>
+            <a:ext cx="7200839" cy="3005475"/>
+          </a:xfrm>
+          <a:prstGeom prst="bentConnector3">
+            <a:avLst>
+              <a:gd name="adj1" fmla="val 103175"/>
+            </a:avLst>
+          </a:prstGeom>
+          <a:ln>
+            <a:solidFill>
+              <a:schemeClr val="bg1">
+                <a:lumMod val="50000"/>
+                <a:lumOff val="50000"/>
+              </a:schemeClr>
+            </a:solidFill>
+            <a:tailEnd type="triangle" w="lg" len="lg"/>
+          </a:ln>
+        </p:spPr>
+        <p:style>
+          <a:lnRef idx="3">
+            <a:schemeClr val="accent2"/>
+          </a:lnRef>
+          <a:fillRef idx="0">
+            <a:schemeClr val="accent2"/>
+          </a:fillRef>
+          <a:effectRef idx="2">
+            <a:schemeClr val="accent2"/>
+          </a:effectRef>
+          <a:fontRef idx="minor">
+            <a:schemeClr val="tx1"/>
+          </a:fontRef>
+        </p:style>
+      </p:cxnSp>
+      <p:sp>
+        <p:nvSpPr>
+          <p:cNvPr id="45" name="TextBox 44">
+            <a:extLst>
+              <a:ext uri="{FF2B5EF4-FFF2-40B4-BE49-F238E27FC236}">
+                <a16:creationId xmlns:a16="http://schemas.microsoft.com/office/drawing/2014/main" id="{5B43C7D2-4C0A-E60B-FEFA-96FB16B3F071}"/>
+              </a:ext>
+            </a:extLst>
+          </p:cNvPr>
+          <p:cNvSpPr txBox="1"/>
+          <p:nvPr/>
+        </p:nvSpPr>
+        <p:spPr>
+          <a:xfrm>
+            <a:off x="11006953" y="2516993"/>
+            <a:ext cx="1091366" cy="338554"/>
+          </a:xfrm>
+          <a:prstGeom prst="rect">
+            <a:avLst/>
+          </a:prstGeom>
+          <a:noFill/>
+        </p:spPr>
+        <p:txBody>
+          <a:bodyPr wrap="square" anchor="t">
+            <a:spAutoFit/>
+          </a:bodyPr>
+          <a:lstStyle/>
+          <a:p>
+            <a:r>
+              <a:rPr lang="en-GB" sz="1600" i="1" dirty="0">
+                <a:solidFill>
+                  <a:schemeClr val="bg2">
+                    <a:lumMod val="40000"/>
+                    <a:lumOff val="60000"/>
+                  </a:schemeClr>
+                </a:solidFill>
+                <a:effectLst>
+                  <a:glow>
+                    <a:schemeClr val="bg1"/>
+                  </a:glow>
+                </a:effectLst>
+              </a:rPr>
+              <a:t>payment</a:t>
+            </a:r>
+          </a:p>
+        </p:txBody>
+      </p:sp>
+      <p:sp>
+        <p:nvSpPr>
+          <p:cNvPr id="46" name="Rounded Rectangle 45">
+            <a:extLst>
+              <a:ext uri="{FF2B5EF4-FFF2-40B4-BE49-F238E27FC236}">
+                <a16:creationId xmlns:a16="http://schemas.microsoft.com/office/drawing/2014/main" id="{75F32961-82C1-0583-C33D-872AB3036A1B}"/>
+              </a:ext>
+            </a:extLst>
+          </p:cNvPr>
+          <p:cNvSpPr>
+            <a:spLocks noChangeAspect="1"/>
+          </p:cNvSpPr>
+          <p:nvPr/>
+        </p:nvSpPr>
+        <p:spPr>
+          <a:xfrm>
+            <a:off x="11603751" y="2249093"/>
+            <a:ext cx="273600" cy="267900"/>
+          </a:xfrm>
+          <a:prstGeom prst="roundRect">
+            <a:avLst/>
+          </a:prstGeom>
+          <a:solidFill>
+            <a:srgbClr val="7030A0"/>
+          </a:solidFill>
+          <a:ln>
+            <a:noFill/>
+          </a:ln>
+        </p:spPr>
+        <p:style>
+          <a:lnRef idx="0">
+            <a:scrgbClr r="0" g="0" b="0"/>
+          </a:lnRef>
+          <a:fillRef idx="0">
+            <a:scrgbClr r="0" g="0" b="0"/>
+          </a:fillRef>
+          <a:effectRef idx="0">
+            <a:scrgbClr r="0" g="0" b="0"/>
+          </a:effectRef>
+          <a:fontRef idx="minor">
+            <a:schemeClr val="lt1"/>
+          </a:fontRef>
+        </p:style>
+        <p:txBody>
+          <a:bodyPr lIns="45720" tIns="45720" rIns="45720" rtlCol="0" anchor="ctr"/>
+          <a:lstStyle/>
+          <a:p>
+            <a:pPr algn="ctr"/>
+            <a:r>
+              <a:rPr lang="en-GB" sz="1600" b="1" dirty="0">
+                <a:solidFill>
+                  <a:schemeClr val="tx1"/>
+                </a:solidFill>
+              </a:rPr>
+              <a:t>D</a:t>
+            </a:r>
+          </a:p>
+        </p:txBody>
+      </p:sp>
     </p:spTree>
     <p:extLst>
       <p:ext uri="{BB962C8B-B14F-4D97-AF65-F5344CB8AC3E}">
-        <p14:creationId xmlns:p14="http://schemas.microsoft.com/office/powerpoint/2010/main" val="95162217"/>
+        <p14:creationId xmlns:p14="http://schemas.microsoft.com/office/powerpoint/2010/main" val="2002458591"/>
+      </p:ext>
+    </p:extLst>
+  </p:cSld>
+  <p:clrMapOvr>
+    <a:masterClrMapping/>
+  </p:clrMapOvr>
+  <mc:AlternateContent xmlns:mc="http://schemas.openxmlformats.org/markup-compatibility/2006" xmlns:p14="http://schemas.microsoft.com/office/powerpoint/2010/main">
+    <mc:Choice Requires="p14">
+      <p:transition spd="med" p14:dur="700">
+        <p:fade/>
+      </p:transition>
+    </mc:Choice>
+    <mc:Fallback xmlns="">
+      <p:transition spd="med">
+        <p:fade/>
+      </p:transition>
+    </mc:Fallback>
+  </mc:AlternateContent>
+</p:sld>
+</file>
+
+<file path=ppt/slides/slide5.xml><?xml version="1.0" encoding="utf-8"?>
+<p:sld xmlns:a="http://schemas.openxmlformats.org/drawingml/2006/main" xmlns:r="http://schemas.openxmlformats.org/officeDocument/2006/relationships" xmlns:p="http://schemas.openxmlformats.org/presentationml/2006/main">
+  <p:cSld>
+    <p:spTree>
+      <p:nvGrpSpPr>
+        <p:cNvPr id="1" name="">
+          <a:extLst>
+            <a:ext uri="{FF2B5EF4-FFF2-40B4-BE49-F238E27FC236}">
+              <a16:creationId xmlns:a16="http://schemas.microsoft.com/office/drawing/2014/main" id="{19333885-F462-FB8E-3100-F94542469B4C}"/>
+            </a:ext>
+          </a:extLst>
+        </p:cNvPr>
+        <p:cNvGrpSpPr/>
+        <p:nvPr/>
+      </p:nvGrpSpPr>
+      <p:grpSpPr>
+        <a:xfrm>
+          <a:off x="0" y="0"/>
+          <a:ext cx="0" cy="0"/>
+          <a:chOff x="0" y="0"/>
+          <a:chExt cx="0" cy="0"/>
+        </a:xfrm>
+      </p:grpSpPr>
+      <p:sp>
+        <p:nvSpPr>
+          <p:cNvPr id="14" name="Rectangle 13">
+            <a:extLst>
+              <a:ext uri="{FF2B5EF4-FFF2-40B4-BE49-F238E27FC236}">
+                <a16:creationId xmlns:a16="http://schemas.microsoft.com/office/drawing/2014/main" id="{A9CBE75F-F81A-2433-E250-BD303D622BFB}"/>
+              </a:ext>
+            </a:extLst>
+          </p:cNvPr>
+          <p:cNvSpPr/>
+          <p:nvPr/>
+        </p:nvSpPr>
+        <p:spPr>
+          <a:xfrm>
+            <a:off x="144139" y="2890741"/>
+            <a:ext cx="1481277" cy="1303498"/>
+          </a:xfrm>
+          <a:prstGeom prst="rect">
+            <a:avLst/>
+          </a:prstGeom>
+          <a:solidFill>
+            <a:schemeClr val="bg1">
+              <a:lumMod val="85000"/>
+              <a:lumOff val="15000"/>
+            </a:schemeClr>
+          </a:solidFill>
+          <a:ln w="12700">
+            <a:solidFill>
+              <a:srgbClr val="5A6B86"/>
+            </a:solidFill>
+            <a:prstDash val="dash"/>
+          </a:ln>
+        </p:spPr>
+        <p:style>
+          <a:lnRef idx="2">
+            <a:schemeClr val="accent1">
+              <a:shade val="50000"/>
+            </a:schemeClr>
+          </a:lnRef>
+          <a:fillRef idx="1">
+            <a:schemeClr val="accent1"/>
+          </a:fillRef>
+          <a:effectRef idx="0">
+            <a:schemeClr val="accent1"/>
+          </a:effectRef>
+          <a:fontRef idx="minor">
+            <a:schemeClr val="lt1"/>
+          </a:fontRef>
+        </p:style>
+        <p:txBody>
+          <a:bodyPr tIns="36000"/>
+          <a:lstStyle/>
+          <a:p>
+            <a:pPr eaLnBrk="1" fontAlgn="auto" hangingPunct="1">
+              <a:spcBef>
+                <a:spcPts val="0"/>
+              </a:spcBef>
+              <a:spcAft>
+                <a:spcPts val="0"/>
+              </a:spcAft>
+              <a:defRPr/>
+            </a:pPr>
+            <a:r>
+              <a:rPr lang="en-GB" sz="2400" baseline="-11000" dirty="0">
+                <a:solidFill>
+                  <a:schemeClr val="bg2">
+                    <a:lumMod val="40000"/>
+                    <a:lumOff val="60000"/>
+                  </a:schemeClr>
+                </a:solidFill>
+                <a:effectLst>
+                  <a:glow>
+                    <a:schemeClr val="bg1"/>
+                  </a:glow>
+                </a:effectLst>
+              </a:rPr>
+              <a:t>💵 </a:t>
+            </a:r>
+            <a:r>
+              <a:rPr lang="en-US" i="1" dirty="0">
+                <a:solidFill>
+                  <a:schemeClr val="bg2">
+                    <a:lumMod val="40000"/>
+                    <a:lumOff val="60000"/>
+                  </a:schemeClr>
+                </a:solidFill>
+                <a:effectLst>
+                  <a:glow>
+                    <a:schemeClr val="bg1"/>
+                  </a:glow>
+                </a:effectLst>
+              </a:rPr>
+              <a:t>seller</a:t>
+            </a:r>
+          </a:p>
+        </p:txBody>
+      </p:sp>
+      <p:sp>
+        <p:nvSpPr>
+          <p:cNvPr id="23" name="Rectangle 22">
+            <a:extLst>
+              <a:ext uri="{FF2B5EF4-FFF2-40B4-BE49-F238E27FC236}">
+                <a16:creationId xmlns:a16="http://schemas.microsoft.com/office/drawing/2014/main" id="{650FBDA1-FE11-F35B-9528-7F1D05169BFA}"/>
+              </a:ext>
+            </a:extLst>
+          </p:cNvPr>
+          <p:cNvSpPr/>
+          <p:nvPr/>
+        </p:nvSpPr>
+        <p:spPr>
+          <a:xfrm>
+            <a:off x="9614109" y="2889672"/>
+            <a:ext cx="1828801" cy="1300984"/>
+          </a:xfrm>
+          <a:prstGeom prst="rect">
+            <a:avLst/>
+          </a:prstGeom>
+          <a:solidFill>
+            <a:schemeClr val="bg1">
+              <a:lumMod val="85000"/>
+              <a:lumOff val="15000"/>
+            </a:schemeClr>
+          </a:solidFill>
+          <a:ln w="12700">
+            <a:solidFill>
+              <a:srgbClr val="5A6B86"/>
+            </a:solidFill>
+            <a:prstDash val="dash"/>
+          </a:ln>
+        </p:spPr>
+        <p:style>
+          <a:lnRef idx="2">
+            <a:schemeClr val="accent1">
+              <a:shade val="50000"/>
+            </a:schemeClr>
+          </a:lnRef>
+          <a:fillRef idx="1">
+            <a:schemeClr val="accent1"/>
+          </a:fillRef>
+          <a:effectRef idx="0">
+            <a:schemeClr val="accent1"/>
+          </a:effectRef>
+          <a:fontRef idx="minor">
+            <a:schemeClr val="lt1"/>
+          </a:fontRef>
+        </p:style>
+        <p:txBody>
+          <a:bodyPr tIns="36000"/>
+          <a:lstStyle/>
+          <a:p>
+            <a:pPr eaLnBrk="1" fontAlgn="auto" hangingPunct="1">
+              <a:spcBef>
+                <a:spcPts val="0"/>
+              </a:spcBef>
+              <a:spcAft>
+                <a:spcPts val="0"/>
+              </a:spcAft>
+              <a:defRPr/>
+            </a:pPr>
+            <a:r>
+              <a:rPr lang="en-GB" sz="2400" baseline="-11000" dirty="0">
+                <a:solidFill>
+                  <a:schemeClr val="bg2">
+                    <a:lumMod val="40000"/>
+                    <a:lumOff val="60000"/>
+                  </a:schemeClr>
+                </a:solidFill>
+                <a:effectLst>
+                  <a:glow>
+                    <a:schemeClr val="bg1"/>
+                  </a:glow>
+                </a:effectLst>
+              </a:rPr>
+              <a:t>🤗 </a:t>
+            </a:r>
+            <a:r>
+              <a:rPr lang="en-US" i="1" dirty="0">
+                <a:solidFill>
+                  <a:schemeClr val="bg2">
+                    <a:lumMod val="40000"/>
+                    <a:lumOff val="60000"/>
+                  </a:schemeClr>
+                </a:solidFill>
+                <a:effectLst>
+                  <a:glow>
+                    <a:schemeClr val="bg1"/>
+                  </a:glow>
+                </a:effectLst>
+              </a:rPr>
+              <a:t>host</a:t>
+            </a:r>
+          </a:p>
+        </p:txBody>
+      </p:sp>
+      <p:sp>
+        <p:nvSpPr>
+          <p:cNvPr id="24" name="Rectangle 23">
+            <a:extLst>
+              <a:ext uri="{FF2B5EF4-FFF2-40B4-BE49-F238E27FC236}">
+                <a16:creationId xmlns:a16="http://schemas.microsoft.com/office/drawing/2014/main" id="{DA4B6A18-56DC-EFAC-1B08-E365F1D81889}"/>
+              </a:ext>
+            </a:extLst>
+          </p:cNvPr>
+          <p:cNvSpPr/>
+          <p:nvPr/>
+        </p:nvSpPr>
+        <p:spPr>
+          <a:xfrm>
+            <a:off x="2612174" y="2893707"/>
+            <a:ext cx="1982110" cy="2215560"/>
+          </a:xfrm>
+          <a:prstGeom prst="rect">
+            <a:avLst/>
+          </a:prstGeom>
+          <a:solidFill>
+            <a:schemeClr val="bg1">
+              <a:lumMod val="85000"/>
+              <a:lumOff val="15000"/>
+            </a:schemeClr>
+          </a:solidFill>
+          <a:ln w="12700">
+            <a:solidFill>
+              <a:srgbClr val="5A6B86"/>
+            </a:solidFill>
+            <a:prstDash val="dash"/>
+          </a:ln>
+        </p:spPr>
+        <p:style>
+          <a:lnRef idx="2">
+            <a:schemeClr val="accent1">
+              <a:shade val="50000"/>
+            </a:schemeClr>
+          </a:lnRef>
+          <a:fillRef idx="1">
+            <a:schemeClr val="accent1"/>
+          </a:fillRef>
+          <a:effectRef idx="0">
+            <a:schemeClr val="accent1"/>
+          </a:effectRef>
+          <a:fontRef idx="minor">
+            <a:schemeClr val="lt1"/>
+          </a:fontRef>
+        </p:style>
+        <p:txBody>
+          <a:bodyPr tIns="36000"/>
+          <a:lstStyle/>
+          <a:p>
+            <a:pPr eaLnBrk="1" fontAlgn="auto" hangingPunct="1">
+              <a:spcBef>
+                <a:spcPts val="0"/>
+              </a:spcBef>
+              <a:spcAft>
+                <a:spcPts val="0"/>
+              </a:spcAft>
+              <a:defRPr/>
+            </a:pPr>
+            <a:r>
+              <a:rPr lang="en-GB" sz="2400" baseline="-11000" dirty="0">
+                <a:solidFill>
+                  <a:schemeClr val="bg2">
+                    <a:lumMod val="40000"/>
+                    <a:lumOff val="60000"/>
+                  </a:schemeClr>
+                </a:solidFill>
+                <a:effectLst>
+                  <a:glow>
+                    <a:schemeClr val="bg1"/>
+                  </a:glow>
+                </a:effectLst>
+              </a:rPr>
+              <a:t>👀 </a:t>
+            </a:r>
+            <a:r>
+              <a:rPr lang="en-US" i="1" dirty="0">
+                <a:solidFill>
+                  <a:schemeClr val="bg2">
+                    <a:lumMod val="40000"/>
+                    <a:lumOff val="60000"/>
+                  </a:schemeClr>
+                </a:solidFill>
+                <a:effectLst>
+                  <a:glow>
+                    <a:schemeClr val="bg1"/>
+                  </a:glow>
+                </a:effectLst>
+              </a:rPr>
+              <a:t>advertiser</a:t>
+            </a:r>
+          </a:p>
+        </p:txBody>
+      </p:sp>
+      <p:sp>
+        <p:nvSpPr>
+          <p:cNvPr id="130" name="Rectangle 129">
+            <a:extLst>
+              <a:ext uri="{FF2B5EF4-FFF2-40B4-BE49-F238E27FC236}">
+                <a16:creationId xmlns:a16="http://schemas.microsoft.com/office/drawing/2014/main" id="{8DF03045-DC0E-607B-1BBA-C002772FB9A7}"/>
+              </a:ext>
+            </a:extLst>
+          </p:cNvPr>
+          <p:cNvSpPr/>
+          <p:nvPr/>
+        </p:nvSpPr>
+        <p:spPr>
+          <a:xfrm>
+            <a:off x="6495876" y="2888031"/>
+            <a:ext cx="1719072" cy="1300984"/>
+          </a:xfrm>
+          <a:prstGeom prst="rect">
+            <a:avLst/>
+          </a:prstGeom>
+          <a:solidFill>
+            <a:schemeClr val="bg1">
+              <a:lumMod val="85000"/>
+              <a:lumOff val="15000"/>
+            </a:schemeClr>
+          </a:solidFill>
+          <a:ln w="12700">
+            <a:solidFill>
+              <a:srgbClr val="5A6B86"/>
+            </a:solidFill>
+            <a:prstDash val="dash"/>
+          </a:ln>
+        </p:spPr>
+        <p:style>
+          <a:lnRef idx="2">
+            <a:schemeClr val="accent1">
+              <a:shade val="50000"/>
+            </a:schemeClr>
+          </a:lnRef>
+          <a:fillRef idx="1">
+            <a:schemeClr val="accent1"/>
+          </a:fillRef>
+          <a:effectRef idx="0">
+            <a:schemeClr val="accent1"/>
+          </a:effectRef>
+          <a:fontRef idx="minor">
+            <a:schemeClr val="lt1"/>
+          </a:fontRef>
+        </p:style>
+        <p:txBody>
+          <a:bodyPr tIns="36000"/>
+          <a:lstStyle/>
+          <a:p>
+            <a:pPr eaLnBrk="1" fontAlgn="auto" hangingPunct="1">
+              <a:spcBef>
+                <a:spcPts val="0"/>
+              </a:spcBef>
+              <a:spcAft>
+                <a:spcPts val="0"/>
+              </a:spcAft>
+              <a:defRPr/>
+            </a:pPr>
+            <a:r>
+              <a:rPr lang="en-GB" sz="2400" baseline="-11000" dirty="0">
+                <a:solidFill>
+                  <a:schemeClr val="bg2">
+                    <a:lumMod val="40000"/>
+                    <a:lumOff val="60000"/>
+                  </a:schemeClr>
+                </a:solidFill>
+                <a:effectLst>
+                  <a:glow>
+                    <a:schemeClr val="bg1"/>
+                  </a:glow>
+                </a:effectLst>
+              </a:rPr>
+              <a:t>🧚 </a:t>
+            </a:r>
+            <a:r>
+              <a:rPr lang="en-US" i="1" dirty="0">
+                <a:solidFill>
+                  <a:schemeClr val="bg2">
+                    <a:lumMod val="40000"/>
+                    <a:lumOff val="60000"/>
+                  </a:schemeClr>
+                </a:solidFill>
+                <a:effectLst>
+                  <a:glow>
+                    <a:schemeClr val="bg1"/>
+                  </a:glow>
+                </a:effectLst>
+              </a:rPr>
+              <a:t>curator</a:t>
+            </a:r>
+          </a:p>
+        </p:txBody>
+      </p:sp>
+      <p:sp>
+        <p:nvSpPr>
+          <p:cNvPr id="10" name="Rectangle 9">
+            <a:extLst>
+              <a:ext uri="{FF2B5EF4-FFF2-40B4-BE49-F238E27FC236}">
+                <a16:creationId xmlns:a16="http://schemas.microsoft.com/office/drawing/2014/main" id="{5E1A2546-8F10-DB27-F1E0-B4591CEDC90C}"/>
+              </a:ext>
+            </a:extLst>
+          </p:cNvPr>
+          <p:cNvSpPr/>
+          <p:nvPr/>
+        </p:nvSpPr>
+        <p:spPr>
+          <a:xfrm>
+            <a:off x="9614109" y="129209"/>
+            <a:ext cx="1828801" cy="1987178"/>
+          </a:xfrm>
+          <a:prstGeom prst="rect">
+            <a:avLst/>
+          </a:prstGeom>
+          <a:solidFill>
+            <a:schemeClr val="bg1">
+              <a:lumMod val="85000"/>
+              <a:lumOff val="15000"/>
+            </a:schemeClr>
+          </a:solidFill>
+          <a:ln w="12700">
+            <a:solidFill>
+              <a:srgbClr val="5A6B86"/>
+            </a:solidFill>
+            <a:prstDash val="dash"/>
+          </a:ln>
+        </p:spPr>
+        <p:style>
+          <a:lnRef idx="2">
+            <a:schemeClr val="accent1">
+              <a:shade val="50000"/>
+            </a:schemeClr>
+          </a:lnRef>
+          <a:fillRef idx="1">
+            <a:schemeClr val="accent1"/>
+          </a:fillRef>
+          <a:effectRef idx="0">
+            <a:schemeClr val="accent1"/>
+          </a:effectRef>
+          <a:fontRef idx="minor">
+            <a:schemeClr val="lt1"/>
+          </a:fontRef>
+        </p:style>
+        <p:txBody>
+          <a:bodyPr tIns="36000"/>
+          <a:lstStyle/>
+          <a:p>
+            <a:pPr>
+              <a:defRPr/>
+            </a:pPr>
+            <a:r>
+              <a:rPr lang="en-GB" sz="2400" baseline="-9000" dirty="0">
+                <a:solidFill>
+                  <a:schemeClr val="bg2">
+                    <a:lumMod val="40000"/>
+                    <a:lumOff val="60000"/>
+                  </a:schemeClr>
+                </a:solidFill>
+                <a:effectLst>
+                  <a:glow>
+                    <a:schemeClr val="bg1"/>
+                  </a:glow>
+                </a:effectLst>
+              </a:rPr>
+              <a:t>🤵</a:t>
+            </a:r>
+            <a:r>
+              <a:rPr lang="en-GB" sz="2400" baseline="-11000" dirty="0">
+                <a:solidFill>
+                  <a:schemeClr val="bg2">
+                    <a:lumMod val="40000"/>
+                    <a:lumOff val="60000"/>
+                  </a:schemeClr>
+                </a:solidFill>
+                <a:effectLst>
+                  <a:glow>
+                    <a:schemeClr val="bg1"/>
+                  </a:glow>
+                </a:effectLst>
+              </a:rPr>
+              <a:t> </a:t>
+            </a:r>
+            <a:r>
+              <a:rPr lang="en-US" i="1" dirty="0">
+                <a:solidFill>
+                  <a:schemeClr val="bg2">
+                    <a:lumMod val="40000"/>
+                    <a:lumOff val="60000"/>
+                  </a:schemeClr>
+                </a:solidFill>
+                <a:effectLst>
+                  <a:glow>
+                    <a:schemeClr val="bg1"/>
+                  </a:glow>
+                </a:effectLst>
+              </a:rPr>
+              <a:t>broker</a:t>
+            </a:r>
+          </a:p>
+        </p:txBody>
+      </p:sp>
+      <p:sp>
+        <p:nvSpPr>
+          <p:cNvPr id="131" name="Rectangle 130">
+            <a:extLst>
+              <a:ext uri="{FF2B5EF4-FFF2-40B4-BE49-F238E27FC236}">
+                <a16:creationId xmlns:a16="http://schemas.microsoft.com/office/drawing/2014/main" id="{85391E80-2444-35A3-6332-50CD4947D8A9}"/>
+              </a:ext>
+            </a:extLst>
+          </p:cNvPr>
+          <p:cNvSpPr/>
+          <p:nvPr/>
+        </p:nvSpPr>
+        <p:spPr>
+          <a:xfrm>
+            <a:off x="6565829" y="3726986"/>
+            <a:ext cx="1597235" cy="392400"/>
+          </a:xfrm>
+          <a:prstGeom prst="rect">
+            <a:avLst/>
+          </a:prstGeom>
+          <a:solidFill>
+            <a:schemeClr val="tx1">
+              <a:lumMod val="95000"/>
+            </a:schemeClr>
+          </a:solidFill>
+          <a:ln w="22225">
+            <a:solidFill>
+              <a:schemeClr val="tx1">
+                <a:lumMod val="50000"/>
+              </a:schemeClr>
+            </a:solidFill>
+            <a:prstDash val="solid"/>
+          </a:ln>
+        </p:spPr>
+        <p:style>
+          <a:lnRef idx="2">
+            <a:schemeClr val="accent1">
+              <a:shade val="50000"/>
+            </a:schemeClr>
+          </a:lnRef>
+          <a:fillRef idx="1">
+            <a:schemeClr val="accent1"/>
+          </a:fillRef>
+          <a:effectRef idx="0">
+            <a:schemeClr val="accent1"/>
+          </a:effectRef>
+          <a:fontRef idx="minor">
+            <a:schemeClr val="lt1"/>
+          </a:fontRef>
+        </p:style>
+        <p:txBody>
+          <a:bodyPr lIns="144000" tIns="144000" rIns="36000" bIns="144000" anchor="ctr"/>
+          <a:lstStyle/>
+          <a:p>
+            <a:r>
+              <a:rPr lang="en-GB" sz="2800" baseline="-9000" dirty="0">
+                <a:solidFill>
+                  <a:schemeClr val="bg2">
+                    <a:lumMod val="40000"/>
+                    <a:lumOff val="60000"/>
+                  </a:schemeClr>
+                </a:solidFill>
+                <a:effectLst>
+                  <a:glow>
+                    <a:schemeClr val="bg1"/>
+                  </a:glow>
+                </a:effectLst>
+              </a:rPr>
+              <a:t>🏦 </a:t>
+            </a:r>
+            <a:r>
+              <a:rPr lang="en-GB" sz="2000" dirty="0">
+                <a:solidFill>
+                  <a:sysClr val="windowText" lastClr="000000"/>
+                </a:solidFill>
+                <a:latin typeface="+mj-lt"/>
+                <a:cs typeface="Arial" panose="020B0604020202020204" pitchFamily="34" charset="0"/>
+              </a:rPr>
+              <a:t>Collector</a:t>
+            </a:r>
+          </a:p>
+        </p:txBody>
+      </p:sp>
+      <p:sp>
+        <p:nvSpPr>
+          <p:cNvPr id="2" name="Rectangle 1">
+            <a:extLst>
+              <a:ext uri="{FF2B5EF4-FFF2-40B4-BE49-F238E27FC236}">
+                <a16:creationId xmlns:a16="http://schemas.microsoft.com/office/drawing/2014/main" id="{36E10567-0F89-D6EC-E998-267CFA3B1FEA}"/>
+              </a:ext>
+            </a:extLst>
+          </p:cNvPr>
+          <p:cNvSpPr/>
+          <p:nvPr/>
+        </p:nvSpPr>
+        <p:spPr>
+          <a:xfrm>
+            <a:off x="2686268" y="3254173"/>
+            <a:ext cx="1845803" cy="392400"/>
+          </a:xfrm>
+          <a:prstGeom prst="rect">
+            <a:avLst/>
+          </a:prstGeom>
+          <a:solidFill>
+            <a:schemeClr val="tx1">
+              <a:lumMod val="95000"/>
+            </a:schemeClr>
+          </a:solidFill>
+          <a:ln w="22225">
+            <a:solidFill>
+              <a:schemeClr val="tx1">
+                <a:lumMod val="50000"/>
+              </a:schemeClr>
+            </a:solidFill>
+            <a:prstDash val="solid"/>
+          </a:ln>
+        </p:spPr>
+        <p:style>
+          <a:lnRef idx="2">
+            <a:schemeClr val="accent1">
+              <a:shade val="50000"/>
+            </a:schemeClr>
+          </a:lnRef>
+          <a:fillRef idx="1">
+            <a:schemeClr val="accent1"/>
+          </a:fillRef>
+          <a:effectRef idx="0">
+            <a:schemeClr val="accent1"/>
+          </a:effectRef>
+          <a:fontRef idx="minor">
+            <a:schemeClr val="lt1"/>
+          </a:fontRef>
+        </p:style>
+        <p:txBody>
+          <a:bodyPr lIns="144000" tIns="144000" rIns="36000" bIns="144000" anchor="ctr"/>
+          <a:lstStyle/>
+          <a:p>
+            <a:r>
+              <a:rPr lang="en-GB" sz="2800" baseline="-9000" dirty="0">
+                <a:solidFill>
+                  <a:schemeClr val="bg2">
+                    <a:lumMod val="40000"/>
+                    <a:lumOff val="60000"/>
+                  </a:schemeClr>
+                </a:solidFill>
+                <a:effectLst>
+                  <a:glow>
+                    <a:schemeClr val="bg1"/>
+                  </a:glow>
+                </a:effectLst>
+              </a:rPr>
+              <a:t>👀 </a:t>
+            </a:r>
+            <a:r>
+              <a:rPr lang="en-GB" sz="2000" dirty="0">
+                <a:solidFill>
+                  <a:sysClr val="windowText" lastClr="000000"/>
+                </a:solidFill>
+                <a:latin typeface="+mj-lt"/>
+                <a:cs typeface="Arial" panose="020B0604020202020204" pitchFamily="34" charset="0"/>
+              </a:rPr>
+              <a:t>Advertiser</a:t>
+            </a:r>
+          </a:p>
+        </p:txBody>
+      </p:sp>
+      <p:sp>
+        <p:nvSpPr>
+          <p:cNvPr id="4" name="Rectangle 3">
+            <a:extLst>
+              <a:ext uri="{FF2B5EF4-FFF2-40B4-BE49-F238E27FC236}">
+                <a16:creationId xmlns:a16="http://schemas.microsoft.com/office/drawing/2014/main" id="{8CC8EBDE-A196-6C81-3E72-6857476EE8D7}"/>
+              </a:ext>
+            </a:extLst>
+          </p:cNvPr>
+          <p:cNvSpPr/>
+          <p:nvPr/>
+        </p:nvSpPr>
+        <p:spPr>
+          <a:xfrm>
+            <a:off x="222595" y="3726986"/>
+            <a:ext cx="1334145" cy="392400"/>
+          </a:xfrm>
+          <a:prstGeom prst="rect">
+            <a:avLst/>
+          </a:prstGeom>
+          <a:solidFill>
+            <a:schemeClr val="tx1">
+              <a:lumMod val="95000"/>
+            </a:schemeClr>
+          </a:solidFill>
+          <a:ln w="22225">
+            <a:solidFill>
+              <a:schemeClr val="tx1">
+                <a:lumMod val="50000"/>
+              </a:schemeClr>
+            </a:solidFill>
+            <a:prstDash val="solid"/>
+          </a:ln>
+        </p:spPr>
+        <p:style>
+          <a:lnRef idx="2">
+            <a:schemeClr val="accent1">
+              <a:shade val="50000"/>
+            </a:schemeClr>
+          </a:lnRef>
+          <a:fillRef idx="1">
+            <a:schemeClr val="accent1"/>
+          </a:fillRef>
+          <a:effectRef idx="0">
+            <a:schemeClr val="accent1"/>
+          </a:effectRef>
+          <a:fontRef idx="minor">
+            <a:schemeClr val="lt1"/>
+          </a:fontRef>
+        </p:style>
+        <p:txBody>
+          <a:bodyPr lIns="144000" tIns="144000" rIns="36000" bIns="144000" anchor="ctr"/>
+          <a:lstStyle/>
+          <a:p>
+            <a:r>
+              <a:rPr lang="en-GB" sz="2800" baseline="-9000" dirty="0">
+                <a:solidFill>
+                  <a:schemeClr val="bg2">
+                    <a:lumMod val="40000"/>
+                    <a:lumOff val="60000"/>
+                  </a:schemeClr>
+                </a:solidFill>
+                <a:effectLst>
+                  <a:glow>
+                    <a:schemeClr val="bg1"/>
+                  </a:glow>
+                </a:effectLst>
+              </a:rPr>
+              <a:t>💳 </a:t>
+            </a:r>
+            <a:r>
+              <a:rPr lang="en-GB" sz="2000" dirty="0">
+                <a:solidFill>
+                  <a:sysClr val="windowText" lastClr="000000"/>
+                </a:solidFill>
+                <a:latin typeface="+mj-lt"/>
+                <a:cs typeface="Arial" panose="020B0604020202020204" pitchFamily="34" charset="0"/>
+              </a:rPr>
+              <a:t>Payer</a:t>
+            </a:r>
+          </a:p>
+        </p:txBody>
+      </p:sp>
+      <p:sp>
+        <p:nvSpPr>
+          <p:cNvPr id="5" name="Rectangle 4">
+            <a:extLst>
+              <a:ext uri="{FF2B5EF4-FFF2-40B4-BE49-F238E27FC236}">
+                <a16:creationId xmlns:a16="http://schemas.microsoft.com/office/drawing/2014/main" id="{C0830082-E184-CF3F-7D8B-8557D3003489}"/>
+              </a:ext>
+            </a:extLst>
+          </p:cNvPr>
+          <p:cNvSpPr/>
+          <p:nvPr/>
+        </p:nvSpPr>
+        <p:spPr>
+          <a:xfrm>
+            <a:off x="222593" y="3254173"/>
+            <a:ext cx="1334146" cy="392400"/>
+          </a:xfrm>
+          <a:prstGeom prst="rect">
+            <a:avLst/>
+          </a:prstGeom>
+          <a:solidFill>
+            <a:schemeClr val="tx1">
+              <a:lumMod val="95000"/>
+            </a:schemeClr>
+          </a:solidFill>
+          <a:ln w="22225">
+            <a:solidFill>
+              <a:schemeClr val="tx1">
+                <a:lumMod val="50000"/>
+              </a:schemeClr>
+            </a:solidFill>
+            <a:prstDash val="solid"/>
+          </a:ln>
+        </p:spPr>
+        <p:style>
+          <a:lnRef idx="2">
+            <a:schemeClr val="accent1">
+              <a:shade val="50000"/>
+            </a:schemeClr>
+          </a:lnRef>
+          <a:fillRef idx="1">
+            <a:schemeClr val="accent1"/>
+          </a:fillRef>
+          <a:effectRef idx="0">
+            <a:schemeClr val="accent1"/>
+          </a:effectRef>
+          <a:fontRef idx="minor">
+            <a:schemeClr val="lt1"/>
+          </a:fontRef>
+        </p:style>
+        <p:txBody>
+          <a:bodyPr lIns="144000" tIns="144000" rIns="36000" bIns="144000" anchor="ctr"/>
+          <a:lstStyle/>
+          <a:p>
+            <a:r>
+              <a:rPr lang="en-GB" sz="2800" baseline="-9000" dirty="0">
+                <a:solidFill>
+                  <a:schemeClr val="bg2">
+                    <a:lumMod val="40000"/>
+                    <a:lumOff val="60000"/>
+                  </a:schemeClr>
+                </a:solidFill>
+                <a:effectLst>
+                  <a:glow>
+                    <a:schemeClr val="bg1"/>
+                  </a:glow>
+                </a:effectLst>
+              </a:rPr>
+              <a:t>💵 </a:t>
+            </a:r>
+            <a:r>
+              <a:rPr lang="en-GB" sz="2000" dirty="0">
+                <a:solidFill>
+                  <a:sysClr val="windowText" lastClr="000000"/>
+                </a:solidFill>
+                <a:latin typeface="+mj-lt"/>
+                <a:cs typeface="Arial" panose="020B0604020202020204" pitchFamily="34" charset="0"/>
+              </a:rPr>
+              <a:t>Seller</a:t>
+            </a:r>
+          </a:p>
+        </p:txBody>
+      </p:sp>
+      <p:sp>
+        <p:nvSpPr>
+          <p:cNvPr id="6" name="Rectangle 5">
+            <a:extLst>
+              <a:ext uri="{FF2B5EF4-FFF2-40B4-BE49-F238E27FC236}">
+                <a16:creationId xmlns:a16="http://schemas.microsoft.com/office/drawing/2014/main" id="{575725D5-0509-EAC4-E195-4F8C10A61F01}"/>
+              </a:ext>
+            </a:extLst>
+          </p:cNvPr>
+          <p:cNvSpPr/>
+          <p:nvPr/>
+        </p:nvSpPr>
+        <p:spPr>
+          <a:xfrm>
+            <a:off x="2686265" y="3726986"/>
+            <a:ext cx="1845803" cy="392400"/>
+          </a:xfrm>
+          <a:prstGeom prst="rect">
+            <a:avLst/>
+          </a:prstGeom>
+          <a:solidFill>
+            <a:schemeClr val="tx1">
+              <a:lumMod val="95000"/>
+            </a:schemeClr>
+          </a:solidFill>
+          <a:ln w="22225">
+            <a:solidFill>
+              <a:schemeClr val="tx1">
+                <a:lumMod val="50000"/>
+              </a:schemeClr>
+            </a:solidFill>
+            <a:prstDash val="solid"/>
+          </a:ln>
+        </p:spPr>
+        <p:style>
+          <a:lnRef idx="2">
+            <a:schemeClr val="accent1">
+              <a:shade val="50000"/>
+            </a:schemeClr>
+          </a:lnRef>
+          <a:fillRef idx="1">
+            <a:schemeClr val="accent1"/>
+          </a:fillRef>
+          <a:effectRef idx="0">
+            <a:schemeClr val="accent1"/>
+          </a:effectRef>
+          <a:fontRef idx="minor">
+            <a:schemeClr val="lt1"/>
+          </a:fontRef>
+        </p:style>
+        <p:txBody>
+          <a:bodyPr lIns="144000" tIns="144000" rIns="36000" bIns="144000" anchor="ctr"/>
+          <a:lstStyle/>
+          <a:p>
+            <a:r>
+              <a:rPr lang="en-GB" sz="2800" baseline="-9000" dirty="0">
+                <a:solidFill>
+                  <a:schemeClr val="bg2">
+                    <a:lumMod val="40000"/>
+                    <a:lumOff val="60000"/>
+                  </a:schemeClr>
+                </a:solidFill>
+                <a:effectLst>
+                  <a:glow>
+                    <a:schemeClr val="bg1"/>
+                  </a:glow>
+                </a:effectLst>
+              </a:rPr>
+              <a:t>🤝 </a:t>
+            </a:r>
+            <a:r>
+              <a:rPr lang="en-GB" sz="2000" dirty="0">
+                <a:solidFill>
+                  <a:sysClr val="windowText" lastClr="000000"/>
+                </a:solidFill>
+                <a:latin typeface="+mj-lt"/>
+                <a:cs typeface="Arial" panose="020B0604020202020204" pitchFamily="34" charset="0"/>
+              </a:rPr>
+              <a:t>Biller</a:t>
+            </a:r>
+          </a:p>
+        </p:txBody>
+      </p:sp>
+      <p:sp>
+        <p:nvSpPr>
+          <p:cNvPr id="15" name="Rectangle 14">
+            <a:extLst>
+              <a:ext uri="{FF2B5EF4-FFF2-40B4-BE49-F238E27FC236}">
+                <a16:creationId xmlns:a16="http://schemas.microsoft.com/office/drawing/2014/main" id="{82F5137B-89EE-1B45-5DCE-8F07327836CD}"/>
+              </a:ext>
+            </a:extLst>
+          </p:cNvPr>
+          <p:cNvSpPr/>
+          <p:nvPr/>
+        </p:nvSpPr>
+        <p:spPr>
+          <a:xfrm>
+            <a:off x="2686268" y="4190655"/>
+            <a:ext cx="1845803" cy="392400"/>
+          </a:xfrm>
+          <a:prstGeom prst="rect">
+            <a:avLst/>
+          </a:prstGeom>
+          <a:solidFill>
+            <a:schemeClr val="tx1">
+              <a:lumMod val="95000"/>
+            </a:schemeClr>
+          </a:solidFill>
+          <a:ln w="22225">
+            <a:solidFill>
+              <a:schemeClr val="tx1">
+                <a:lumMod val="50000"/>
+              </a:schemeClr>
+            </a:solidFill>
+            <a:prstDash val="solid"/>
+          </a:ln>
+        </p:spPr>
+        <p:style>
+          <a:lnRef idx="2">
+            <a:schemeClr val="accent1">
+              <a:shade val="50000"/>
+            </a:schemeClr>
+          </a:lnRef>
+          <a:fillRef idx="1">
+            <a:schemeClr val="accent1"/>
+          </a:fillRef>
+          <a:effectRef idx="0">
+            <a:schemeClr val="accent1"/>
+          </a:effectRef>
+          <a:fontRef idx="minor">
+            <a:schemeClr val="lt1"/>
+          </a:fontRef>
+        </p:style>
+        <p:txBody>
+          <a:bodyPr lIns="144000" tIns="144000" rIns="36000" bIns="144000" anchor="ctr"/>
+          <a:lstStyle/>
+          <a:p>
+            <a:r>
+              <a:rPr lang="en-GB" sz="2800" baseline="-9000" dirty="0">
+                <a:solidFill>
+                  <a:schemeClr val="bg2">
+                    <a:lumMod val="40000"/>
+                    <a:lumOff val="60000"/>
+                  </a:schemeClr>
+                </a:solidFill>
+                <a:effectLst>
+                  <a:glow>
+                    <a:schemeClr val="bg1"/>
+                  </a:glow>
+                </a:effectLst>
+              </a:rPr>
+              <a:t>🏦 </a:t>
+            </a:r>
+            <a:r>
+              <a:rPr lang="en-GB" sz="2000" dirty="0">
+                <a:solidFill>
+                  <a:sysClr val="windowText" lastClr="000000"/>
+                </a:solidFill>
+                <a:latin typeface="+mj-lt"/>
+                <a:cs typeface="Arial" panose="020B0604020202020204" pitchFamily="34" charset="0"/>
+              </a:rPr>
+              <a:t>Collector</a:t>
+            </a:r>
+          </a:p>
+        </p:txBody>
+      </p:sp>
+      <p:sp>
+        <p:nvSpPr>
+          <p:cNvPr id="16" name="Rectangle 15">
+            <a:extLst>
+              <a:ext uri="{FF2B5EF4-FFF2-40B4-BE49-F238E27FC236}">
+                <a16:creationId xmlns:a16="http://schemas.microsoft.com/office/drawing/2014/main" id="{53D22312-8B44-D8B4-54FF-E886FED85733}"/>
+              </a:ext>
+            </a:extLst>
+          </p:cNvPr>
+          <p:cNvSpPr/>
+          <p:nvPr/>
+        </p:nvSpPr>
+        <p:spPr>
+          <a:xfrm>
+            <a:off x="2686264" y="4658355"/>
+            <a:ext cx="1845803" cy="392400"/>
+          </a:xfrm>
+          <a:prstGeom prst="rect">
+            <a:avLst/>
+          </a:prstGeom>
+          <a:solidFill>
+            <a:schemeClr val="tx1">
+              <a:lumMod val="95000"/>
+            </a:schemeClr>
+          </a:solidFill>
+          <a:ln w="22225">
+            <a:solidFill>
+              <a:schemeClr val="tx1">
+                <a:lumMod val="50000"/>
+              </a:schemeClr>
+            </a:solidFill>
+            <a:prstDash val="solid"/>
+          </a:ln>
+        </p:spPr>
+        <p:style>
+          <a:lnRef idx="2">
+            <a:schemeClr val="accent1">
+              <a:shade val="50000"/>
+            </a:schemeClr>
+          </a:lnRef>
+          <a:fillRef idx="1">
+            <a:schemeClr val="accent1"/>
+          </a:fillRef>
+          <a:effectRef idx="0">
+            <a:schemeClr val="accent1"/>
+          </a:effectRef>
+          <a:fontRef idx="minor">
+            <a:schemeClr val="lt1"/>
+          </a:fontRef>
+        </p:style>
+        <p:txBody>
+          <a:bodyPr lIns="144000" tIns="144000" rIns="36000" bIns="144000" anchor="ctr"/>
+          <a:lstStyle/>
+          <a:p>
+            <a:r>
+              <a:rPr lang="en-GB" sz="2800" baseline="-9000" dirty="0">
+                <a:solidFill>
+                  <a:schemeClr val="bg2">
+                    <a:lumMod val="40000"/>
+                    <a:lumOff val="60000"/>
+                  </a:schemeClr>
+                </a:solidFill>
+                <a:effectLst>
+                  <a:glow>
+                    <a:schemeClr val="bg1"/>
+                  </a:glow>
+                </a:effectLst>
+              </a:rPr>
+              <a:t>💳 </a:t>
+            </a:r>
+            <a:r>
+              <a:rPr lang="en-GB" sz="2000" dirty="0">
+                <a:solidFill>
+                  <a:sysClr val="windowText" lastClr="000000"/>
+                </a:solidFill>
+                <a:latin typeface="+mj-lt"/>
+                <a:cs typeface="Arial" panose="020B0604020202020204" pitchFamily="34" charset="0"/>
+              </a:rPr>
+              <a:t>Payer</a:t>
+            </a:r>
+          </a:p>
+        </p:txBody>
+      </p:sp>
+      <p:sp>
+        <p:nvSpPr>
+          <p:cNvPr id="3" name="Rectangle 2">
+            <a:extLst>
+              <a:ext uri="{FF2B5EF4-FFF2-40B4-BE49-F238E27FC236}">
+                <a16:creationId xmlns:a16="http://schemas.microsoft.com/office/drawing/2014/main" id="{41F87546-28F0-E209-7C11-4F52F75368C8}"/>
+              </a:ext>
+            </a:extLst>
+          </p:cNvPr>
+          <p:cNvSpPr/>
+          <p:nvPr/>
+        </p:nvSpPr>
+        <p:spPr>
+          <a:xfrm>
+            <a:off x="9690683" y="3254173"/>
+            <a:ext cx="1688079" cy="392400"/>
+          </a:xfrm>
+          <a:prstGeom prst="rect">
+            <a:avLst/>
+          </a:prstGeom>
+          <a:solidFill>
+            <a:schemeClr val="tx1">
+              <a:lumMod val="95000"/>
+            </a:schemeClr>
+          </a:solidFill>
+          <a:ln w="22225">
+            <a:solidFill>
+              <a:schemeClr val="tx1">
+                <a:lumMod val="50000"/>
+              </a:schemeClr>
+            </a:solidFill>
+            <a:prstDash val="solid"/>
+          </a:ln>
+        </p:spPr>
+        <p:style>
+          <a:lnRef idx="2">
+            <a:schemeClr val="accent1">
+              <a:shade val="50000"/>
+            </a:schemeClr>
+          </a:lnRef>
+          <a:fillRef idx="1">
+            <a:schemeClr val="accent1"/>
+          </a:fillRef>
+          <a:effectRef idx="0">
+            <a:schemeClr val="accent1"/>
+          </a:effectRef>
+          <a:fontRef idx="minor">
+            <a:schemeClr val="lt1"/>
+          </a:fontRef>
+        </p:style>
+        <p:txBody>
+          <a:bodyPr lIns="144000" tIns="144000" rIns="36000" bIns="144000" anchor="ctr"/>
+          <a:lstStyle/>
+          <a:p>
+            <a:r>
+              <a:rPr lang="en-GB" sz="2800" baseline="-9000" dirty="0">
+                <a:solidFill>
+                  <a:schemeClr val="bg2">
+                    <a:lumMod val="40000"/>
+                    <a:lumOff val="60000"/>
+                  </a:schemeClr>
+                </a:solidFill>
+                <a:effectLst>
+                  <a:glow>
+                    <a:schemeClr val="bg1"/>
+                  </a:glow>
+                </a:effectLst>
+              </a:rPr>
+              <a:t>🤗 </a:t>
+            </a:r>
+            <a:r>
+              <a:rPr lang="en-GB" sz="2000" dirty="0">
+                <a:solidFill>
+                  <a:sysClr val="windowText" lastClr="000000"/>
+                </a:solidFill>
+                <a:latin typeface="+mj-lt"/>
+                <a:cs typeface="Arial" panose="020B0604020202020204" pitchFamily="34" charset="0"/>
+              </a:rPr>
+              <a:t>Host</a:t>
+            </a:r>
+          </a:p>
+        </p:txBody>
+      </p:sp>
+      <p:sp>
+        <p:nvSpPr>
+          <p:cNvPr id="7" name="Rectangle 6">
+            <a:extLst>
+              <a:ext uri="{FF2B5EF4-FFF2-40B4-BE49-F238E27FC236}">
+                <a16:creationId xmlns:a16="http://schemas.microsoft.com/office/drawing/2014/main" id="{C76261D8-D7B9-7F69-2D47-6D501280CB29}"/>
+              </a:ext>
+            </a:extLst>
+          </p:cNvPr>
+          <p:cNvSpPr/>
+          <p:nvPr/>
+        </p:nvSpPr>
+        <p:spPr>
+          <a:xfrm>
+            <a:off x="9689222" y="3726986"/>
+            <a:ext cx="1688079" cy="392400"/>
+          </a:xfrm>
+          <a:prstGeom prst="rect">
+            <a:avLst/>
+          </a:prstGeom>
+          <a:solidFill>
+            <a:schemeClr val="tx1">
+              <a:lumMod val="95000"/>
+            </a:schemeClr>
+          </a:solidFill>
+          <a:ln w="22225">
+            <a:solidFill>
+              <a:schemeClr val="tx1">
+                <a:lumMod val="50000"/>
+              </a:schemeClr>
+            </a:solidFill>
+            <a:prstDash val="solid"/>
+          </a:ln>
+        </p:spPr>
+        <p:style>
+          <a:lnRef idx="2">
+            <a:schemeClr val="accent1">
+              <a:shade val="50000"/>
+            </a:schemeClr>
+          </a:lnRef>
+          <a:fillRef idx="1">
+            <a:schemeClr val="accent1"/>
+          </a:fillRef>
+          <a:effectRef idx="0">
+            <a:schemeClr val="accent1"/>
+          </a:effectRef>
+          <a:fontRef idx="minor">
+            <a:schemeClr val="lt1"/>
+          </a:fontRef>
+        </p:style>
+        <p:txBody>
+          <a:bodyPr lIns="144000" tIns="144000" rIns="36000" bIns="144000" anchor="ctr"/>
+          <a:lstStyle/>
+          <a:p>
+            <a:r>
+              <a:rPr lang="en-GB" sz="2800" baseline="-9000" dirty="0">
+                <a:solidFill>
+                  <a:schemeClr val="bg2">
+                    <a:lumMod val="40000"/>
+                    <a:lumOff val="60000"/>
+                  </a:schemeClr>
+                </a:solidFill>
+                <a:effectLst>
+                  <a:glow>
+                    <a:schemeClr val="bg1"/>
+                  </a:glow>
+                </a:effectLst>
+              </a:rPr>
+              <a:t>🏦 </a:t>
+            </a:r>
+            <a:r>
+              <a:rPr lang="en-GB" sz="2000" dirty="0">
+                <a:solidFill>
+                  <a:sysClr val="windowText" lastClr="000000"/>
+                </a:solidFill>
+                <a:latin typeface="+mj-lt"/>
+                <a:cs typeface="Arial" panose="020B0604020202020204" pitchFamily="34" charset="0"/>
+              </a:rPr>
+              <a:t>Collector</a:t>
+            </a:r>
+          </a:p>
+        </p:txBody>
+      </p:sp>
+      <p:cxnSp>
+        <p:nvCxnSpPr>
+          <p:cNvPr id="32" name="Straight Arrow Connector 12">
+            <a:extLst>
+              <a:ext uri="{FF2B5EF4-FFF2-40B4-BE49-F238E27FC236}">
+                <a16:creationId xmlns:a16="http://schemas.microsoft.com/office/drawing/2014/main" id="{A4070F3B-A12E-EFA7-5967-9073EFAE4C35}"/>
+              </a:ext>
+            </a:extLst>
+          </p:cNvPr>
+          <p:cNvCxnSpPr>
+            <a:cxnSpLocks/>
+            <a:stCxn id="6" idx="1"/>
+            <a:endCxn id="4" idx="3"/>
+          </p:cNvCxnSpPr>
+          <p:nvPr/>
+        </p:nvCxnSpPr>
+        <p:spPr>
+          <a:xfrm flipH="1">
+            <a:off x="1556740" y="3923186"/>
+            <a:ext cx="1129525" cy="0"/>
+          </a:xfrm>
+          <a:prstGeom prst="straightConnector1">
+            <a:avLst/>
+          </a:prstGeom>
+          <a:ln>
+            <a:solidFill>
+              <a:schemeClr val="bg1">
+                <a:lumMod val="50000"/>
+                <a:lumOff val="50000"/>
+              </a:schemeClr>
+            </a:solidFill>
+            <a:tailEnd type="triangle" w="lg" len="lg"/>
+          </a:ln>
+        </p:spPr>
+        <p:style>
+          <a:lnRef idx="3">
+            <a:schemeClr val="accent2"/>
+          </a:lnRef>
+          <a:fillRef idx="0">
+            <a:schemeClr val="accent2"/>
+          </a:fillRef>
+          <a:effectRef idx="2">
+            <a:schemeClr val="accent2"/>
+          </a:effectRef>
+          <a:fontRef idx="minor">
+            <a:schemeClr val="tx1"/>
+          </a:fontRef>
+        </p:style>
+      </p:cxnSp>
+      <p:sp>
+        <p:nvSpPr>
+          <p:cNvPr id="36" name="Rectangle 35">
+            <a:extLst>
+              <a:ext uri="{FF2B5EF4-FFF2-40B4-BE49-F238E27FC236}">
+                <a16:creationId xmlns:a16="http://schemas.microsoft.com/office/drawing/2014/main" id="{B5F78594-E4D4-3CDC-6840-4E04E2BB0F27}"/>
+              </a:ext>
+            </a:extLst>
+          </p:cNvPr>
+          <p:cNvSpPr/>
+          <p:nvPr/>
+        </p:nvSpPr>
+        <p:spPr>
+          <a:xfrm>
+            <a:off x="6557326" y="3255483"/>
+            <a:ext cx="1605738" cy="391090"/>
+          </a:xfrm>
+          <a:prstGeom prst="rect">
+            <a:avLst/>
+          </a:prstGeom>
+          <a:solidFill>
+            <a:schemeClr val="tx1">
+              <a:lumMod val="95000"/>
+            </a:schemeClr>
+          </a:solidFill>
+          <a:ln w="22225">
+            <a:solidFill>
+              <a:schemeClr val="tx1">
+                <a:lumMod val="50000"/>
+              </a:schemeClr>
+            </a:solidFill>
+            <a:prstDash val="solid"/>
+          </a:ln>
+        </p:spPr>
+        <p:style>
+          <a:lnRef idx="2">
+            <a:schemeClr val="accent1">
+              <a:shade val="50000"/>
+            </a:schemeClr>
+          </a:lnRef>
+          <a:fillRef idx="1">
+            <a:schemeClr val="accent1"/>
+          </a:fillRef>
+          <a:effectRef idx="0">
+            <a:schemeClr val="accent1"/>
+          </a:effectRef>
+          <a:fontRef idx="minor">
+            <a:schemeClr val="lt1"/>
+          </a:fontRef>
+        </p:style>
+        <p:txBody>
+          <a:bodyPr lIns="144000" tIns="144000" rIns="36000" bIns="144000" anchor="ctr"/>
+          <a:lstStyle/>
+          <a:p>
+            <a:r>
+              <a:rPr lang="en-GB" sz="2800" baseline="-9000" dirty="0">
+                <a:solidFill>
+                  <a:schemeClr val="bg2">
+                    <a:lumMod val="40000"/>
+                    <a:lumOff val="60000"/>
+                  </a:schemeClr>
+                </a:solidFill>
+                <a:effectLst>
+                  <a:glow>
+                    <a:schemeClr val="bg1"/>
+                  </a:glow>
+                </a:effectLst>
+              </a:rPr>
+              <a:t>🧚 </a:t>
+            </a:r>
+            <a:r>
+              <a:rPr lang="en-GB" sz="2000" dirty="0">
+                <a:solidFill>
+                  <a:sysClr val="windowText" lastClr="000000"/>
+                </a:solidFill>
+                <a:latin typeface="+mj-lt"/>
+                <a:cs typeface="Arial" panose="020B0604020202020204" pitchFamily="34" charset="0"/>
+              </a:rPr>
+              <a:t>Curator</a:t>
+            </a:r>
+          </a:p>
+        </p:txBody>
+      </p:sp>
+      <p:sp>
+        <p:nvSpPr>
+          <p:cNvPr id="44" name="Rectangle 43">
+            <a:extLst>
+              <a:ext uri="{FF2B5EF4-FFF2-40B4-BE49-F238E27FC236}">
+                <a16:creationId xmlns:a16="http://schemas.microsoft.com/office/drawing/2014/main" id="{DEC8F244-5DBF-EDFD-5C18-4D2AB0ACDBD9}"/>
+              </a:ext>
+            </a:extLst>
+          </p:cNvPr>
+          <p:cNvSpPr/>
+          <p:nvPr/>
+        </p:nvSpPr>
+        <p:spPr>
+          <a:xfrm>
+            <a:off x="9686698" y="1173037"/>
+            <a:ext cx="1688400" cy="392400"/>
+          </a:xfrm>
+          <a:prstGeom prst="rect">
+            <a:avLst/>
+          </a:prstGeom>
+          <a:solidFill>
+            <a:schemeClr val="tx1">
+              <a:lumMod val="95000"/>
+            </a:schemeClr>
+          </a:solidFill>
+          <a:ln w="22225">
+            <a:solidFill>
+              <a:schemeClr val="tx1">
+                <a:lumMod val="50000"/>
+              </a:schemeClr>
+            </a:solidFill>
+            <a:prstDash val="solid"/>
+          </a:ln>
+        </p:spPr>
+        <p:style>
+          <a:lnRef idx="2">
+            <a:schemeClr val="accent1">
+              <a:shade val="50000"/>
+            </a:schemeClr>
+          </a:lnRef>
+          <a:fillRef idx="1">
+            <a:schemeClr val="accent1"/>
+          </a:fillRef>
+          <a:effectRef idx="0">
+            <a:schemeClr val="accent1"/>
+          </a:effectRef>
+          <a:fontRef idx="minor">
+            <a:schemeClr val="lt1"/>
+          </a:fontRef>
+        </p:style>
+        <p:txBody>
+          <a:bodyPr lIns="144000" tIns="144000" rIns="36000" bIns="144000" anchor="ctr"/>
+          <a:lstStyle/>
+          <a:p>
+            <a:r>
+              <a:rPr lang="en-GB" sz="2800" baseline="-9000" dirty="0">
+                <a:solidFill>
+                  <a:schemeClr val="bg2">
+                    <a:lumMod val="40000"/>
+                    <a:lumOff val="60000"/>
+                  </a:schemeClr>
+                </a:solidFill>
+                <a:effectLst>
+                  <a:glow>
+                    <a:schemeClr val="bg1"/>
+                  </a:glow>
+                </a:effectLst>
+              </a:rPr>
+              <a:t>🤵 </a:t>
+            </a:r>
+            <a:r>
+              <a:rPr lang="en-GB" sz="2000" dirty="0">
+                <a:solidFill>
+                  <a:sysClr val="windowText" lastClr="000000"/>
+                </a:solidFill>
+                <a:latin typeface="+mj-lt"/>
+                <a:cs typeface="Arial" panose="020B0604020202020204" pitchFamily="34" charset="0"/>
+              </a:rPr>
+              <a:t>Broker</a:t>
+            </a:r>
+          </a:p>
+        </p:txBody>
+      </p:sp>
+      <p:cxnSp>
+        <p:nvCxnSpPr>
+          <p:cNvPr id="8" name="Straight Arrow Connector 12">
+            <a:extLst>
+              <a:ext uri="{FF2B5EF4-FFF2-40B4-BE49-F238E27FC236}">
+                <a16:creationId xmlns:a16="http://schemas.microsoft.com/office/drawing/2014/main" id="{24824055-B9BD-4B95-EB02-D39A0559D43C}"/>
+              </a:ext>
+            </a:extLst>
+          </p:cNvPr>
+          <p:cNvCxnSpPr>
+            <a:cxnSpLocks/>
+            <a:stCxn id="4" idx="2"/>
+            <a:endCxn id="15" idx="1"/>
+          </p:cNvCxnSpPr>
+          <p:nvPr/>
+        </p:nvCxnSpPr>
+        <p:spPr>
+          <a:xfrm rot="16200000" flipH="1">
+            <a:off x="1654234" y="3354820"/>
+            <a:ext cx="267469" cy="1796600"/>
+          </a:xfrm>
+          <a:prstGeom prst="bentConnector2">
+            <a:avLst/>
+          </a:prstGeom>
+          <a:ln>
+            <a:solidFill>
+              <a:schemeClr val="bg1">
+                <a:lumMod val="50000"/>
+                <a:lumOff val="50000"/>
+              </a:schemeClr>
+            </a:solidFill>
+            <a:tailEnd type="triangle" w="lg" len="lg"/>
+          </a:ln>
+        </p:spPr>
+        <p:style>
+          <a:lnRef idx="3">
+            <a:schemeClr val="accent2"/>
+          </a:lnRef>
+          <a:fillRef idx="0">
+            <a:schemeClr val="accent2"/>
+          </a:fillRef>
+          <a:effectRef idx="2">
+            <a:schemeClr val="accent2"/>
+          </a:effectRef>
+          <a:fontRef idx="minor">
+            <a:schemeClr val="tx1"/>
+          </a:fontRef>
+        </p:style>
+      </p:cxnSp>
+      <p:cxnSp>
+        <p:nvCxnSpPr>
+          <p:cNvPr id="29" name="Straight Arrow Connector 12">
+            <a:extLst>
+              <a:ext uri="{FF2B5EF4-FFF2-40B4-BE49-F238E27FC236}">
+                <a16:creationId xmlns:a16="http://schemas.microsoft.com/office/drawing/2014/main" id="{49503284-BDC4-EB40-4B38-C949BBBBCD03}"/>
+              </a:ext>
+            </a:extLst>
+          </p:cNvPr>
+          <p:cNvCxnSpPr>
+            <a:cxnSpLocks/>
+            <a:stCxn id="5" idx="3"/>
+            <a:endCxn id="2" idx="1"/>
+          </p:cNvCxnSpPr>
+          <p:nvPr/>
+        </p:nvCxnSpPr>
+        <p:spPr>
+          <a:xfrm>
+            <a:off x="1556739" y="3450373"/>
+            <a:ext cx="1129529" cy="0"/>
+          </a:xfrm>
+          <a:prstGeom prst="straightConnector1">
+            <a:avLst/>
+          </a:prstGeom>
+          <a:ln>
+            <a:solidFill>
+              <a:schemeClr val="bg1">
+                <a:lumMod val="50000"/>
+                <a:lumOff val="50000"/>
+              </a:schemeClr>
+            </a:solidFill>
+            <a:tailEnd type="triangle" w="lg" len="lg"/>
+          </a:ln>
+        </p:spPr>
+        <p:style>
+          <a:lnRef idx="3">
+            <a:schemeClr val="accent2"/>
+          </a:lnRef>
+          <a:fillRef idx="0">
+            <a:schemeClr val="accent2"/>
+          </a:fillRef>
+          <a:effectRef idx="2">
+            <a:schemeClr val="accent2"/>
+          </a:effectRef>
+          <a:fontRef idx="minor">
+            <a:schemeClr val="tx1"/>
+          </a:fontRef>
+        </p:style>
+      </p:cxnSp>
+      <p:cxnSp>
+        <p:nvCxnSpPr>
+          <p:cNvPr id="52" name="Straight Arrow Connector 12">
+            <a:extLst>
+              <a:ext uri="{FF2B5EF4-FFF2-40B4-BE49-F238E27FC236}">
+                <a16:creationId xmlns:a16="http://schemas.microsoft.com/office/drawing/2014/main" id="{9A9711DC-F06A-B660-545E-101901011F57}"/>
+              </a:ext>
+            </a:extLst>
+          </p:cNvPr>
+          <p:cNvCxnSpPr>
+            <a:cxnSpLocks/>
+            <a:endCxn id="71" idx="1"/>
+          </p:cNvCxnSpPr>
+          <p:nvPr/>
+        </p:nvCxnSpPr>
+        <p:spPr>
+          <a:xfrm rot="16200000" flipH="1">
+            <a:off x="2583585" y="5211950"/>
+            <a:ext cx="444435" cy="239072"/>
+          </a:xfrm>
+          <a:prstGeom prst="bentConnector2">
+            <a:avLst/>
+          </a:prstGeom>
+          <a:ln>
+            <a:solidFill>
+              <a:schemeClr val="bg1">
+                <a:lumMod val="50000"/>
+                <a:lumOff val="50000"/>
+              </a:schemeClr>
+            </a:solidFill>
+            <a:tailEnd type="triangle" w="lg" len="lg"/>
+          </a:ln>
+        </p:spPr>
+        <p:style>
+          <a:lnRef idx="3">
+            <a:schemeClr val="accent2"/>
+          </a:lnRef>
+          <a:fillRef idx="0">
+            <a:schemeClr val="accent2"/>
+          </a:fillRef>
+          <a:effectRef idx="2">
+            <a:schemeClr val="accent2"/>
+          </a:effectRef>
+          <a:fontRef idx="minor">
+            <a:schemeClr val="tx1"/>
+          </a:fontRef>
+        </p:style>
+      </p:cxnSp>
+      <p:sp>
+        <p:nvSpPr>
+          <p:cNvPr id="71" name="Rectangle 70">
+            <a:extLst>
+              <a:ext uri="{FF2B5EF4-FFF2-40B4-BE49-F238E27FC236}">
+                <a16:creationId xmlns:a16="http://schemas.microsoft.com/office/drawing/2014/main" id="{D8F7D7CD-F42D-D125-6484-1FD95A32FC8F}"/>
+              </a:ext>
+            </a:extLst>
+          </p:cNvPr>
+          <p:cNvSpPr/>
+          <p:nvPr/>
+        </p:nvSpPr>
+        <p:spPr>
+          <a:xfrm>
+            <a:off x="2925338" y="5357504"/>
+            <a:ext cx="1376334" cy="392400"/>
+          </a:xfrm>
+          <a:prstGeom prst="rect">
+            <a:avLst/>
+          </a:prstGeom>
+          <a:solidFill>
+            <a:schemeClr val="tx1">
+              <a:lumMod val="95000"/>
+            </a:schemeClr>
+          </a:solidFill>
+          <a:ln w="22225">
+            <a:solidFill>
+              <a:schemeClr val="tx1">
+                <a:lumMod val="50000"/>
+              </a:schemeClr>
+            </a:solidFill>
+            <a:prstDash val="solid"/>
+          </a:ln>
+        </p:spPr>
+        <p:style>
+          <a:lnRef idx="2">
+            <a:schemeClr val="accent1">
+              <a:shade val="50000"/>
+            </a:schemeClr>
+          </a:lnRef>
+          <a:fillRef idx="1">
+            <a:schemeClr val="accent1"/>
+          </a:fillRef>
+          <a:effectRef idx="0">
+            <a:schemeClr val="accent1"/>
+          </a:effectRef>
+          <a:fontRef idx="minor">
+            <a:schemeClr val="lt1"/>
+          </a:fontRef>
+        </p:style>
+        <p:txBody>
+          <a:bodyPr lIns="144000" tIns="144000" rIns="36000" bIns="144000" anchor="ctr"/>
+          <a:lstStyle/>
+          <a:p>
+            <a:r>
+              <a:rPr lang="en-GB" sz="2800" baseline="-9000" dirty="0">
+                <a:solidFill>
+                  <a:schemeClr val="bg2">
+                    <a:lumMod val="40000"/>
+                    <a:lumOff val="60000"/>
+                  </a:schemeClr>
+                </a:solidFill>
+                <a:effectLst>
+                  <a:glow>
+                    <a:schemeClr val="bg1"/>
+                  </a:glow>
+                </a:effectLst>
+              </a:rPr>
+              <a:t>🧑‍🦰 </a:t>
+            </a:r>
+            <a:r>
+              <a:rPr lang="en-GB" sz="2000" dirty="0">
+                <a:solidFill>
+                  <a:sysClr val="windowText" lastClr="000000"/>
+                </a:solidFill>
+                <a:latin typeface="+mj-lt"/>
+                <a:cs typeface="Arial" panose="020B0604020202020204" pitchFamily="34" charset="0"/>
+              </a:rPr>
+              <a:t>Wallet</a:t>
+            </a:r>
+          </a:p>
+        </p:txBody>
+      </p:sp>
+      <p:cxnSp>
+        <p:nvCxnSpPr>
+          <p:cNvPr id="78" name="Straight Arrow Connector 12">
+            <a:extLst>
+              <a:ext uri="{FF2B5EF4-FFF2-40B4-BE49-F238E27FC236}">
+                <a16:creationId xmlns:a16="http://schemas.microsoft.com/office/drawing/2014/main" id="{270E9BAD-0958-CCEB-C7B1-1C192D27BA6A}"/>
+              </a:ext>
+            </a:extLst>
+          </p:cNvPr>
+          <p:cNvCxnSpPr>
+            <a:cxnSpLocks/>
+            <a:stCxn id="36" idx="1"/>
+            <a:endCxn id="2" idx="3"/>
+          </p:cNvCxnSpPr>
+          <p:nvPr/>
+        </p:nvCxnSpPr>
+        <p:spPr>
+          <a:xfrm flipH="1" flipV="1">
+            <a:off x="4532071" y="3450373"/>
+            <a:ext cx="2025255" cy="655"/>
+          </a:xfrm>
+          <a:prstGeom prst="straightConnector1">
+            <a:avLst/>
+          </a:prstGeom>
+          <a:ln>
+            <a:solidFill>
+              <a:schemeClr val="bg1">
+                <a:lumMod val="50000"/>
+                <a:lumOff val="50000"/>
+              </a:schemeClr>
+            </a:solidFill>
+            <a:tailEnd type="triangle" w="lg" len="lg"/>
+          </a:ln>
+        </p:spPr>
+        <p:style>
+          <a:lnRef idx="3">
+            <a:schemeClr val="accent2"/>
+          </a:lnRef>
+          <a:fillRef idx="0">
+            <a:schemeClr val="accent2"/>
+          </a:fillRef>
+          <a:effectRef idx="2">
+            <a:schemeClr val="accent2"/>
+          </a:effectRef>
+          <a:fontRef idx="minor">
+            <a:schemeClr val="tx1"/>
+          </a:fontRef>
+        </p:style>
+      </p:cxnSp>
+      <p:sp>
+        <p:nvSpPr>
+          <p:cNvPr id="84" name="TextBox 83">
+            <a:extLst>
+              <a:ext uri="{FF2B5EF4-FFF2-40B4-BE49-F238E27FC236}">
+                <a16:creationId xmlns:a16="http://schemas.microsoft.com/office/drawing/2014/main" id="{B43D73B8-8FEE-7D00-54D6-D558E7CDD034}"/>
+              </a:ext>
+            </a:extLst>
+          </p:cNvPr>
+          <p:cNvSpPr txBox="1"/>
+          <p:nvPr/>
+        </p:nvSpPr>
+        <p:spPr>
+          <a:xfrm>
+            <a:off x="4354289" y="2228161"/>
+            <a:ext cx="2024040" cy="338554"/>
+          </a:xfrm>
+          <a:prstGeom prst="rect">
+            <a:avLst/>
+          </a:prstGeom>
+          <a:noFill/>
+        </p:spPr>
+        <p:txBody>
+          <a:bodyPr wrap="square" anchor="ctr">
+            <a:spAutoFit/>
+          </a:bodyPr>
+          <a:lstStyle/>
+          <a:p>
+            <a:r>
+              <a:rPr lang="en-GB" sz="1600" i="1" dirty="0">
+                <a:solidFill>
+                  <a:schemeClr val="bg2">
+                    <a:lumMod val="40000"/>
+                    <a:lumOff val="60000"/>
+                  </a:schemeClr>
+                </a:solidFill>
+                <a:effectLst>
+                  <a:glow>
+                    <a:schemeClr val="bg1"/>
+                  </a:glow>
+                </a:effectLst>
+              </a:rPr>
+              <a:t>possible actions</a:t>
+            </a:r>
+          </a:p>
+        </p:txBody>
+      </p:sp>
+      <p:cxnSp>
+        <p:nvCxnSpPr>
+          <p:cNvPr id="102" name="Straight Arrow Connector 12">
+            <a:extLst>
+              <a:ext uri="{FF2B5EF4-FFF2-40B4-BE49-F238E27FC236}">
+                <a16:creationId xmlns:a16="http://schemas.microsoft.com/office/drawing/2014/main" id="{A9271A41-75FF-8657-4EC1-2B34C2B09F23}"/>
+              </a:ext>
+            </a:extLst>
+          </p:cNvPr>
+          <p:cNvCxnSpPr>
+            <a:cxnSpLocks/>
+            <a:stCxn id="22" idx="1"/>
+            <a:endCxn id="37" idx="1"/>
+          </p:cNvCxnSpPr>
+          <p:nvPr/>
+        </p:nvCxnSpPr>
+        <p:spPr>
+          <a:xfrm rot="10800000" flipH="1">
+            <a:off x="9621079" y="1466811"/>
+            <a:ext cx="1" cy="1600204"/>
+          </a:xfrm>
+          <a:prstGeom prst="bentConnector3">
+            <a:avLst>
+              <a:gd name="adj1" fmla="val -22860000000"/>
+            </a:avLst>
+          </a:prstGeom>
+          <a:ln>
+            <a:solidFill>
+              <a:schemeClr val="bg1">
+                <a:lumMod val="50000"/>
+                <a:lumOff val="50000"/>
+              </a:schemeClr>
+            </a:solidFill>
+            <a:tailEnd type="triangle" w="lg" len="lg"/>
+          </a:ln>
+        </p:spPr>
+        <p:style>
+          <a:lnRef idx="3">
+            <a:schemeClr val="accent2"/>
+          </a:lnRef>
+          <a:fillRef idx="0">
+            <a:schemeClr val="accent2"/>
+          </a:fillRef>
+          <a:effectRef idx="2">
+            <a:schemeClr val="accent2"/>
+          </a:effectRef>
+          <a:fontRef idx="minor">
+            <a:schemeClr val="tx1"/>
+          </a:fontRef>
+        </p:style>
+      </p:cxnSp>
+      <p:sp>
+        <p:nvSpPr>
+          <p:cNvPr id="106" name="Rounded Rectangle 105">
+            <a:extLst>
+              <a:ext uri="{FF2B5EF4-FFF2-40B4-BE49-F238E27FC236}">
+                <a16:creationId xmlns:a16="http://schemas.microsoft.com/office/drawing/2014/main" id="{827C60DC-B3B1-8BCF-9A04-62B3018C5585}"/>
+              </a:ext>
+            </a:extLst>
+          </p:cNvPr>
+          <p:cNvSpPr>
+            <a:spLocks noChangeAspect="1"/>
+          </p:cNvSpPr>
+          <p:nvPr/>
+        </p:nvSpPr>
+        <p:spPr>
+          <a:xfrm>
+            <a:off x="10107047" y="2249386"/>
+            <a:ext cx="273600" cy="267900"/>
+          </a:xfrm>
+          <a:prstGeom prst="roundRect">
+            <a:avLst/>
+          </a:prstGeom>
+          <a:solidFill>
+            <a:schemeClr val="accent5"/>
+          </a:solidFill>
+          <a:ln>
+            <a:noFill/>
+          </a:ln>
+        </p:spPr>
+        <p:style>
+          <a:lnRef idx="0">
+            <a:scrgbClr r="0" g="0" b="0"/>
+          </a:lnRef>
+          <a:fillRef idx="0">
+            <a:scrgbClr r="0" g="0" b="0"/>
+          </a:fillRef>
+          <a:effectRef idx="0">
+            <a:scrgbClr r="0" g="0" b="0"/>
+          </a:effectRef>
+          <a:fontRef idx="minor">
+            <a:schemeClr val="lt1"/>
+          </a:fontRef>
+        </p:style>
+        <p:txBody>
+          <a:bodyPr lIns="45720" tIns="45720" rIns="45720" rtlCol="0" anchor="ctr"/>
+          <a:lstStyle/>
+          <a:p>
+            <a:pPr algn="ctr"/>
+            <a:r>
+              <a:rPr lang="en-GB" sz="1600" b="1" dirty="0">
+                <a:solidFill>
+                  <a:schemeClr val="tx1"/>
+                </a:solidFill>
+              </a:rPr>
+              <a:t>3</a:t>
+            </a:r>
+          </a:p>
+        </p:txBody>
+      </p:sp>
+      <p:cxnSp>
+        <p:nvCxnSpPr>
+          <p:cNvPr id="107" name="Straight Arrow Connector 12">
+            <a:extLst>
+              <a:ext uri="{FF2B5EF4-FFF2-40B4-BE49-F238E27FC236}">
+                <a16:creationId xmlns:a16="http://schemas.microsoft.com/office/drawing/2014/main" id="{5ED09453-6ABB-4F61-A024-4420BEAEC5C6}"/>
+              </a:ext>
+            </a:extLst>
+          </p:cNvPr>
+          <p:cNvCxnSpPr>
+            <a:cxnSpLocks/>
+            <a:stCxn id="3" idx="1"/>
+            <a:endCxn id="36" idx="3"/>
+          </p:cNvCxnSpPr>
+          <p:nvPr/>
+        </p:nvCxnSpPr>
+        <p:spPr>
+          <a:xfrm flipH="1">
+            <a:off x="8163064" y="3450373"/>
+            <a:ext cx="1527619" cy="655"/>
+          </a:xfrm>
+          <a:prstGeom prst="straightConnector1">
+            <a:avLst/>
+          </a:prstGeom>
+          <a:ln>
+            <a:solidFill>
+              <a:schemeClr val="bg1">
+                <a:lumMod val="50000"/>
+                <a:lumOff val="50000"/>
+              </a:schemeClr>
+            </a:solidFill>
+            <a:tailEnd type="triangle" w="lg" len="lg"/>
+          </a:ln>
+        </p:spPr>
+        <p:style>
+          <a:lnRef idx="3">
+            <a:schemeClr val="accent2"/>
+          </a:lnRef>
+          <a:fillRef idx="0">
+            <a:schemeClr val="accent2"/>
+          </a:fillRef>
+          <a:effectRef idx="2">
+            <a:schemeClr val="accent2"/>
+          </a:effectRef>
+          <a:fontRef idx="minor">
+            <a:schemeClr val="tx1"/>
+          </a:fontRef>
+        </p:style>
+      </p:cxnSp>
+      <p:sp>
+        <p:nvSpPr>
+          <p:cNvPr id="112" name="TextBox 111">
+            <a:extLst>
+              <a:ext uri="{FF2B5EF4-FFF2-40B4-BE49-F238E27FC236}">
+                <a16:creationId xmlns:a16="http://schemas.microsoft.com/office/drawing/2014/main" id="{F6491173-1880-4243-8091-0465128FEBE2}"/>
+              </a:ext>
+            </a:extLst>
+          </p:cNvPr>
+          <p:cNvSpPr txBox="1"/>
+          <p:nvPr/>
+        </p:nvSpPr>
+        <p:spPr>
+          <a:xfrm>
+            <a:off x="8572138" y="3552283"/>
+            <a:ext cx="1398746" cy="338554"/>
+          </a:xfrm>
+          <a:prstGeom prst="rect">
+            <a:avLst/>
+          </a:prstGeom>
+          <a:noFill/>
+        </p:spPr>
+        <p:txBody>
+          <a:bodyPr wrap="square" anchor="t">
+            <a:spAutoFit/>
+          </a:bodyPr>
+          <a:lstStyle/>
+          <a:p>
+            <a:r>
+              <a:rPr lang="en-GB" sz="1600" i="1" dirty="0">
+                <a:solidFill>
+                  <a:schemeClr val="bg2">
+                    <a:lumMod val="40000"/>
+                    <a:lumOff val="60000"/>
+                  </a:schemeClr>
+                </a:solidFill>
+                <a:effectLst>
+                  <a:glow>
+                    <a:schemeClr val="bg1"/>
+                  </a:glow>
+                </a:effectLst>
+              </a:rPr>
+              <a:t>summary</a:t>
+            </a:r>
+          </a:p>
+        </p:txBody>
+      </p:sp>
+      <p:sp>
+        <p:nvSpPr>
+          <p:cNvPr id="113" name="Rounded Rectangle 112">
+            <a:extLst>
+              <a:ext uri="{FF2B5EF4-FFF2-40B4-BE49-F238E27FC236}">
+                <a16:creationId xmlns:a16="http://schemas.microsoft.com/office/drawing/2014/main" id="{4AFD45D5-5FAC-73C5-E7E8-EDCFC38A3D43}"/>
+              </a:ext>
+            </a:extLst>
+          </p:cNvPr>
+          <p:cNvSpPr>
+            <a:spLocks noChangeAspect="1"/>
+          </p:cNvSpPr>
+          <p:nvPr/>
+        </p:nvSpPr>
+        <p:spPr>
+          <a:xfrm>
+            <a:off x="8326415" y="3579616"/>
+            <a:ext cx="273600" cy="267900"/>
+          </a:xfrm>
+          <a:prstGeom prst="roundRect">
+            <a:avLst/>
+          </a:prstGeom>
+          <a:solidFill>
+            <a:schemeClr val="accent5"/>
+          </a:solidFill>
+          <a:ln>
+            <a:noFill/>
+          </a:ln>
+        </p:spPr>
+        <p:style>
+          <a:lnRef idx="0">
+            <a:scrgbClr r="0" g="0" b="0"/>
+          </a:lnRef>
+          <a:fillRef idx="0">
+            <a:scrgbClr r="0" g="0" b="0"/>
+          </a:fillRef>
+          <a:effectRef idx="0">
+            <a:scrgbClr r="0" g="0" b="0"/>
+          </a:effectRef>
+          <a:fontRef idx="minor">
+            <a:schemeClr val="lt1"/>
+          </a:fontRef>
+        </p:style>
+        <p:txBody>
+          <a:bodyPr lIns="45720" tIns="45720" rIns="45720" rtlCol="0" anchor="ctr"/>
+          <a:lstStyle/>
+          <a:p>
+            <a:pPr algn="ctr"/>
+            <a:r>
+              <a:rPr lang="en-GB" sz="1600" b="1" dirty="0">
+                <a:solidFill>
+                  <a:schemeClr val="tx1"/>
+                </a:solidFill>
+              </a:rPr>
+              <a:t>4</a:t>
+            </a:r>
+          </a:p>
+        </p:txBody>
+      </p:sp>
+      <p:sp>
+        <p:nvSpPr>
+          <p:cNvPr id="114" name="Rounded Rectangle 113">
+            <a:extLst>
+              <a:ext uri="{FF2B5EF4-FFF2-40B4-BE49-F238E27FC236}">
+                <a16:creationId xmlns:a16="http://schemas.microsoft.com/office/drawing/2014/main" id="{9F54806B-755D-A06E-9914-D5D489A9C6EC}"/>
+              </a:ext>
+            </a:extLst>
+          </p:cNvPr>
+          <p:cNvSpPr>
+            <a:spLocks noChangeAspect="1"/>
+          </p:cNvSpPr>
+          <p:nvPr/>
+        </p:nvSpPr>
+        <p:spPr>
+          <a:xfrm>
+            <a:off x="4095433" y="2272739"/>
+            <a:ext cx="273600" cy="267900"/>
+          </a:xfrm>
+          <a:prstGeom prst="roundRect">
+            <a:avLst/>
+          </a:prstGeom>
+          <a:solidFill>
+            <a:schemeClr val="accent5"/>
+          </a:solidFill>
+          <a:ln>
+            <a:noFill/>
+          </a:ln>
+        </p:spPr>
+        <p:style>
+          <a:lnRef idx="0">
+            <a:scrgbClr r="0" g="0" b="0"/>
+          </a:lnRef>
+          <a:fillRef idx="0">
+            <a:scrgbClr r="0" g="0" b="0"/>
+          </a:fillRef>
+          <a:effectRef idx="0">
+            <a:scrgbClr r="0" g="0" b="0"/>
+          </a:effectRef>
+          <a:fontRef idx="minor">
+            <a:schemeClr val="lt1"/>
+          </a:fontRef>
+        </p:style>
+        <p:txBody>
+          <a:bodyPr lIns="45720" tIns="45720" rIns="45720" rtlCol="0" anchor="ctr"/>
+          <a:lstStyle/>
+          <a:p>
+            <a:pPr algn="ctr"/>
+            <a:r>
+              <a:rPr lang="en-GB" sz="1600" b="1" dirty="0">
+                <a:solidFill>
+                  <a:schemeClr val="tx1"/>
+                </a:solidFill>
+              </a:rPr>
+              <a:t>6</a:t>
+            </a:r>
+          </a:p>
+        </p:txBody>
+      </p:sp>
+      <p:grpSp>
+        <p:nvGrpSpPr>
+          <p:cNvPr id="19" name="Group 18">
+            <a:extLst>
+              <a:ext uri="{FF2B5EF4-FFF2-40B4-BE49-F238E27FC236}">
+                <a16:creationId xmlns:a16="http://schemas.microsoft.com/office/drawing/2014/main" id="{0EC4600F-66EA-8F09-52CA-867E9F77E372}"/>
+              </a:ext>
+            </a:extLst>
+          </p:cNvPr>
+          <p:cNvGrpSpPr/>
+          <p:nvPr/>
+        </p:nvGrpSpPr>
+        <p:grpSpPr>
+          <a:xfrm>
+            <a:off x="563133" y="5331486"/>
+            <a:ext cx="2024040" cy="338554"/>
+            <a:chOff x="4925946" y="985951"/>
+            <a:chExt cx="2024040" cy="338554"/>
+          </a:xfrm>
+        </p:grpSpPr>
+        <p:sp>
+          <p:nvSpPr>
+            <p:cNvPr id="115" name="TextBox 114">
+              <a:extLst>
+                <a:ext uri="{FF2B5EF4-FFF2-40B4-BE49-F238E27FC236}">
+                  <a16:creationId xmlns:a16="http://schemas.microsoft.com/office/drawing/2014/main" id="{26FA070D-ED6F-6C59-3EF8-BD97520D3D51}"/>
+                </a:ext>
+              </a:extLst>
+            </p:cNvPr>
+            <p:cNvSpPr txBox="1"/>
+            <p:nvPr/>
+          </p:nvSpPr>
+          <p:spPr>
+            <a:xfrm>
+              <a:off x="4925946" y="985951"/>
+              <a:ext cx="2024040" cy="338554"/>
+            </a:xfrm>
+            <a:prstGeom prst="rect">
+              <a:avLst/>
+            </a:prstGeom>
+            <a:noFill/>
+          </p:spPr>
+          <p:txBody>
+            <a:bodyPr wrap="square" anchor="ctr">
+              <a:spAutoFit/>
+            </a:bodyPr>
+            <a:lstStyle/>
+            <a:p>
+              <a:r>
+                <a:rPr lang="en-GB" sz="1600" i="1" dirty="0">
+                  <a:solidFill>
+                    <a:schemeClr val="bg2">
+                      <a:lumMod val="40000"/>
+                      <a:lumOff val="60000"/>
+                    </a:schemeClr>
+                  </a:solidFill>
+                  <a:effectLst>
+                    <a:glow>
+                      <a:schemeClr val="bg1"/>
+                    </a:glow>
+                  </a:effectLst>
+                </a:rPr>
+                <a:t>next best actions</a:t>
+              </a:r>
+            </a:p>
+          </p:txBody>
+        </p:sp>
+        <p:sp>
+          <p:nvSpPr>
+            <p:cNvPr id="116" name="Rounded Rectangle 115">
+              <a:extLst>
+                <a:ext uri="{FF2B5EF4-FFF2-40B4-BE49-F238E27FC236}">
+                  <a16:creationId xmlns:a16="http://schemas.microsoft.com/office/drawing/2014/main" id="{5BCC5E85-C081-32F5-A2D8-723CA3177086}"/>
+                </a:ext>
+              </a:extLst>
+            </p:cNvPr>
+            <p:cNvSpPr>
+              <a:spLocks noChangeAspect="1"/>
+            </p:cNvSpPr>
+            <p:nvPr/>
+          </p:nvSpPr>
+          <p:spPr>
+            <a:xfrm>
+              <a:off x="6610011" y="1038369"/>
+              <a:ext cx="273600" cy="267900"/>
+            </a:xfrm>
+            <a:prstGeom prst="roundRect">
+              <a:avLst/>
+            </a:prstGeom>
+            <a:solidFill>
+              <a:schemeClr val="accent5"/>
+            </a:solidFill>
+            <a:ln>
+              <a:noFill/>
+            </a:ln>
+          </p:spPr>
+          <p:style>
+            <a:lnRef idx="0">
+              <a:scrgbClr r="0" g="0" b="0"/>
+            </a:lnRef>
+            <a:fillRef idx="0">
+              <a:scrgbClr r="0" g="0" b="0"/>
+            </a:fillRef>
+            <a:effectRef idx="0">
+              <a:scrgbClr r="0" g="0" b="0"/>
+            </a:effectRef>
+            <a:fontRef idx="minor">
+              <a:schemeClr val="lt1"/>
+            </a:fontRef>
+          </p:style>
+          <p:txBody>
+            <a:bodyPr lIns="45720" tIns="45720" rIns="45720" rtlCol="0" anchor="ctr"/>
+            <a:lstStyle/>
+            <a:p>
+              <a:pPr algn="ctr"/>
+              <a:r>
+                <a:rPr lang="en-GB" sz="1600" b="1" dirty="0">
+                  <a:solidFill>
+                    <a:schemeClr val="tx1"/>
+                  </a:solidFill>
+                </a:rPr>
+                <a:t>8</a:t>
+              </a:r>
+            </a:p>
+          </p:txBody>
+        </p:sp>
+      </p:grpSp>
+      <p:sp>
+        <p:nvSpPr>
+          <p:cNvPr id="119" name="TextBox 118">
+            <a:extLst>
+              <a:ext uri="{FF2B5EF4-FFF2-40B4-BE49-F238E27FC236}">
+                <a16:creationId xmlns:a16="http://schemas.microsoft.com/office/drawing/2014/main" id="{244E7B25-D1C0-B126-0F42-8359F9EB552F}"/>
+              </a:ext>
+            </a:extLst>
+          </p:cNvPr>
+          <p:cNvSpPr txBox="1"/>
+          <p:nvPr/>
+        </p:nvSpPr>
+        <p:spPr>
+          <a:xfrm>
+            <a:off x="3977489" y="1338555"/>
+            <a:ext cx="3182893" cy="338554"/>
+          </a:xfrm>
+          <a:prstGeom prst="rect">
+            <a:avLst/>
+          </a:prstGeom>
+          <a:noFill/>
+        </p:spPr>
+        <p:txBody>
+          <a:bodyPr wrap="square" anchor="ctr">
+            <a:spAutoFit/>
+          </a:bodyPr>
+          <a:lstStyle/>
+          <a:p>
+            <a:r>
+              <a:rPr lang="en-GB" sz="1600" i="1" dirty="0">
+                <a:solidFill>
+                  <a:schemeClr val="bg2">
+                    <a:lumMod val="40000"/>
+                    <a:lumOff val="60000"/>
+                  </a:schemeClr>
+                </a:solidFill>
+                <a:effectLst>
+                  <a:glow>
+                    <a:schemeClr val="bg1"/>
+                  </a:glow>
+                </a:effectLst>
+              </a:rPr>
+              <a:t>navigate to selected option</a:t>
+            </a:r>
+          </a:p>
+        </p:txBody>
+      </p:sp>
+      <p:sp>
+        <p:nvSpPr>
+          <p:cNvPr id="120" name="Rounded Rectangle 119">
+            <a:extLst>
+              <a:ext uri="{FF2B5EF4-FFF2-40B4-BE49-F238E27FC236}">
+                <a16:creationId xmlns:a16="http://schemas.microsoft.com/office/drawing/2014/main" id="{A4D5E8D8-D4BB-1186-9AD9-F7A4306BB09A}"/>
+              </a:ext>
+            </a:extLst>
+          </p:cNvPr>
+          <p:cNvSpPr>
+            <a:spLocks noChangeAspect="1"/>
+          </p:cNvSpPr>
+          <p:nvPr/>
+        </p:nvSpPr>
+        <p:spPr>
+          <a:xfrm>
+            <a:off x="3718734" y="1389648"/>
+            <a:ext cx="273600" cy="267900"/>
+          </a:xfrm>
+          <a:prstGeom prst="roundRect">
+            <a:avLst/>
+          </a:prstGeom>
+          <a:solidFill>
+            <a:schemeClr val="accent5"/>
+          </a:solidFill>
+          <a:ln>
+            <a:noFill/>
+          </a:ln>
+        </p:spPr>
+        <p:style>
+          <a:lnRef idx="0">
+            <a:scrgbClr r="0" g="0" b="0"/>
+          </a:lnRef>
+          <a:fillRef idx="0">
+            <a:scrgbClr r="0" g="0" b="0"/>
+          </a:fillRef>
+          <a:effectRef idx="0">
+            <a:scrgbClr r="0" g="0" b="0"/>
+          </a:effectRef>
+          <a:fontRef idx="minor">
+            <a:schemeClr val="lt1"/>
+          </a:fontRef>
+        </p:style>
+        <p:txBody>
+          <a:bodyPr lIns="0" tIns="45720" rIns="0" rtlCol="0" anchor="ctr"/>
+          <a:lstStyle/>
+          <a:p>
+            <a:pPr algn="ctr"/>
+            <a:r>
+              <a:rPr lang="en-GB" sz="1600" b="1" dirty="0">
+                <a:solidFill>
+                  <a:schemeClr val="tx1"/>
+                </a:solidFill>
+              </a:rPr>
+              <a:t>10</a:t>
+            </a:r>
+          </a:p>
+        </p:txBody>
+      </p:sp>
+      <p:sp>
+        <p:nvSpPr>
+          <p:cNvPr id="121" name="TextBox 120">
+            <a:extLst>
+              <a:ext uri="{FF2B5EF4-FFF2-40B4-BE49-F238E27FC236}">
+                <a16:creationId xmlns:a16="http://schemas.microsoft.com/office/drawing/2014/main" id="{7962B406-4278-C40C-7E46-804379D400E7}"/>
+              </a:ext>
+            </a:extLst>
+          </p:cNvPr>
+          <p:cNvSpPr txBox="1"/>
+          <p:nvPr/>
+        </p:nvSpPr>
+        <p:spPr>
+          <a:xfrm>
+            <a:off x="1956305" y="3547880"/>
+            <a:ext cx="639105" cy="338554"/>
+          </a:xfrm>
+          <a:prstGeom prst="rect">
+            <a:avLst/>
+          </a:prstGeom>
+          <a:noFill/>
+        </p:spPr>
+        <p:txBody>
+          <a:bodyPr wrap="square" anchor="ctr">
+            <a:spAutoFit/>
+          </a:bodyPr>
+          <a:lstStyle/>
+          <a:p>
+            <a:pPr algn="r"/>
+            <a:r>
+              <a:rPr lang="en-GB" sz="1600" i="1" dirty="0">
+                <a:solidFill>
+                  <a:schemeClr val="bg2">
+                    <a:lumMod val="40000"/>
+                    <a:lumOff val="60000"/>
+                  </a:schemeClr>
+                </a:solidFill>
+                <a:effectLst>
+                  <a:glow>
+                    <a:schemeClr val="bg1"/>
+                  </a:glow>
+                </a:effectLst>
+              </a:rPr>
+              <a:t>debit</a:t>
+            </a:r>
+          </a:p>
+        </p:txBody>
+      </p:sp>
+      <p:sp>
+        <p:nvSpPr>
+          <p:cNvPr id="122" name="TextBox 121">
+            <a:extLst>
+              <a:ext uri="{FF2B5EF4-FFF2-40B4-BE49-F238E27FC236}">
+                <a16:creationId xmlns:a16="http://schemas.microsoft.com/office/drawing/2014/main" id="{77F79E10-93BD-5BC1-9D5D-F373E538D503}"/>
+              </a:ext>
+            </a:extLst>
+          </p:cNvPr>
+          <p:cNvSpPr txBox="1"/>
+          <p:nvPr/>
+        </p:nvSpPr>
+        <p:spPr>
+          <a:xfrm>
+            <a:off x="785178" y="4380356"/>
+            <a:ext cx="1543895" cy="338554"/>
+          </a:xfrm>
+          <a:prstGeom prst="rect">
+            <a:avLst/>
+          </a:prstGeom>
+          <a:noFill/>
+        </p:spPr>
+        <p:txBody>
+          <a:bodyPr wrap="square" anchor="ctr">
+            <a:spAutoFit/>
+          </a:bodyPr>
+          <a:lstStyle/>
+          <a:p>
+            <a:r>
+              <a:rPr lang="en-GB" sz="1600" i="1" dirty="0">
+                <a:solidFill>
+                  <a:schemeClr val="bg2">
+                    <a:lumMod val="40000"/>
+                    <a:lumOff val="60000"/>
+                  </a:schemeClr>
+                </a:solidFill>
+                <a:effectLst>
+                  <a:glow>
+                    <a:schemeClr val="bg1"/>
+                  </a:glow>
+                </a:effectLst>
+              </a:rPr>
+              <a:t>payment</a:t>
+            </a:r>
+          </a:p>
+        </p:txBody>
+      </p:sp>
+      <p:sp>
+        <p:nvSpPr>
+          <p:cNvPr id="123" name="TextBox 122">
+            <a:extLst>
+              <a:ext uri="{FF2B5EF4-FFF2-40B4-BE49-F238E27FC236}">
+                <a16:creationId xmlns:a16="http://schemas.microsoft.com/office/drawing/2014/main" id="{058E726A-1D5C-6DB6-89AE-CE35043FC9AD}"/>
+              </a:ext>
+            </a:extLst>
+          </p:cNvPr>
+          <p:cNvSpPr txBox="1"/>
+          <p:nvPr/>
+        </p:nvSpPr>
+        <p:spPr>
+          <a:xfrm>
+            <a:off x="1961333" y="3031497"/>
+            <a:ext cx="639105" cy="338554"/>
+          </a:xfrm>
+          <a:prstGeom prst="rect">
+            <a:avLst/>
+          </a:prstGeom>
+          <a:noFill/>
+        </p:spPr>
+        <p:txBody>
+          <a:bodyPr wrap="square" anchor="ctr">
+            <a:spAutoFit/>
+          </a:bodyPr>
+          <a:lstStyle/>
+          <a:p>
+            <a:r>
+              <a:rPr lang="en-GB" sz="1600" i="1" dirty="0">
+                <a:solidFill>
+                  <a:schemeClr val="bg2">
+                    <a:lumMod val="40000"/>
+                    <a:lumOff val="60000"/>
+                  </a:schemeClr>
+                </a:solidFill>
+                <a:effectLst>
+                  <a:glow>
+                    <a:schemeClr val="bg1"/>
+                  </a:glow>
+                </a:effectLst>
+              </a:rPr>
+              <a:t>ads</a:t>
+            </a:r>
+          </a:p>
+        </p:txBody>
+      </p:sp>
+      <p:sp>
+        <p:nvSpPr>
+          <p:cNvPr id="153" name="TextBox 152">
+            <a:extLst>
+              <a:ext uri="{FF2B5EF4-FFF2-40B4-BE49-F238E27FC236}">
+                <a16:creationId xmlns:a16="http://schemas.microsoft.com/office/drawing/2014/main" id="{5C886897-D8E0-3180-D02E-B883B989D73A}"/>
+              </a:ext>
+            </a:extLst>
+          </p:cNvPr>
+          <p:cNvSpPr txBox="1"/>
+          <p:nvPr/>
+        </p:nvSpPr>
+        <p:spPr>
+          <a:xfrm>
+            <a:off x="9232217" y="2558077"/>
+            <a:ext cx="1235293" cy="338554"/>
+          </a:xfrm>
+          <a:prstGeom prst="rect">
+            <a:avLst/>
+          </a:prstGeom>
+          <a:noFill/>
+        </p:spPr>
+        <p:txBody>
+          <a:bodyPr wrap="square" anchor="ctr">
+            <a:spAutoFit/>
+          </a:bodyPr>
+          <a:lstStyle/>
+          <a:p>
+            <a:pPr algn="r"/>
+            <a:r>
+              <a:rPr lang="en-GB" sz="1600" i="1" dirty="0">
+                <a:solidFill>
+                  <a:schemeClr val="bg2">
+                    <a:lumMod val="40000"/>
+                    <a:lumOff val="60000"/>
+                  </a:schemeClr>
+                </a:solidFill>
+                <a:effectLst>
+                  <a:glow>
+                    <a:schemeClr val="bg1"/>
+                  </a:glow>
+                </a:effectLst>
+              </a:rPr>
+              <a:t>bill</a:t>
+            </a:r>
+          </a:p>
+        </p:txBody>
+      </p:sp>
+      <p:cxnSp>
+        <p:nvCxnSpPr>
+          <p:cNvPr id="17" name="Straight Arrow Connector 12">
+            <a:extLst>
+              <a:ext uri="{FF2B5EF4-FFF2-40B4-BE49-F238E27FC236}">
+                <a16:creationId xmlns:a16="http://schemas.microsoft.com/office/drawing/2014/main" id="{4579CBE5-5B9C-7216-2E85-91E9DC72DC4F}"/>
+              </a:ext>
+            </a:extLst>
+          </p:cNvPr>
+          <p:cNvCxnSpPr>
+            <a:cxnSpLocks/>
+            <a:stCxn id="16" idx="3"/>
+            <a:endCxn id="7" idx="2"/>
+          </p:cNvCxnSpPr>
+          <p:nvPr/>
+        </p:nvCxnSpPr>
+        <p:spPr>
+          <a:xfrm flipV="1">
+            <a:off x="4532067" y="4119386"/>
+            <a:ext cx="6001195" cy="735169"/>
+          </a:xfrm>
+          <a:prstGeom prst="bentConnector2">
+            <a:avLst/>
+          </a:prstGeom>
+          <a:ln>
+            <a:solidFill>
+              <a:schemeClr val="bg1">
+                <a:lumMod val="50000"/>
+                <a:lumOff val="50000"/>
+              </a:schemeClr>
+            </a:solidFill>
+            <a:tailEnd type="triangle" w="lg" len="lg"/>
+          </a:ln>
+        </p:spPr>
+        <p:style>
+          <a:lnRef idx="3">
+            <a:schemeClr val="accent2"/>
+          </a:lnRef>
+          <a:fillRef idx="0">
+            <a:schemeClr val="accent2"/>
+          </a:fillRef>
+          <a:effectRef idx="2">
+            <a:schemeClr val="accent2"/>
+          </a:effectRef>
+          <a:fontRef idx="minor">
+            <a:schemeClr val="tx1"/>
+          </a:fontRef>
+        </p:style>
+      </p:cxnSp>
+      <p:cxnSp>
+        <p:nvCxnSpPr>
+          <p:cNvPr id="124" name="Straight Arrow Connector 12">
+            <a:extLst>
+              <a:ext uri="{FF2B5EF4-FFF2-40B4-BE49-F238E27FC236}">
+                <a16:creationId xmlns:a16="http://schemas.microsoft.com/office/drawing/2014/main" id="{8733131C-5D42-AC31-3AEA-7C62DCF739AF}"/>
+              </a:ext>
+            </a:extLst>
+          </p:cNvPr>
+          <p:cNvCxnSpPr>
+            <a:cxnSpLocks/>
+            <a:stCxn id="16" idx="3"/>
+            <a:endCxn id="131" idx="2"/>
+          </p:cNvCxnSpPr>
+          <p:nvPr/>
+        </p:nvCxnSpPr>
+        <p:spPr>
+          <a:xfrm flipV="1">
+            <a:off x="4532067" y="4119386"/>
+            <a:ext cx="2832380" cy="735169"/>
+          </a:xfrm>
+          <a:prstGeom prst="bentConnector2">
+            <a:avLst/>
+          </a:prstGeom>
+          <a:ln>
+            <a:solidFill>
+              <a:schemeClr val="bg1">
+                <a:lumMod val="50000"/>
+                <a:lumOff val="50000"/>
+              </a:schemeClr>
+            </a:solidFill>
+            <a:tailEnd type="triangle" w="lg" len="lg"/>
+          </a:ln>
+        </p:spPr>
+        <p:style>
+          <a:lnRef idx="3">
+            <a:schemeClr val="accent2"/>
+          </a:lnRef>
+          <a:fillRef idx="0">
+            <a:schemeClr val="accent2"/>
+          </a:fillRef>
+          <a:effectRef idx="2">
+            <a:schemeClr val="accent2"/>
+          </a:effectRef>
+          <a:fontRef idx="minor">
+            <a:schemeClr val="tx1"/>
+          </a:fontRef>
+        </p:style>
+      </p:cxnSp>
+      <p:sp>
+        <p:nvSpPr>
+          <p:cNvPr id="154" name="TextBox 153">
+            <a:extLst>
+              <a:ext uri="{FF2B5EF4-FFF2-40B4-BE49-F238E27FC236}">
+                <a16:creationId xmlns:a16="http://schemas.microsoft.com/office/drawing/2014/main" id="{53C1FD5C-A725-013D-6CA6-21850D387CA9}"/>
+              </a:ext>
+            </a:extLst>
+          </p:cNvPr>
+          <p:cNvSpPr txBox="1"/>
+          <p:nvPr/>
+        </p:nvSpPr>
+        <p:spPr>
+          <a:xfrm>
+            <a:off x="9168471" y="4438769"/>
+            <a:ext cx="1091366" cy="338554"/>
+          </a:xfrm>
+          <a:prstGeom prst="rect">
+            <a:avLst/>
+          </a:prstGeom>
+          <a:noFill/>
+        </p:spPr>
+        <p:txBody>
+          <a:bodyPr wrap="square" anchor="t">
+            <a:spAutoFit/>
+          </a:bodyPr>
+          <a:lstStyle/>
+          <a:p>
+            <a:r>
+              <a:rPr lang="en-GB" sz="1600" i="1" dirty="0">
+                <a:solidFill>
+                  <a:schemeClr val="bg2">
+                    <a:lumMod val="40000"/>
+                    <a:lumOff val="60000"/>
+                  </a:schemeClr>
+                </a:solidFill>
+                <a:effectLst>
+                  <a:glow>
+                    <a:schemeClr val="bg1"/>
+                  </a:glow>
+                </a:effectLst>
+              </a:rPr>
+              <a:t>payment</a:t>
+            </a:r>
+          </a:p>
+        </p:txBody>
+      </p:sp>
+      <p:cxnSp>
+        <p:nvCxnSpPr>
+          <p:cNvPr id="215" name="Straight Arrow Connector 12">
+            <a:extLst>
+              <a:ext uri="{FF2B5EF4-FFF2-40B4-BE49-F238E27FC236}">
+                <a16:creationId xmlns:a16="http://schemas.microsoft.com/office/drawing/2014/main" id="{527D20CA-8B60-1FE3-5CA9-E7D1C89C158E}"/>
+              </a:ext>
+            </a:extLst>
+          </p:cNvPr>
+          <p:cNvCxnSpPr>
+            <a:cxnSpLocks/>
+            <a:endCxn id="252" idx="0"/>
+          </p:cNvCxnSpPr>
+          <p:nvPr/>
+        </p:nvCxnSpPr>
+        <p:spPr>
+          <a:xfrm rot="5400000" flipH="1" flipV="1">
+            <a:off x="5488982" y="1497263"/>
+            <a:ext cx="23577" cy="2788669"/>
+          </a:xfrm>
+          <a:prstGeom prst="bentConnector3">
+            <a:avLst>
+              <a:gd name="adj1" fmla="val 1069589"/>
+            </a:avLst>
+          </a:prstGeom>
+          <a:ln>
+            <a:solidFill>
+              <a:schemeClr val="bg1">
+                <a:lumMod val="50000"/>
+                <a:lumOff val="50000"/>
+              </a:schemeClr>
+            </a:solidFill>
+            <a:tailEnd type="triangle" w="lg" len="lg"/>
+          </a:ln>
+        </p:spPr>
+        <p:style>
+          <a:lnRef idx="3">
+            <a:schemeClr val="accent2"/>
+          </a:lnRef>
+          <a:fillRef idx="0">
+            <a:schemeClr val="accent2"/>
+          </a:fillRef>
+          <a:effectRef idx="2">
+            <a:schemeClr val="accent2"/>
+          </a:effectRef>
+          <a:fontRef idx="minor">
+            <a:schemeClr val="tx1"/>
+          </a:fontRef>
+        </p:style>
+      </p:cxnSp>
+      <p:sp>
+        <p:nvSpPr>
+          <p:cNvPr id="223" name="TextBox 222">
+            <a:extLst>
+              <a:ext uri="{FF2B5EF4-FFF2-40B4-BE49-F238E27FC236}">
+                <a16:creationId xmlns:a16="http://schemas.microsoft.com/office/drawing/2014/main" id="{29FAD8A6-AFE2-AB6D-3E44-BC977D7A0E93}"/>
+              </a:ext>
+            </a:extLst>
+          </p:cNvPr>
+          <p:cNvSpPr txBox="1"/>
+          <p:nvPr/>
+        </p:nvSpPr>
+        <p:spPr>
+          <a:xfrm>
+            <a:off x="6010847" y="4436656"/>
+            <a:ext cx="1091366" cy="338554"/>
+          </a:xfrm>
+          <a:prstGeom prst="rect">
+            <a:avLst/>
+          </a:prstGeom>
+          <a:noFill/>
+        </p:spPr>
+        <p:txBody>
+          <a:bodyPr wrap="square" anchor="t">
+            <a:spAutoFit/>
+          </a:bodyPr>
+          <a:lstStyle/>
+          <a:p>
+            <a:r>
+              <a:rPr lang="en-GB" sz="1600" i="1" dirty="0">
+                <a:solidFill>
+                  <a:schemeClr val="bg2">
+                    <a:lumMod val="40000"/>
+                    <a:lumOff val="60000"/>
+                  </a:schemeClr>
+                </a:solidFill>
+                <a:effectLst>
+                  <a:glow>
+                    <a:schemeClr val="bg1"/>
+                  </a:glow>
+                </a:effectLst>
+              </a:rPr>
+              <a:t>payment</a:t>
+            </a:r>
+          </a:p>
+        </p:txBody>
+      </p:sp>
+      <p:sp>
+        <p:nvSpPr>
+          <p:cNvPr id="225" name="TextBox 224">
+            <a:extLst>
+              <a:ext uri="{FF2B5EF4-FFF2-40B4-BE49-F238E27FC236}">
+                <a16:creationId xmlns:a16="http://schemas.microsoft.com/office/drawing/2014/main" id="{3AD55190-C6E9-6D32-C5EB-12C9744EAEFA}"/>
+              </a:ext>
+            </a:extLst>
+          </p:cNvPr>
+          <p:cNvSpPr txBox="1"/>
+          <p:nvPr/>
+        </p:nvSpPr>
+        <p:spPr>
+          <a:xfrm>
+            <a:off x="4939840" y="3509325"/>
+            <a:ext cx="1428215" cy="338554"/>
+          </a:xfrm>
+          <a:prstGeom prst="rect">
+            <a:avLst/>
+          </a:prstGeom>
+          <a:noFill/>
+        </p:spPr>
+        <p:txBody>
+          <a:bodyPr wrap="square" anchor="ctr">
+            <a:spAutoFit/>
+          </a:bodyPr>
+          <a:lstStyle/>
+          <a:p>
+            <a:r>
+              <a:rPr lang="en-GB" sz="1600" i="1" dirty="0">
+                <a:solidFill>
+                  <a:schemeClr val="bg2">
+                    <a:lumMod val="40000"/>
+                    <a:lumOff val="60000"/>
+                  </a:schemeClr>
+                </a:solidFill>
+                <a:effectLst>
+                  <a:glow>
+                    <a:schemeClr val="bg1"/>
+                  </a:glow>
+                </a:effectLst>
+              </a:rPr>
+              <a:t>anonymized</a:t>
+            </a:r>
+          </a:p>
+        </p:txBody>
+      </p:sp>
+      <p:sp>
+        <p:nvSpPr>
+          <p:cNvPr id="226" name="Rounded Rectangle 225">
+            <a:extLst>
+              <a:ext uri="{FF2B5EF4-FFF2-40B4-BE49-F238E27FC236}">
+                <a16:creationId xmlns:a16="http://schemas.microsoft.com/office/drawing/2014/main" id="{EB466988-86D0-76F8-FEF8-2A19E359BBE0}"/>
+              </a:ext>
+            </a:extLst>
+          </p:cNvPr>
+          <p:cNvSpPr>
+            <a:spLocks noChangeAspect="1"/>
+          </p:cNvSpPr>
+          <p:nvPr/>
+        </p:nvSpPr>
+        <p:spPr>
+          <a:xfrm>
+            <a:off x="4691258" y="3553903"/>
+            <a:ext cx="273600" cy="267900"/>
+          </a:xfrm>
+          <a:prstGeom prst="roundRect">
+            <a:avLst/>
+          </a:prstGeom>
+          <a:solidFill>
+            <a:schemeClr val="accent5"/>
+          </a:solidFill>
+          <a:ln>
+            <a:noFill/>
+          </a:ln>
+        </p:spPr>
+        <p:style>
+          <a:lnRef idx="0">
+            <a:scrgbClr r="0" g="0" b="0"/>
+          </a:lnRef>
+          <a:fillRef idx="0">
+            <a:scrgbClr r="0" g="0" b="0"/>
+          </a:fillRef>
+          <a:effectRef idx="0">
+            <a:scrgbClr r="0" g="0" b="0"/>
+          </a:effectRef>
+          <a:fontRef idx="minor">
+            <a:schemeClr val="lt1"/>
+          </a:fontRef>
+        </p:style>
+        <p:txBody>
+          <a:bodyPr lIns="45720" tIns="45720" rIns="45720" rtlCol="0" anchor="ctr"/>
+          <a:lstStyle/>
+          <a:p>
+            <a:pPr algn="ctr"/>
+            <a:r>
+              <a:rPr lang="en-GB" sz="1600" b="1" dirty="0">
+                <a:solidFill>
+                  <a:schemeClr val="tx1"/>
+                </a:solidFill>
+              </a:rPr>
+              <a:t>5</a:t>
+            </a:r>
+          </a:p>
+        </p:txBody>
+      </p:sp>
+      <p:sp>
+        <p:nvSpPr>
+          <p:cNvPr id="227" name="Rounded Rectangle 226">
+            <a:extLst>
+              <a:ext uri="{FF2B5EF4-FFF2-40B4-BE49-F238E27FC236}">
+                <a16:creationId xmlns:a16="http://schemas.microsoft.com/office/drawing/2014/main" id="{BC24F255-AA4C-BCDB-AC5B-E59A11B47EDE}"/>
+              </a:ext>
+            </a:extLst>
+          </p:cNvPr>
+          <p:cNvSpPr>
+            <a:spLocks noChangeAspect="1"/>
+          </p:cNvSpPr>
+          <p:nvPr/>
+        </p:nvSpPr>
+        <p:spPr>
+          <a:xfrm>
+            <a:off x="1721519" y="3088051"/>
+            <a:ext cx="273600" cy="267900"/>
+          </a:xfrm>
+          <a:prstGeom prst="roundRect">
+            <a:avLst/>
+          </a:prstGeom>
+          <a:solidFill>
+            <a:schemeClr val="accent4">
+              <a:lumMod val="75000"/>
+            </a:schemeClr>
+          </a:solidFill>
+          <a:ln>
+            <a:noFill/>
+          </a:ln>
+        </p:spPr>
+        <p:style>
+          <a:lnRef idx="0">
+            <a:scrgbClr r="0" g="0" b="0"/>
+          </a:lnRef>
+          <a:fillRef idx="0">
+            <a:scrgbClr r="0" g="0" b="0"/>
+          </a:fillRef>
+          <a:effectRef idx="0">
+            <a:scrgbClr r="0" g="0" b="0"/>
+          </a:effectRef>
+          <a:fontRef idx="minor">
+            <a:schemeClr val="lt1"/>
+          </a:fontRef>
+        </p:style>
+        <p:txBody>
+          <a:bodyPr lIns="45720" tIns="45720" rIns="45720" rtlCol="0" anchor="ctr"/>
+          <a:lstStyle/>
+          <a:p>
+            <a:pPr algn="ctr"/>
+            <a:r>
+              <a:rPr lang="en-GB" sz="1600" b="1" dirty="0">
+                <a:solidFill>
+                  <a:schemeClr val="tx1"/>
+                </a:solidFill>
+              </a:rPr>
+              <a:t>0</a:t>
+            </a:r>
+          </a:p>
+        </p:txBody>
+      </p:sp>
+      <p:sp>
+        <p:nvSpPr>
+          <p:cNvPr id="229" name="Rounded Rectangle 228">
+            <a:extLst>
+              <a:ext uri="{FF2B5EF4-FFF2-40B4-BE49-F238E27FC236}">
+                <a16:creationId xmlns:a16="http://schemas.microsoft.com/office/drawing/2014/main" id="{BAF3D82D-E96A-C6B2-8F3C-FF0E9572DA53}"/>
+              </a:ext>
+            </a:extLst>
+          </p:cNvPr>
+          <p:cNvSpPr>
+            <a:spLocks noChangeAspect="1"/>
+          </p:cNvSpPr>
+          <p:nvPr/>
+        </p:nvSpPr>
+        <p:spPr>
+          <a:xfrm>
+            <a:off x="1717853" y="3587050"/>
+            <a:ext cx="273600" cy="267900"/>
+          </a:xfrm>
+          <a:prstGeom prst="roundRect">
+            <a:avLst/>
+          </a:prstGeom>
+          <a:solidFill>
+            <a:srgbClr val="945200"/>
+          </a:solidFill>
+          <a:ln>
+            <a:noFill/>
+          </a:ln>
+        </p:spPr>
+        <p:style>
+          <a:lnRef idx="0">
+            <a:scrgbClr r="0" g="0" b="0"/>
+          </a:lnRef>
+          <a:fillRef idx="0">
+            <a:scrgbClr r="0" g="0" b="0"/>
+          </a:fillRef>
+          <a:effectRef idx="0">
+            <a:scrgbClr r="0" g="0" b="0"/>
+          </a:effectRef>
+          <a:fontRef idx="minor">
+            <a:schemeClr val="lt1"/>
+          </a:fontRef>
+        </p:style>
+        <p:txBody>
+          <a:bodyPr lIns="45720" tIns="45720" rIns="45720" rtlCol="0" anchor="ctr"/>
+          <a:lstStyle/>
+          <a:p>
+            <a:pPr algn="ctr"/>
+            <a:r>
+              <a:rPr lang="en-GB" sz="1600" b="1" dirty="0">
+                <a:solidFill>
+                  <a:schemeClr val="tx1"/>
+                </a:solidFill>
+              </a:rPr>
+              <a:t>E</a:t>
+            </a:r>
+          </a:p>
+        </p:txBody>
+      </p:sp>
+      <p:sp>
+        <p:nvSpPr>
+          <p:cNvPr id="231" name="Rounded Rectangle 230">
+            <a:extLst>
+              <a:ext uri="{FF2B5EF4-FFF2-40B4-BE49-F238E27FC236}">
+                <a16:creationId xmlns:a16="http://schemas.microsoft.com/office/drawing/2014/main" id="{B0E174EC-6A24-BA2B-EF8C-E8C1D5BEC3D2}"/>
+              </a:ext>
+            </a:extLst>
+          </p:cNvPr>
+          <p:cNvSpPr>
+            <a:spLocks noChangeAspect="1"/>
+          </p:cNvSpPr>
+          <p:nvPr/>
+        </p:nvSpPr>
+        <p:spPr>
+          <a:xfrm>
+            <a:off x="521548" y="4423721"/>
+            <a:ext cx="273600" cy="267900"/>
+          </a:xfrm>
+          <a:prstGeom prst="roundRect">
+            <a:avLst/>
+          </a:prstGeom>
+          <a:solidFill>
+            <a:srgbClr val="945200"/>
+          </a:solidFill>
+          <a:ln>
+            <a:noFill/>
+          </a:ln>
+        </p:spPr>
+        <p:style>
+          <a:lnRef idx="0">
+            <a:scrgbClr r="0" g="0" b="0"/>
+          </a:lnRef>
+          <a:fillRef idx="0">
+            <a:scrgbClr r="0" g="0" b="0"/>
+          </a:fillRef>
+          <a:effectRef idx="0">
+            <a:scrgbClr r="0" g="0" b="0"/>
+          </a:effectRef>
+          <a:fontRef idx="minor">
+            <a:schemeClr val="lt1"/>
+          </a:fontRef>
+        </p:style>
+        <p:txBody>
+          <a:bodyPr lIns="45720" tIns="45720" rIns="45720" rtlCol="0" anchor="ctr"/>
+          <a:lstStyle/>
+          <a:p>
+            <a:pPr algn="ctr"/>
+            <a:r>
+              <a:rPr lang="en-GB" sz="1600" b="1" dirty="0">
+                <a:solidFill>
+                  <a:schemeClr val="tx1"/>
+                </a:solidFill>
+              </a:rPr>
+              <a:t>F</a:t>
+            </a:r>
+          </a:p>
+        </p:txBody>
+      </p:sp>
+      <p:sp>
+        <p:nvSpPr>
+          <p:cNvPr id="234" name="Rounded Rectangle 233">
+            <a:extLst>
+              <a:ext uri="{FF2B5EF4-FFF2-40B4-BE49-F238E27FC236}">
+                <a16:creationId xmlns:a16="http://schemas.microsoft.com/office/drawing/2014/main" id="{61A89918-1F0E-EA9F-9390-D496D083C5BC}"/>
+              </a:ext>
+            </a:extLst>
+          </p:cNvPr>
+          <p:cNvSpPr>
+            <a:spLocks noChangeAspect="1"/>
+          </p:cNvSpPr>
+          <p:nvPr/>
+        </p:nvSpPr>
+        <p:spPr>
+          <a:xfrm>
+            <a:off x="6979701" y="4479725"/>
+            <a:ext cx="273600" cy="267900"/>
+          </a:xfrm>
+          <a:prstGeom prst="roundRect">
+            <a:avLst/>
+          </a:prstGeom>
+          <a:solidFill>
+            <a:srgbClr val="7030A0"/>
+          </a:solidFill>
+          <a:ln>
+            <a:noFill/>
+          </a:ln>
+        </p:spPr>
+        <p:style>
+          <a:lnRef idx="0">
+            <a:scrgbClr r="0" g="0" b="0"/>
+          </a:lnRef>
+          <a:fillRef idx="0">
+            <a:scrgbClr r="0" g="0" b="0"/>
+          </a:fillRef>
+          <a:effectRef idx="0">
+            <a:scrgbClr r="0" g="0" b="0"/>
+          </a:effectRef>
+          <a:fontRef idx="minor">
+            <a:schemeClr val="lt1"/>
+          </a:fontRef>
+        </p:style>
+        <p:txBody>
+          <a:bodyPr lIns="45720" tIns="45720" rIns="45720" rtlCol="0" anchor="ctr"/>
+          <a:lstStyle/>
+          <a:p>
+            <a:pPr algn="ctr"/>
+            <a:r>
+              <a:rPr lang="en-GB" sz="1600" b="1" dirty="0">
+                <a:solidFill>
+                  <a:schemeClr val="tx1"/>
+                </a:solidFill>
+              </a:rPr>
+              <a:t>B</a:t>
+            </a:r>
+          </a:p>
+        </p:txBody>
+      </p:sp>
+      <p:sp>
+        <p:nvSpPr>
+          <p:cNvPr id="235" name="Rounded Rectangle 234">
+            <a:extLst>
+              <a:ext uri="{FF2B5EF4-FFF2-40B4-BE49-F238E27FC236}">
+                <a16:creationId xmlns:a16="http://schemas.microsoft.com/office/drawing/2014/main" id="{3DCE333C-94FB-5434-47A4-AE6D67E17AB1}"/>
+              </a:ext>
+            </a:extLst>
+          </p:cNvPr>
+          <p:cNvSpPr>
+            <a:spLocks noChangeAspect="1"/>
+          </p:cNvSpPr>
+          <p:nvPr/>
+        </p:nvSpPr>
+        <p:spPr>
+          <a:xfrm>
+            <a:off x="10141151" y="4479725"/>
+            <a:ext cx="273600" cy="267900"/>
+          </a:xfrm>
+          <a:prstGeom prst="roundRect">
+            <a:avLst/>
+          </a:prstGeom>
+          <a:solidFill>
+            <a:srgbClr val="7030A0"/>
+          </a:solidFill>
+          <a:ln>
+            <a:noFill/>
+          </a:ln>
+        </p:spPr>
+        <p:style>
+          <a:lnRef idx="0">
+            <a:scrgbClr r="0" g="0" b="0"/>
+          </a:lnRef>
+          <a:fillRef idx="0">
+            <a:scrgbClr r="0" g="0" b="0"/>
+          </a:fillRef>
+          <a:effectRef idx="0">
+            <a:scrgbClr r="0" g="0" b="0"/>
+          </a:effectRef>
+          <a:fontRef idx="minor">
+            <a:schemeClr val="lt1"/>
+          </a:fontRef>
+        </p:style>
+        <p:txBody>
+          <a:bodyPr lIns="45720" tIns="45720" rIns="45720" rtlCol="0" anchor="ctr"/>
+          <a:lstStyle/>
+          <a:p>
+            <a:pPr algn="ctr"/>
+            <a:r>
+              <a:rPr lang="en-GB" sz="1600" b="1" dirty="0">
+                <a:solidFill>
+                  <a:schemeClr val="tx1"/>
+                </a:solidFill>
+              </a:rPr>
+              <a:t>C</a:t>
+            </a:r>
+          </a:p>
+        </p:txBody>
+      </p:sp>
+      <p:sp>
+        <p:nvSpPr>
+          <p:cNvPr id="241" name="Rectangle 240">
+            <a:extLst>
+              <a:ext uri="{FF2B5EF4-FFF2-40B4-BE49-F238E27FC236}">
+                <a16:creationId xmlns:a16="http://schemas.microsoft.com/office/drawing/2014/main" id="{A7CAC361-BCB5-56A3-5B73-41E896B37BBD}"/>
+              </a:ext>
+            </a:extLst>
+          </p:cNvPr>
+          <p:cNvSpPr/>
+          <p:nvPr/>
+        </p:nvSpPr>
+        <p:spPr>
+          <a:xfrm>
+            <a:off x="9700414" y="685134"/>
+            <a:ext cx="1674684" cy="392400"/>
+          </a:xfrm>
+          <a:prstGeom prst="rect">
+            <a:avLst/>
+          </a:prstGeom>
+          <a:solidFill>
+            <a:schemeClr val="tx1">
+              <a:lumMod val="95000"/>
+            </a:schemeClr>
+          </a:solidFill>
+          <a:ln w="22225">
+            <a:solidFill>
+              <a:schemeClr val="tx1">
+                <a:lumMod val="50000"/>
+              </a:schemeClr>
+            </a:solidFill>
+            <a:prstDash val="solid"/>
+          </a:ln>
+        </p:spPr>
+        <p:style>
+          <a:lnRef idx="2">
+            <a:schemeClr val="accent1">
+              <a:shade val="50000"/>
+            </a:schemeClr>
+          </a:lnRef>
+          <a:fillRef idx="1">
+            <a:schemeClr val="accent1"/>
+          </a:fillRef>
+          <a:effectRef idx="0">
+            <a:schemeClr val="accent1"/>
+          </a:effectRef>
+          <a:fontRef idx="minor">
+            <a:schemeClr val="lt1"/>
+          </a:fontRef>
+        </p:style>
+        <p:txBody>
+          <a:bodyPr lIns="144000" tIns="144000" rIns="36000" bIns="144000" anchor="ctr"/>
+          <a:lstStyle/>
+          <a:p>
+            <a:r>
+              <a:rPr lang="en-GB" sz="2800" baseline="-9000" dirty="0">
+                <a:solidFill>
+                  <a:schemeClr val="bg2">
+                    <a:lumMod val="40000"/>
+                    <a:lumOff val="60000"/>
+                  </a:schemeClr>
+                </a:solidFill>
+                <a:effectLst>
+                  <a:glow>
+                    <a:schemeClr val="bg1"/>
+                  </a:glow>
+                </a:effectLst>
+              </a:rPr>
+              <a:t>🤝 </a:t>
+            </a:r>
+            <a:r>
+              <a:rPr lang="en-GB" sz="2000" dirty="0">
+                <a:solidFill>
+                  <a:sysClr val="windowText" lastClr="000000"/>
+                </a:solidFill>
+                <a:latin typeface="+mj-lt"/>
+                <a:cs typeface="Arial" panose="020B0604020202020204" pitchFamily="34" charset="0"/>
+              </a:rPr>
+              <a:t>Biller</a:t>
+            </a:r>
+          </a:p>
+        </p:txBody>
+      </p:sp>
+      <p:cxnSp>
+        <p:nvCxnSpPr>
+          <p:cNvPr id="242" name="Straight Arrow Connector 12">
+            <a:extLst>
+              <a:ext uri="{FF2B5EF4-FFF2-40B4-BE49-F238E27FC236}">
+                <a16:creationId xmlns:a16="http://schemas.microsoft.com/office/drawing/2014/main" id="{40B193F2-9B00-169D-4574-8DDCD3630C5E}"/>
+              </a:ext>
+            </a:extLst>
+          </p:cNvPr>
+          <p:cNvCxnSpPr>
+            <a:cxnSpLocks/>
+            <a:stCxn id="44" idx="3"/>
+            <a:endCxn id="241" idx="3"/>
+          </p:cNvCxnSpPr>
+          <p:nvPr/>
+        </p:nvCxnSpPr>
+        <p:spPr>
+          <a:xfrm flipV="1">
+            <a:off x="11375098" y="881334"/>
+            <a:ext cx="12700" cy="487903"/>
+          </a:xfrm>
+          <a:prstGeom prst="bentConnector3">
+            <a:avLst>
+              <a:gd name="adj1" fmla="val 5321740"/>
+            </a:avLst>
+          </a:prstGeom>
+          <a:ln>
+            <a:solidFill>
+              <a:schemeClr val="bg1">
+                <a:lumMod val="50000"/>
+                <a:lumOff val="50000"/>
+              </a:schemeClr>
+            </a:solidFill>
+            <a:tailEnd type="triangle" w="lg" len="lg"/>
+          </a:ln>
+        </p:spPr>
+        <p:style>
+          <a:lnRef idx="3">
+            <a:schemeClr val="accent2"/>
+          </a:lnRef>
+          <a:fillRef idx="0">
+            <a:schemeClr val="accent2"/>
+          </a:fillRef>
+          <a:effectRef idx="2">
+            <a:schemeClr val="accent2"/>
+          </a:effectRef>
+          <a:fontRef idx="minor">
+            <a:schemeClr val="tx1"/>
+          </a:fontRef>
+        </p:style>
+      </p:cxnSp>
+      <p:grpSp>
+        <p:nvGrpSpPr>
+          <p:cNvPr id="269" name="Group 268">
+            <a:extLst>
+              <a:ext uri="{FF2B5EF4-FFF2-40B4-BE49-F238E27FC236}">
+                <a16:creationId xmlns:a16="http://schemas.microsoft.com/office/drawing/2014/main" id="{E219A1EB-11FD-E8DA-EE6B-3CE4D09FC3CC}"/>
+              </a:ext>
+            </a:extLst>
+          </p:cNvPr>
+          <p:cNvGrpSpPr/>
+          <p:nvPr/>
+        </p:nvGrpSpPr>
+        <p:grpSpPr>
+          <a:xfrm>
+            <a:off x="11461403" y="246862"/>
+            <a:ext cx="689456" cy="1005035"/>
+            <a:chOff x="9540384" y="826929"/>
+            <a:chExt cx="689456" cy="1005035"/>
+          </a:xfrm>
+        </p:grpSpPr>
+        <p:sp>
+          <p:nvSpPr>
+            <p:cNvPr id="245" name="TextBox 244">
+              <a:extLst>
+                <a:ext uri="{FF2B5EF4-FFF2-40B4-BE49-F238E27FC236}">
+                  <a16:creationId xmlns:a16="http://schemas.microsoft.com/office/drawing/2014/main" id="{C1775752-7C0B-0EF2-694C-EC3C72E0CF31}"/>
+                </a:ext>
+              </a:extLst>
+            </p:cNvPr>
+            <p:cNvSpPr txBox="1"/>
+            <p:nvPr/>
+          </p:nvSpPr>
+          <p:spPr>
+            <a:xfrm>
+              <a:off x="9540384" y="826929"/>
+              <a:ext cx="689456" cy="584775"/>
+            </a:xfrm>
+            <a:prstGeom prst="rect">
+              <a:avLst/>
+            </a:prstGeom>
+            <a:noFill/>
+          </p:spPr>
+          <p:txBody>
+            <a:bodyPr wrap="square" anchor="ctr">
+              <a:spAutoFit/>
+            </a:bodyPr>
+            <a:lstStyle/>
+            <a:p>
+              <a:r>
+                <a:rPr lang="en-GB" sz="1600" i="1" dirty="0">
+                  <a:solidFill>
+                    <a:schemeClr val="bg2">
+                      <a:lumMod val="40000"/>
+                      <a:lumOff val="60000"/>
+                    </a:schemeClr>
+                  </a:solidFill>
+                  <a:effectLst>
+                    <a:glow>
+                      <a:schemeClr val="bg1"/>
+                    </a:glow>
+                  </a:effectLst>
+                </a:rPr>
+                <a:t>new bill</a:t>
+              </a:r>
+            </a:p>
+          </p:txBody>
+        </p:sp>
+        <p:sp>
+          <p:nvSpPr>
+            <p:cNvPr id="246" name="Rounded Rectangle 245">
+              <a:extLst>
+                <a:ext uri="{FF2B5EF4-FFF2-40B4-BE49-F238E27FC236}">
+                  <a16:creationId xmlns:a16="http://schemas.microsoft.com/office/drawing/2014/main" id="{A82DF6FC-FFFD-E0A6-583F-45E8D4E07B05}"/>
+                </a:ext>
+              </a:extLst>
+            </p:cNvPr>
+            <p:cNvSpPr>
+              <a:spLocks noChangeAspect="1"/>
+            </p:cNvSpPr>
+            <p:nvPr/>
+          </p:nvSpPr>
+          <p:spPr>
+            <a:xfrm>
+              <a:off x="9740247" y="1564064"/>
+              <a:ext cx="273600" cy="267900"/>
+            </a:xfrm>
+            <a:prstGeom prst="roundRect">
+              <a:avLst/>
+            </a:prstGeom>
+            <a:solidFill>
+              <a:schemeClr val="accent5"/>
+            </a:solidFill>
+            <a:ln>
+              <a:noFill/>
+            </a:ln>
+          </p:spPr>
+          <p:style>
+            <a:lnRef idx="0">
+              <a:scrgbClr r="0" g="0" b="0"/>
+            </a:lnRef>
+            <a:fillRef idx="0">
+              <a:scrgbClr r="0" g="0" b="0"/>
+            </a:fillRef>
+            <a:effectRef idx="0">
+              <a:scrgbClr r="0" g="0" b="0"/>
+            </a:effectRef>
+            <a:fontRef idx="minor">
+              <a:schemeClr val="lt1"/>
+            </a:fontRef>
+          </p:style>
+          <p:txBody>
+            <a:bodyPr lIns="45720" tIns="45720" rIns="45720" rtlCol="0" anchor="ctr"/>
+            <a:lstStyle/>
+            <a:p>
+              <a:pPr algn="ctr"/>
+              <a:r>
+                <a:rPr lang="en-GB" sz="1600" b="1" dirty="0">
+                  <a:solidFill>
+                    <a:schemeClr val="tx1"/>
+                  </a:solidFill>
+                </a:rPr>
+                <a:t>2</a:t>
+              </a:r>
+            </a:p>
+          </p:txBody>
+        </p:sp>
+      </p:grpSp>
+      <p:sp>
+        <p:nvSpPr>
+          <p:cNvPr id="252" name="TextBox 251">
+            <a:extLst>
+              <a:ext uri="{FF2B5EF4-FFF2-40B4-BE49-F238E27FC236}">
+                <a16:creationId xmlns:a16="http://schemas.microsoft.com/office/drawing/2014/main" id="{881D377D-C953-DA3F-2D22-A1D694D757BE}"/>
+              </a:ext>
+            </a:extLst>
+          </p:cNvPr>
+          <p:cNvSpPr txBox="1"/>
+          <p:nvPr/>
+        </p:nvSpPr>
+        <p:spPr>
+          <a:xfrm>
+            <a:off x="6773277" y="2879808"/>
+            <a:ext cx="243656" cy="369332"/>
+          </a:xfrm>
+          <a:prstGeom prst="rect">
+            <a:avLst/>
+          </a:prstGeom>
+          <a:noFill/>
+        </p:spPr>
+        <p:txBody>
+          <a:bodyPr wrap="none" lIns="0" rIns="0" rtlCol="0">
+            <a:spAutoFit/>
+          </a:bodyPr>
+          <a:lstStyle/>
+          <a:p>
+            <a:pPr algn="l"/>
+            <a:r>
+              <a:rPr lang="en-US" dirty="0"/>
+              <a:t>    </a:t>
+            </a:r>
+          </a:p>
+        </p:txBody>
+      </p:sp>
+      <p:cxnSp>
+        <p:nvCxnSpPr>
+          <p:cNvPr id="262" name="Straight Arrow Connector 12">
+            <a:extLst>
+              <a:ext uri="{FF2B5EF4-FFF2-40B4-BE49-F238E27FC236}">
+                <a16:creationId xmlns:a16="http://schemas.microsoft.com/office/drawing/2014/main" id="{CF1D7981-9F70-BE35-E906-CFBBEF5A4B74}"/>
+              </a:ext>
+            </a:extLst>
+          </p:cNvPr>
+          <p:cNvCxnSpPr>
+            <a:cxnSpLocks/>
+            <a:stCxn id="265" idx="3"/>
+            <a:endCxn id="241" idx="0"/>
+          </p:cNvCxnSpPr>
+          <p:nvPr/>
+        </p:nvCxnSpPr>
+        <p:spPr>
+          <a:xfrm>
+            <a:off x="1411815" y="485370"/>
+            <a:ext cx="9125941" cy="199764"/>
+          </a:xfrm>
+          <a:prstGeom prst="bentConnector2">
+            <a:avLst/>
+          </a:prstGeom>
+          <a:ln>
+            <a:solidFill>
+              <a:schemeClr val="bg1">
+                <a:lumMod val="50000"/>
+                <a:lumOff val="50000"/>
+              </a:schemeClr>
+            </a:solidFill>
+            <a:tailEnd type="triangle" w="lg" len="lg"/>
+          </a:ln>
+        </p:spPr>
+        <p:style>
+          <a:lnRef idx="3">
+            <a:schemeClr val="accent2"/>
+          </a:lnRef>
+          <a:fillRef idx="0">
+            <a:schemeClr val="accent2"/>
+          </a:fillRef>
+          <a:effectRef idx="2">
+            <a:schemeClr val="accent2"/>
+          </a:effectRef>
+          <a:fontRef idx="minor">
+            <a:schemeClr val="tx1"/>
+          </a:fontRef>
+        </p:style>
+      </p:cxnSp>
+      <p:cxnSp>
+        <p:nvCxnSpPr>
+          <p:cNvPr id="272" name="Straight Arrow Connector 12">
+            <a:extLst>
+              <a:ext uri="{FF2B5EF4-FFF2-40B4-BE49-F238E27FC236}">
+                <a16:creationId xmlns:a16="http://schemas.microsoft.com/office/drawing/2014/main" id="{D4C95635-78E5-2AC3-ACA2-399EBBBD9972}"/>
+              </a:ext>
+            </a:extLst>
+          </p:cNvPr>
+          <p:cNvCxnSpPr>
+            <a:cxnSpLocks/>
+            <a:stCxn id="10" idx="2"/>
+            <a:endCxn id="23" idx="0"/>
+          </p:cNvCxnSpPr>
+          <p:nvPr/>
+        </p:nvCxnSpPr>
+        <p:spPr>
+          <a:xfrm>
+            <a:off x="10528510" y="2116387"/>
+            <a:ext cx="0" cy="773285"/>
+          </a:xfrm>
+          <a:prstGeom prst="straightConnector1">
+            <a:avLst/>
+          </a:prstGeom>
+          <a:ln>
+            <a:solidFill>
+              <a:schemeClr val="bg1">
+                <a:lumMod val="50000"/>
+                <a:lumOff val="50000"/>
+              </a:schemeClr>
+            </a:solidFill>
+            <a:tailEnd type="triangle" w="lg" len="lg"/>
+          </a:ln>
+        </p:spPr>
+        <p:style>
+          <a:lnRef idx="3">
+            <a:schemeClr val="accent2"/>
+          </a:lnRef>
+          <a:fillRef idx="0">
+            <a:schemeClr val="accent2"/>
+          </a:fillRef>
+          <a:effectRef idx="2">
+            <a:schemeClr val="accent2"/>
+          </a:effectRef>
+          <a:fontRef idx="minor">
+            <a:schemeClr val="tx1"/>
+          </a:fontRef>
+        </p:style>
+      </p:cxnSp>
+      <p:sp>
+        <p:nvSpPr>
+          <p:cNvPr id="275" name="Rounded Rectangle 274">
+            <a:extLst>
+              <a:ext uri="{FF2B5EF4-FFF2-40B4-BE49-F238E27FC236}">
+                <a16:creationId xmlns:a16="http://schemas.microsoft.com/office/drawing/2014/main" id="{51BB5371-9FE7-87A6-DE27-105F567C4B6A}"/>
+              </a:ext>
+            </a:extLst>
+          </p:cNvPr>
+          <p:cNvSpPr>
+            <a:spLocks noChangeAspect="1"/>
+          </p:cNvSpPr>
+          <p:nvPr/>
+        </p:nvSpPr>
+        <p:spPr>
+          <a:xfrm>
+            <a:off x="8995384" y="2005824"/>
+            <a:ext cx="273600" cy="267900"/>
+          </a:xfrm>
+          <a:prstGeom prst="roundRect">
+            <a:avLst/>
+          </a:prstGeom>
+          <a:solidFill>
+            <a:schemeClr val="accent5"/>
+          </a:solidFill>
+          <a:ln>
+            <a:noFill/>
+          </a:ln>
+        </p:spPr>
+        <p:style>
+          <a:lnRef idx="0">
+            <a:scrgbClr r="0" g="0" b="0"/>
+          </a:lnRef>
+          <a:fillRef idx="0">
+            <a:scrgbClr r="0" g="0" b="0"/>
+          </a:fillRef>
+          <a:effectRef idx="0">
+            <a:scrgbClr r="0" g="0" b="0"/>
+          </a:effectRef>
+          <a:fontRef idx="minor">
+            <a:schemeClr val="lt1"/>
+          </a:fontRef>
+        </p:style>
+        <p:txBody>
+          <a:bodyPr lIns="45720" tIns="45720" rIns="45720" rtlCol="0" anchor="ctr"/>
+          <a:lstStyle/>
+          <a:p>
+            <a:pPr algn="ctr"/>
+            <a:r>
+              <a:rPr lang="en-GB" sz="1600" b="1" dirty="0">
+                <a:solidFill>
+                  <a:schemeClr val="tx1"/>
+                </a:solidFill>
+              </a:rPr>
+              <a:t>1</a:t>
+            </a:r>
+          </a:p>
+        </p:txBody>
+      </p:sp>
+      <p:sp>
+        <p:nvSpPr>
+          <p:cNvPr id="276" name="TextBox 275">
+            <a:extLst>
+              <a:ext uri="{FF2B5EF4-FFF2-40B4-BE49-F238E27FC236}">
+                <a16:creationId xmlns:a16="http://schemas.microsoft.com/office/drawing/2014/main" id="{CFB7B7B2-40D9-5E0C-CCF7-0345DE227A2C}"/>
+              </a:ext>
+            </a:extLst>
+          </p:cNvPr>
+          <p:cNvSpPr txBox="1"/>
+          <p:nvPr/>
+        </p:nvSpPr>
+        <p:spPr>
+          <a:xfrm>
+            <a:off x="8150371" y="2281328"/>
+            <a:ext cx="1235293" cy="338554"/>
+          </a:xfrm>
+          <a:prstGeom prst="rect">
+            <a:avLst/>
+          </a:prstGeom>
+          <a:noFill/>
+        </p:spPr>
+        <p:txBody>
+          <a:bodyPr wrap="square" anchor="ctr">
+            <a:spAutoFit/>
+          </a:bodyPr>
+          <a:lstStyle/>
+          <a:p>
+            <a:pPr algn="r"/>
+            <a:r>
+              <a:rPr lang="en-GB" sz="1600" i="1" dirty="0">
+                <a:solidFill>
+                  <a:schemeClr val="bg2">
+                    <a:lumMod val="40000"/>
+                    <a:lumOff val="60000"/>
+                  </a:schemeClr>
+                </a:solidFill>
+                <a:effectLst>
+                  <a:glow>
+                    <a:schemeClr val="bg1"/>
+                  </a:glow>
+                </a:effectLst>
+              </a:rPr>
+              <a:t>goodbye</a:t>
+            </a:r>
+          </a:p>
+        </p:txBody>
+      </p:sp>
+      <p:sp>
+        <p:nvSpPr>
+          <p:cNvPr id="277" name="TextBox 276">
+            <a:extLst>
+              <a:ext uri="{FF2B5EF4-FFF2-40B4-BE49-F238E27FC236}">
+                <a16:creationId xmlns:a16="http://schemas.microsoft.com/office/drawing/2014/main" id="{51CFDFFE-BC3C-DCDD-1BA5-696C3DC47FB6}"/>
+              </a:ext>
+            </a:extLst>
+          </p:cNvPr>
+          <p:cNvSpPr txBox="1"/>
+          <p:nvPr/>
+        </p:nvSpPr>
+        <p:spPr>
+          <a:xfrm>
+            <a:off x="1462710" y="517875"/>
+            <a:ext cx="1410543" cy="1569660"/>
+          </a:xfrm>
+          <a:prstGeom prst="rect">
+            <a:avLst/>
+          </a:prstGeom>
+          <a:noFill/>
+        </p:spPr>
+        <p:txBody>
+          <a:bodyPr wrap="square" anchor="t">
+            <a:spAutoFit/>
+          </a:bodyPr>
+          <a:lstStyle/>
+          <a:p>
+            <a:r>
+              <a:rPr lang="en-GB" sz="1600" i="1" dirty="0">
+                <a:solidFill>
+                  <a:schemeClr val="bg2">
+                    <a:lumMod val="40000"/>
+                    <a:lumOff val="60000"/>
+                  </a:schemeClr>
+                </a:solidFill>
+                <a:effectLst>
+                  <a:glow>
+                    <a:schemeClr val="bg1"/>
+                  </a:glow>
+                </a:effectLst>
+              </a:rPr>
+              <a:t>bill items:</a:t>
+            </a:r>
+          </a:p>
+          <a:p>
+            <a:r>
+              <a:rPr lang="en-GB" sz="1600" i="1" dirty="0">
+                <a:solidFill>
+                  <a:schemeClr val="bg2">
+                    <a:lumMod val="40000"/>
+                    <a:lumOff val="60000"/>
+                  </a:schemeClr>
+                </a:solidFill>
+                <a:effectLst>
+                  <a:glow>
+                    <a:schemeClr val="bg1"/>
+                  </a:glow>
+                </a:effectLst>
+              </a:rPr>
+              <a:t>- summary</a:t>
+            </a:r>
+          </a:p>
+          <a:p>
+            <a:r>
+              <a:rPr lang="en-GB" sz="1600" i="1" dirty="0">
+                <a:solidFill>
+                  <a:schemeClr val="bg2">
+                    <a:lumMod val="40000"/>
+                    <a:lumOff val="60000"/>
+                  </a:schemeClr>
+                </a:solidFill>
+                <a:effectLst>
+                  <a:glow>
+                    <a:schemeClr val="bg1"/>
+                  </a:glow>
+                </a:effectLst>
+              </a:rPr>
+              <a:t>- analysis</a:t>
+            </a:r>
+          </a:p>
+          <a:p>
+            <a:r>
+              <a:rPr lang="en-GB" sz="1600" i="1" dirty="0">
+                <a:solidFill>
+                  <a:schemeClr val="bg2">
+                    <a:lumMod val="40000"/>
+                    <a:lumOff val="60000"/>
+                  </a:schemeClr>
+                </a:solidFill>
+                <a:effectLst>
+                  <a:glow>
+                    <a:schemeClr val="bg1"/>
+                  </a:glow>
+                </a:effectLst>
+              </a:rPr>
+              <a:t>- options</a:t>
+            </a:r>
+          </a:p>
+          <a:p>
+            <a:r>
+              <a:rPr lang="en-GB" sz="1600" i="1" dirty="0">
+                <a:solidFill>
+                  <a:schemeClr val="bg2">
+                    <a:lumMod val="40000"/>
+                    <a:lumOff val="60000"/>
+                  </a:schemeClr>
+                </a:solidFill>
+                <a:effectLst>
+                  <a:glow>
+                    <a:schemeClr val="bg1"/>
+                  </a:glow>
+                </a:effectLst>
+              </a:rPr>
+              <a:t>- actions</a:t>
+            </a:r>
+          </a:p>
+          <a:p>
+            <a:r>
+              <a:rPr lang="en-GB" sz="1600" i="1" dirty="0">
+                <a:solidFill>
+                  <a:schemeClr val="bg2">
+                    <a:lumMod val="40000"/>
+                    <a:lumOff val="60000"/>
+                  </a:schemeClr>
+                </a:solidFill>
+                <a:effectLst>
+                  <a:glow>
+                    <a:schemeClr val="bg1"/>
+                  </a:glow>
+                </a:effectLst>
+              </a:rPr>
+              <a:t>- locators</a:t>
+            </a:r>
+          </a:p>
+        </p:txBody>
+      </p:sp>
+      <p:cxnSp>
+        <p:nvCxnSpPr>
+          <p:cNvPr id="278" name="Straight Arrow Connector 12">
+            <a:extLst>
+              <a:ext uri="{FF2B5EF4-FFF2-40B4-BE49-F238E27FC236}">
+                <a16:creationId xmlns:a16="http://schemas.microsoft.com/office/drawing/2014/main" id="{B7A02963-D3D8-3037-7324-3A6B4A4B2D4C}"/>
+              </a:ext>
+            </a:extLst>
+          </p:cNvPr>
+          <p:cNvCxnSpPr>
+            <a:cxnSpLocks/>
+            <a:stCxn id="241" idx="1"/>
+            <a:endCxn id="31" idx="0"/>
+          </p:cNvCxnSpPr>
+          <p:nvPr/>
+        </p:nvCxnSpPr>
+        <p:spPr>
+          <a:xfrm rot="10800000" flipV="1">
+            <a:off x="3124726" y="881334"/>
+            <a:ext cx="6575689" cy="2020894"/>
+          </a:xfrm>
+          <a:prstGeom prst="bentConnector2">
+            <a:avLst/>
+          </a:prstGeom>
+          <a:ln>
+            <a:solidFill>
+              <a:schemeClr val="bg1">
+                <a:lumMod val="50000"/>
+                <a:lumOff val="50000"/>
+              </a:schemeClr>
+            </a:solidFill>
+            <a:tailEnd type="triangle" w="lg" len="lg"/>
+          </a:ln>
+        </p:spPr>
+        <p:style>
+          <a:lnRef idx="3">
+            <a:schemeClr val="accent2"/>
+          </a:lnRef>
+          <a:fillRef idx="0">
+            <a:schemeClr val="accent2"/>
+          </a:fillRef>
+          <a:effectRef idx="2">
+            <a:schemeClr val="accent2"/>
+          </a:effectRef>
+          <a:fontRef idx="minor">
+            <a:schemeClr val="tx1"/>
+          </a:fontRef>
+        </p:style>
+      </p:cxnSp>
+      <p:grpSp>
+        <p:nvGrpSpPr>
+          <p:cNvPr id="54" name="Group 53">
+            <a:extLst>
+              <a:ext uri="{FF2B5EF4-FFF2-40B4-BE49-F238E27FC236}">
+                <a16:creationId xmlns:a16="http://schemas.microsoft.com/office/drawing/2014/main" id="{91021129-BDD3-A23E-79B5-28D323D46146}"/>
+              </a:ext>
+            </a:extLst>
+          </p:cNvPr>
+          <p:cNvGrpSpPr/>
+          <p:nvPr/>
+        </p:nvGrpSpPr>
+        <p:grpSpPr>
+          <a:xfrm>
+            <a:off x="2472730" y="2136150"/>
+            <a:ext cx="639105" cy="636311"/>
+            <a:chOff x="3009566" y="715158"/>
+            <a:chExt cx="639105" cy="636311"/>
+          </a:xfrm>
+        </p:grpSpPr>
+        <p:sp>
+          <p:nvSpPr>
+            <p:cNvPr id="283" name="TextBox 282">
+              <a:extLst>
+                <a:ext uri="{FF2B5EF4-FFF2-40B4-BE49-F238E27FC236}">
+                  <a16:creationId xmlns:a16="http://schemas.microsoft.com/office/drawing/2014/main" id="{935B666D-A41B-A184-E27C-5560C62DE31A}"/>
+                </a:ext>
+              </a:extLst>
+            </p:cNvPr>
+            <p:cNvSpPr txBox="1"/>
+            <p:nvPr/>
+          </p:nvSpPr>
+          <p:spPr>
+            <a:xfrm>
+              <a:off x="3009566" y="1012915"/>
+              <a:ext cx="639105" cy="338554"/>
+            </a:xfrm>
+            <a:prstGeom prst="rect">
+              <a:avLst/>
+            </a:prstGeom>
+            <a:noFill/>
+          </p:spPr>
+          <p:txBody>
+            <a:bodyPr wrap="square" anchor="ctr">
+              <a:spAutoFit/>
+            </a:bodyPr>
+            <a:lstStyle/>
+            <a:p>
+              <a:pPr algn="r"/>
+              <a:r>
+                <a:rPr lang="en-GB" sz="1600" i="1" dirty="0">
+                  <a:solidFill>
+                    <a:schemeClr val="bg2">
+                      <a:lumMod val="40000"/>
+                      <a:lumOff val="60000"/>
+                    </a:schemeClr>
+                  </a:solidFill>
+                  <a:effectLst>
+                    <a:glow>
+                      <a:schemeClr val="bg1"/>
+                    </a:glow>
+                  </a:effectLst>
+                </a:rPr>
+                <a:t>debit</a:t>
+              </a:r>
+            </a:p>
+          </p:txBody>
+        </p:sp>
+        <p:sp>
+          <p:nvSpPr>
+            <p:cNvPr id="284" name="Rounded Rectangle 283">
+              <a:extLst>
+                <a:ext uri="{FF2B5EF4-FFF2-40B4-BE49-F238E27FC236}">
+                  <a16:creationId xmlns:a16="http://schemas.microsoft.com/office/drawing/2014/main" id="{C2C03422-4234-F9D3-87E4-DCA397F66834}"/>
+                </a:ext>
+              </a:extLst>
+            </p:cNvPr>
+            <p:cNvSpPr>
+              <a:spLocks noChangeAspect="1"/>
+            </p:cNvSpPr>
+            <p:nvPr/>
+          </p:nvSpPr>
+          <p:spPr>
+            <a:xfrm>
+              <a:off x="3278012" y="715158"/>
+              <a:ext cx="273600" cy="267900"/>
+            </a:xfrm>
+            <a:prstGeom prst="roundRect">
+              <a:avLst/>
+            </a:prstGeom>
+            <a:solidFill>
+              <a:srgbClr val="7030A0"/>
+            </a:solidFill>
+            <a:ln>
+              <a:noFill/>
+            </a:ln>
+          </p:spPr>
+          <p:style>
+            <a:lnRef idx="0">
+              <a:scrgbClr r="0" g="0" b="0"/>
+            </a:lnRef>
+            <a:fillRef idx="0">
+              <a:scrgbClr r="0" g="0" b="0"/>
+            </a:fillRef>
+            <a:effectRef idx="0">
+              <a:scrgbClr r="0" g="0" b="0"/>
+            </a:effectRef>
+            <a:fontRef idx="minor">
+              <a:schemeClr val="lt1"/>
+            </a:fontRef>
+          </p:style>
+          <p:txBody>
+            <a:bodyPr lIns="45720" tIns="45720" rIns="45720" rtlCol="0" anchor="ctr"/>
+            <a:lstStyle/>
+            <a:p>
+              <a:pPr algn="ctr"/>
+              <a:r>
+                <a:rPr lang="en-GB" sz="1600" b="1" dirty="0">
+                  <a:solidFill>
+                    <a:schemeClr val="tx1"/>
+                  </a:solidFill>
+                </a:rPr>
+                <a:t>A</a:t>
+              </a:r>
+            </a:p>
+          </p:txBody>
+        </p:sp>
+      </p:grpSp>
+      <p:sp>
+        <p:nvSpPr>
+          <p:cNvPr id="285" name="TextBox 284">
+            <a:extLst>
+              <a:ext uri="{FF2B5EF4-FFF2-40B4-BE49-F238E27FC236}">
+                <a16:creationId xmlns:a16="http://schemas.microsoft.com/office/drawing/2014/main" id="{0B79059B-CEDA-4B41-92CD-D1208CFF1C19}"/>
+              </a:ext>
+            </a:extLst>
+          </p:cNvPr>
+          <p:cNvSpPr txBox="1"/>
+          <p:nvPr/>
+        </p:nvSpPr>
+        <p:spPr>
+          <a:xfrm>
+            <a:off x="119036" y="6248084"/>
+            <a:ext cx="2063065" cy="523220"/>
+          </a:xfrm>
+          <a:prstGeom prst="rect">
+            <a:avLst/>
+          </a:prstGeom>
+          <a:noFill/>
+        </p:spPr>
+        <p:txBody>
+          <a:bodyPr wrap="none" lIns="0" rIns="0" rtlCol="0">
+            <a:spAutoFit/>
+          </a:bodyPr>
+          <a:lstStyle/>
+          <a:p>
+            <a:pPr algn="l"/>
+            <a:r>
+              <a:rPr lang="en-GB" sz="2800" dirty="0">
+                <a:solidFill>
+                  <a:srgbClr val="FFFF00"/>
+                </a:solidFill>
+              </a:rPr>
+              <a:t>ADVERTISER</a:t>
+            </a:r>
+          </a:p>
+        </p:txBody>
+      </p:sp>
+      <p:grpSp>
+        <p:nvGrpSpPr>
+          <p:cNvPr id="290" name="Group 289">
+            <a:extLst>
+              <a:ext uri="{FF2B5EF4-FFF2-40B4-BE49-F238E27FC236}">
+                <a16:creationId xmlns:a16="http://schemas.microsoft.com/office/drawing/2014/main" id="{CF11EA64-C175-DA31-C9AF-CA6F8C4744BB}"/>
+              </a:ext>
+            </a:extLst>
+          </p:cNvPr>
+          <p:cNvGrpSpPr/>
+          <p:nvPr/>
+        </p:nvGrpSpPr>
+        <p:grpSpPr>
+          <a:xfrm>
+            <a:off x="164460" y="129209"/>
+            <a:ext cx="1260278" cy="1857636"/>
+            <a:chOff x="212807" y="129209"/>
+            <a:chExt cx="1260278" cy="1857636"/>
+          </a:xfrm>
+        </p:grpSpPr>
+        <p:grpSp>
+          <p:nvGrpSpPr>
+            <p:cNvPr id="287" name="Group 286">
+              <a:extLst>
+                <a:ext uri="{FF2B5EF4-FFF2-40B4-BE49-F238E27FC236}">
+                  <a16:creationId xmlns:a16="http://schemas.microsoft.com/office/drawing/2014/main" id="{AF21E810-3952-424A-C706-268BE96FBD3D}"/>
+                </a:ext>
+              </a:extLst>
+            </p:cNvPr>
+            <p:cNvGrpSpPr/>
+            <p:nvPr/>
+          </p:nvGrpSpPr>
+          <p:grpSpPr>
+            <a:xfrm>
+              <a:off x="212807" y="129209"/>
+              <a:ext cx="1260278" cy="1857636"/>
+              <a:chOff x="212807" y="129209"/>
+              <a:chExt cx="1260278" cy="1857636"/>
+            </a:xfrm>
+          </p:grpSpPr>
+          <p:grpSp>
+            <p:nvGrpSpPr>
+              <p:cNvPr id="268" name="Group 267">
+                <a:extLst>
+                  <a:ext uri="{FF2B5EF4-FFF2-40B4-BE49-F238E27FC236}">
+                    <a16:creationId xmlns:a16="http://schemas.microsoft.com/office/drawing/2014/main" id="{9D2E4B1C-405C-503C-CA05-0D585128C18E}"/>
+                  </a:ext>
+                </a:extLst>
+              </p:cNvPr>
+              <p:cNvGrpSpPr/>
+              <p:nvPr/>
+            </p:nvGrpSpPr>
+            <p:grpSpPr>
+              <a:xfrm>
+                <a:off x="212807" y="129209"/>
+                <a:ext cx="1260278" cy="1857636"/>
+                <a:chOff x="2671809" y="1191911"/>
+                <a:chExt cx="1260278" cy="1857636"/>
+              </a:xfrm>
+            </p:grpSpPr>
+            <p:sp>
+              <p:nvSpPr>
+                <p:cNvPr id="261" name="Rectangle 260">
+                  <a:extLst>
+                    <a:ext uri="{FF2B5EF4-FFF2-40B4-BE49-F238E27FC236}">
+                      <a16:creationId xmlns:a16="http://schemas.microsoft.com/office/drawing/2014/main" id="{4C48E354-B666-3DE5-EE08-9462A1F05C53}"/>
+                    </a:ext>
+                  </a:extLst>
+                </p:cNvPr>
+                <p:cNvSpPr/>
+                <p:nvPr/>
+              </p:nvSpPr>
+              <p:spPr>
+                <a:xfrm>
+                  <a:off x="2671809" y="1191911"/>
+                  <a:ext cx="1260278" cy="1857636"/>
+                </a:xfrm>
+                <a:prstGeom prst="rect">
+                  <a:avLst/>
+                </a:prstGeom>
+                <a:solidFill>
+                  <a:schemeClr val="bg1">
+                    <a:lumMod val="85000"/>
+                    <a:lumOff val="15000"/>
+                  </a:schemeClr>
+                </a:solidFill>
+                <a:ln w="12700">
+                  <a:solidFill>
+                    <a:srgbClr val="5A6B86"/>
+                  </a:solidFill>
+                  <a:prstDash val="dash"/>
+                </a:ln>
+              </p:spPr>
+              <p:style>
+                <a:lnRef idx="2">
+                  <a:schemeClr val="accent1">
+                    <a:shade val="50000"/>
+                  </a:schemeClr>
+                </a:lnRef>
+                <a:fillRef idx="1">
+                  <a:schemeClr val="accent1"/>
+                </a:fillRef>
+                <a:effectRef idx="0">
+                  <a:schemeClr val="accent1"/>
+                </a:effectRef>
+                <a:fontRef idx="minor">
+                  <a:schemeClr val="lt1"/>
+                </a:fontRef>
+              </p:style>
+              <p:txBody>
+                <a:bodyPr tIns="36000" rIns="0"/>
+                <a:lstStyle/>
+                <a:p>
+                  <a:pPr eaLnBrk="1" fontAlgn="auto" hangingPunct="1">
+                    <a:spcBef>
+                      <a:spcPts val="0"/>
+                    </a:spcBef>
+                    <a:spcAft>
+                      <a:spcPts val="0"/>
+                    </a:spcAft>
+                    <a:defRPr/>
+                  </a:pPr>
+                  <a:r>
+                    <a:rPr lang="en-GB" sz="2400" baseline="-11000" dirty="0">
+                      <a:solidFill>
+                        <a:schemeClr val="bg2">
+                          <a:lumMod val="40000"/>
+                          <a:lumOff val="60000"/>
+                        </a:schemeClr>
+                      </a:solidFill>
+                      <a:effectLst>
+                        <a:glow>
+                          <a:schemeClr val="bg1"/>
+                        </a:glow>
+                      </a:effectLst>
+                    </a:rPr>
+                    <a:t>🤝 </a:t>
+                  </a:r>
+                  <a:r>
+                    <a:rPr lang="en-US" i="1" dirty="0">
+                      <a:solidFill>
+                        <a:schemeClr val="bg2">
+                          <a:lumMod val="40000"/>
+                          <a:lumOff val="60000"/>
+                        </a:schemeClr>
+                      </a:solidFill>
+                      <a:effectLst>
+                        <a:glow>
+                          <a:schemeClr val="bg1"/>
+                        </a:glow>
+                      </a:effectLst>
+                    </a:rPr>
+                    <a:t>auditing</a:t>
+                  </a:r>
+                </a:p>
+              </p:txBody>
+            </p:sp>
+            <p:sp>
+              <p:nvSpPr>
+                <p:cNvPr id="258" name="Rectangle 257">
+                  <a:extLst>
+                    <a:ext uri="{FF2B5EF4-FFF2-40B4-BE49-F238E27FC236}">
+                      <a16:creationId xmlns:a16="http://schemas.microsoft.com/office/drawing/2014/main" id="{17883191-9B47-D8CA-B86C-EEEA02C0D336}"/>
+                    </a:ext>
+                  </a:extLst>
+                </p:cNvPr>
+                <p:cNvSpPr/>
+                <p:nvPr/>
+              </p:nvSpPr>
+              <p:spPr>
+                <a:xfrm>
+                  <a:off x="2752625" y="1619505"/>
+                  <a:ext cx="501299" cy="392400"/>
+                </a:xfrm>
+                <a:prstGeom prst="rect">
+                  <a:avLst/>
+                </a:prstGeom>
+                <a:solidFill>
+                  <a:schemeClr val="bg1"/>
+                </a:solidFill>
+                <a:ln w="22225">
+                  <a:solidFill>
+                    <a:schemeClr val="tx1">
+                      <a:lumMod val="50000"/>
+                    </a:schemeClr>
+                  </a:solidFill>
+                  <a:prstDash val="solid"/>
+                </a:ln>
+              </p:spPr>
+              <p:style>
+                <a:lnRef idx="2">
+                  <a:schemeClr val="accent1">
+                    <a:shade val="50000"/>
+                  </a:schemeClr>
+                </a:lnRef>
+                <a:fillRef idx="1">
+                  <a:schemeClr val="accent1"/>
+                </a:fillRef>
+                <a:effectRef idx="0">
+                  <a:schemeClr val="accent1"/>
+                </a:effectRef>
+                <a:fontRef idx="minor">
+                  <a:schemeClr val="lt1"/>
+                </a:fontRef>
+              </p:style>
+              <p:txBody>
+                <a:bodyPr lIns="144000" tIns="144000" rIns="36000" bIns="144000" anchor="ctr"/>
+                <a:lstStyle/>
+                <a:p>
+                  <a:r>
+                    <a:rPr lang="en-GB" sz="2800" baseline="-9000" dirty="0">
+                      <a:solidFill>
+                        <a:schemeClr val="tx1"/>
+                      </a:solidFill>
+                      <a:effectLst>
+                        <a:glow>
+                          <a:schemeClr val="bg1"/>
+                        </a:glow>
+                      </a:effectLst>
+                    </a:rPr>
+                    <a:t>🤗 </a:t>
+                  </a:r>
+                  <a:r>
+                    <a:rPr lang="en-GB" sz="2000" dirty="0">
+                      <a:solidFill>
+                        <a:schemeClr val="tx1"/>
+                      </a:solidFill>
+                      <a:latin typeface="+mj-lt"/>
+                      <a:cs typeface="Arial" panose="020B0604020202020204" pitchFamily="34" charset="0"/>
+                    </a:rPr>
+                    <a:t> </a:t>
+                  </a:r>
+                </a:p>
+              </p:txBody>
+            </p:sp>
+            <p:sp>
+              <p:nvSpPr>
+                <p:cNvPr id="259" name="Rectangle 258">
+                  <a:extLst>
+                    <a:ext uri="{FF2B5EF4-FFF2-40B4-BE49-F238E27FC236}">
+                      <a16:creationId xmlns:a16="http://schemas.microsoft.com/office/drawing/2014/main" id="{EC74F532-8475-A382-A7EB-242DC535C820}"/>
+                    </a:ext>
+                  </a:extLst>
+                </p:cNvPr>
+                <p:cNvSpPr/>
+                <p:nvPr/>
+              </p:nvSpPr>
+              <p:spPr>
+                <a:xfrm>
+                  <a:off x="2752625" y="2107314"/>
+                  <a:ext cx="501299" cy="391090"/>
+                </a:xfrm>
+                <a:prstGeom prst="rect">
+                  <a:avLst/>
+                </a:prstGeom>
+                <a:solidFill>
+                  <a:schemeClr val="bg1"/>
+                </a:solidFill>
+                <a:ln w="22225">
+                  <a:solidFill>
+                    <a:schemeClr val="tx1">
+                      <a:lumMod val="50000"/>
+                    </a:schemeClr>
+                  </a:solidFill>
+                  <a:prstDash val="solid"/>
+                </a:ln>
+              </p:spPr>
+              <p:style>
+                <a:lnRef idx="2">
+                  <a:schemeClr val="accent1">
+                    <a:shade val="50000"/>
+                  </a:schemeClr>
+                </a:lnRef>
+                <a:fillRef idx="1">
+                  <a:schemeClr val="accent1"/>
+                </a:fillRef>
+                <a:effectRef idx="0">
+                  <a:schemeClr val="accent1"/>
+                </a:effectRef>
+                <a:fontRef idx="minor">
+                  <a:schemeClr val="lt1"/>
+                </a:fontRef>
+              </p:style>
+              <p:txBody>
+                <a:bodyPr lIns="144000" tIns="144000" rIns="36000" bIns="144000" anchor="ctr"/>
+                <a:lstStyle/>
+                <a:p>
+                  <a:r>
+                    <a:rPr lang="en-GB" sz="2800" baseline="-9000" dirty="0">
+                      <a:solidFill>
+                        <a:schemeClr val="bg2">
+                          <a:lumMod val="40000"/>
+                          <a:lumOff val="60000"/>
+                        </a:schemeClr>
+                      </a:solidFill>
+                      <a:effectLst>
+                        <a:glow>
+                          <a:schemeClr val="bg1"/>
+                        </a:glow>
+                      </a:effectLst>
+                    </a:rPr>
+                    <a:t>🧚</a:t>
+                  </a:r>
+                  <a:r>
+                    <a:rPr lang="en-GB" sz="2800" baseline="-9000" dirty="0">
+                      <a:solidFill>
+                        <a:schemeClr val="tx1"/>
+                      </a:solidFill>
+                      <a:effectLst>
+                        <a:glow>
+                          <a:schemeClr val="bg1"/>
+                        </a:glow>
+                      </a:effectLst>
+                    </a:rPr>
+                    <a:t> </a:t>
+                  </a:r>
+                  <a:r>
+                    <a:rPr lang="en-GB" sz="2000" dirty="0">
+                      <a:solidFill>
+                        <a:schemeClr val="tx1"/>
+                      </a:solidFill>
+                      <a:latin typeface="+mj-lt"/>
+                      <a:cs typeface="Arial" panose="020B0604020202020204" pitchFamily="34" charset="0"/>
+                    </a:rPr>
+                    <a:t> </a:t>
+                  </a:r>
+                </a:p>
+              </p:txBody>
+            </p:sp>
+            <p:sp>
+              <p:nvSpPr>
+                <p:cNvPr id="260" name="Rectangle 259">
+                  <a:extLst>
+                    <a:ext uri="{FF2B5EF4-FFF2-40B4-BE49-F238E27FC236}">
+                      <a16:creationId xmlns:a16="http://schemas.microsoft.com/office/drawing/2014/main" id="{BAAD1259-A4B7-FEB0-03EC-C7399FFDA9A4}"/>
+                    </a:ext>
+                  </a:extLst>
+                </p:cNvPr>
+                <p:cNvSpPr/>
+                <p:nvPr/>
+              </p:nvSpPr>
+              <p:spPr>
+                <a:xfrm>
+                  <a:off x="3345195" y="2106577"/>
+                  <a:ext cx="501299" cy="392400"/>
+                </a:xfrm>
+                <a:prstGeom prst="rect">
+                  <a:avLst/>
+                </a:prstGeom>
+                <a:solidFill>
+                  <a:schemeClr val="bg1"/>
+                </a:solidFill>
+                <a:ln w="22225">
+                  <a:solidFill>
+                    <a:schemeClr val="tx1">
+                      <a:lumMod val="50000"/>
+                    </a:schemeClr>
+                  </a:solidFill>
+                  <a:prstDash val="solid"/>
+                </a:ln>
+              </p:spPr>
+              <p:style>
+                <a:lnRef idx="2">
+                  <a:schemeClr val="accent1">
+                    <a:shade val="50000"/>
+                  </a:schemeClr>
+                </a:lnRef>
+                <a:fillRef idx="1">
+                  <a:schemeClr val="accent1"/>
+                </a:fillRef>
+                <a:effectRef idx="0">
+                  <a:schemeClr val="accent1"/>
+                </a:effectRef>
+                <a:fontRef idx="minor">
+                  <a:schemeClr val="lt1"/>
+                </a:fontRef>
+              </p:style>
+              <p:txBody>
+                <a:bodyPr lIns="144000" tIns="144000" rIns="36000" bIns="144000" anchor="ctr"/>
+                <a:lstStyle/>
+                <a:p>
+                  <a:r>
+                    <a:rPr lang="en-GB" sz="2800" baseline="-9000" dirty="0">
+                      <a:solidFill>
+                        <a:schemeClr val="tx1"/>
+                      </a:solidFill>
+                      <a:effectLst>
+                        <a:glow>
+                          <a:schemeClr val="bg1"/>
+                        </a:glow>
+                      </a:effectLst>
+                    </a:rPr>
+                    <a:t>👀 </a:t>
+                  </a:r>
+                  <a:r>
+                    <a:rPr lang="en-GB" sz="2000" dirty="0">
+                      <a:solidFill>
+                        <a:schemeClr val="tx1"/>
+                      </a:solidFill>
+                      <a:latin typeface="+mj-lt"/>
+                      <a:cs typeface="Arial" panose="020B0604020202020204" pitchFamily="34" charset="0"/>
+                    </a:rPr>
+                    <a:t> </a:t>
+                  </a:r>
+                </a:p>
+              </p:txBody>
+            </p:sp>
+            <p:sp>
+              <p:nvSpPr>
+                <p:cNvPr id="265" name="TextBox 264">
+                  <a:extLst>
+                    <a:ext uri="{FF2B5EF4-FFF2-40B4-BE49-F238E27FC236}">
+                      <a16:creationId xmlns:a16="http://schemas.microsoft.com/office/drawing/2014/main" id="{D1AA098D-821D-77BF-AFAB-167439995852}"/>
+                    </a:ext>
+                  </a:extLst>
+                </p:cNvPr>
+                <p:cNvSpPr txBox="1"/>
+                <p:nvPr/>
+              </p:nvSpPr>
+              <p:spPr>
+                <a:xfrm>
+                  <a:off x="3675508" y="1363406"/>
+                  <a:ext cx="243656" cy="369332"/>
+                </a:xfrm>
+                <a:prstGeom prst="rect">
+                  <a:avLst/>
+                </a:prstGeom>
+                <a:noFill/>
+              </p:spPr>
+              <p:txBody>
+                <a:bodyPr wrap="none" lIns="0" rIns="0" rtlCol="0">
+                  <a:spAutoFit/>
+                </a:bodyPr>
+                <a:lstStyle/>
+                <a:p>
+                  <a:pPr algn="l"/>
+                  <a:r>
+                    <a:rPr lang="en-US" dirty="0"/>
+                    <a:t>    </a:t>
+                  </a:r>
+                </a:p>
+              </p:txBody>
+            </p:sp>
+          </p:grpSp>
+          <p:sp>
+            <p:nvSpPr>
+              <p:cNvPr id="286" name="Rectangle 285">
+                <a:extLst>
+                  <a:ext uri="{FF2B5EF4-FFF2-40B4-BE49-F238E27FC236}">
+                    <a16:creationId xmlns:a16="http://schemas.microsoft.com/office/drawing/2014/main" id="{717D4144-7A7C-FCDD-49E5-8B351F394237}"/>
+                  </a:ext>
+                </a:extLst>
+              </p:cNvPr>
+              <p:cNvSpPr/>
+              <p:nvPr/>
+            </p:nvSpPr>
+            <p:spPr>
+              <a:xfrm>
+                <a:off x="293516" y="1518998"/>
+                <a:ext cx="501300" cy="392400"/>
+              </a:xfrm>
+              <a:prstGeom prst="rect">
+                <a:avLst/>
+              </a:prstGeom>
+              <a:solidFill>
+                <a:schemeClr val="bg1"/>
+              </a:solidFill>
+              <a:ln w="22225">
+                <a:solidFill>
+                  <a:schemeClr val="tx1">
+                    <a:lumMod val="50000"/>
+                  </a:schemeClr>
+                </a:solidFill>
+                <a:prstDash val="solid"/>
+              </a:ln>
+            </p:spPr>
+            <p:style>
+              <a:lnRef idx="2">
+                <a:schemeClr val="accent1">
+                  <a:shade val="50000"/>
+                </a:schemeClr>
+              </a:lnRef>
+              <a:fillRef idx="1">
+                <a:schemeClr val="accent1"/>
+              </a:fillRef>
+              <a:effectRef idx="0">
+                <a:schemeClr val="accent1"/>
+              </a:effectRef>
+              <a:fontRef idx="minor">
+                <a:schemeClr val="lt1"/>
+              </a:fontRef>
+            </p:style>
+            <p:txBody>
+              <a:bodyPr lIns="144000" tIns="144000" rIns="36000" bIns="144000" anchor="ctr"/>
+              <a:lstStyle/>
+              <a:p>
+                <a:r>
+                  <a:rPr lang="en-GB" sz="2800" baseline="-9000" dirty="0">
+                    <a:solidFill>
+                      <a:schemeClr val="bg2">
+                        <a:lumMod val="40000"/>
+                        <a:lumOff val="60000"/>
+                      </a:schemeClr>
+                    </a:solidFill>
+                    <a:effectLst>
+                      <a:glow>
+                        <a:schemeClr val="bg1"/>
+                      </a:glow>
+                    </a:effectLst>
+                  </a:rPr>
+                  <a:t>🤵</a:t>
+                </a:r>
+                <a:r>
+                  <a:rPr lang="en-GB" sz="2800" baseline="-9000" dirty="0">
+                    <a:solidFill>
+                      <a:schemeClr val="tx1"/>
+                    </a:solidFill>
+                    <a:effectLst>
+                      <a:glow>
+                        <a:schemeClr val="bg1"/>
+                      </a:glow>
+                    </a:effectLst>
+                  </a:rPr>
+                  <a:t> </a:t>
+                </a:r>
+                <a:r>
+                  <a:rPr lang="en-GB" sz="2000" dirty="0">
+                    <a:solidFill>
+                      <a:schemeClr val="tx1"/>
+                    </a:solidFill>
+                    <a:latin typeface="+mj-lt"/>
+                    <a:cs typeface="Arial" panose="020B0604020202020204" pitchFamily="34" charset="0"/>
+                  </a:rPr>
+                  <a:t> </a:t>
+                </a:r>
+              </a:p>
+            </p:txBody>
+          </p:sp>
+        </p:grpSp>
+        <p:sp>
+          <p:nvSpPr>
+            <p:cNvPr id="289" name="Rectangle 288">
+              <a:extLst>
+                <a:ext uri="{FF2B5EF4-FFF2-40B4-BE49-F238E27FC236}">
+                  <a16:creationId xmlns:a16="http://schemas.microsoft.com/office/drawing/2014/main" id="{93417F93-3154-5EA3-4A53-40A427C0D442}"/>
+                </a:ext>
+              </a:extLst>
+            </p:cNvPr>
+            <p:cNvSpPr/>
+            <p:nvPr/>
+          </p:nvSpPr>
+          <p:spPr>
+            <a:xfrm>
+              <a:off x="888559" y="556803"/>
+              <a:ext cx="501299" cy="392400"/>
+            </a:xfrm>
+            <a:prstGeom prst="rect">
+              <a:avLst/>
+            </a:prstGeom>
+            <a:solidFill>
+              <a:schemeClr val="bg1"/>
+            </a:solidFill>
+            <a:ln w="22225">
+              <a:solidFill>
+                <a:schemeClr val="tx1">
+                  <a:lumMod val="50000"/>
+                </a:schemeClr>
+              </a:solidFill>
+              <a:prstDash val="solid"/>
+            </a:ln>
+          </p:spPr>
+          <p:style>
+            <a:lnRef idx="2">
+              <a:schemeClr val="accent1">
+                <a:shade val="50000"/>
+              </a:schemeClr>
+            </a:lnRef>
+            <a:fillRef idx="1">
+              <a:schemeClr val="accent1"/>
+            </a:fillRef>
+            <a:effectRef idx="0">
+              <a:schemeClr val="accent1"/>
+            </a:effectRef>
+            <a:fontRef idx="minor">
+              <a:schemeClr val="lt1"/>
+            </a:fontRef>
+          </p:style>
+          <p:txBody>
+            <a:bodyPr lIns="144000" tIns="144000" rIns="36000" bIns="144000" anchor="ctr"/>
+            <a:lstStyle/>
+            <a:p>
+              <a:r>
+                <a:rPr lang="en-GB" sz="2800" baseline="-9000" dirty="0">
+                  <a:solidFill>
+                    <a:schemeClr val="tx1"/>
+                  </a:solidFill>
+                  <a:effectLst>
+                    <a:glow>
+                      <a:schemeClr val="bg1"/>
+                    </a:glow>
+                  </a:effectLst>
+                </a:rPr>
+                <a:t>💵 </a:t>
+              </a:r>
+              <a:r>
+                <a:rPr lang="en-GB" sz="2000" dirty="0">
+                  <a:solidFill>
+                    <a:schemeClr val="tx1"/>
+                  </a:solidFill>
+                  <a:latin typeface="+mj-lt"/>
+                  <a:cs typeface="Arial" panose="020B0604020202020204" pitchFamily="34" charset="0"/>
+                </a:rPr>
+                <a:t> </a:t>
+              </a:r>
+            </a:p>
+          </p:txBody>
+        </p:sp>
+      </p:grpSp>
+      <p:sp>
+        <p:nvSpPr>
+          <p:cNvPr id="291" name="TextBox 290">
+            <a:extLst>
+              <a:ext uri="{FF2B5EF4-FFF2-40B4-BE49-F238E27FC236}">
+                <a16:creationId xmlns:a16="http://schemas.microsoft.com/office/drawing/2014/main" id="{27978515-36E2-7BC1-B47A-393B060F2F7D}"/>
+              </a:ext>
+            </a:extLst>
+          </p:cNvPr>
+          <p:cNvSpPr txBox="1"/>
+          <p:nvPr/>
+        </p:nvSpPr>
+        <p:spPr>
+          <a:xfrm>
+            <a:off x="4939840" y="3853638"/>
+            <a:ext cx="1624956" cy="338554"/>
+          </a:xfrm>
+          <a:prstGeom prst="rect">
+            <a:avLst/>
+          </a:prstGeom>
+          <a:noFill/>
+        </p:spPr>
+        <p:txBody>
+          <a:bodyPr wrap="square" anchor="ctr">
+            <a:spAutoFit/>
+          </a:bodyPr>
+          <a:lstStyle/>
+          <a:p>
+            <a:r>
+              <a:rPr lang="en-GB" sz="1600" i="1" dirty="0">
+                <a:solidFill>
+                  <a:schemeClr val="bg2">
+                    <a:lumMod val="40000"/>
+                    <a:lumOff val="60000"/>
+                  </a:schemeClr>
+                </a:solidFill>
+                <a:effectLst>
+                  <a:glow>
+                    <a:schemeClr val="bg1"/>
+                  </a:glow>
+                </a:effectLst>
+              </a:rPr>
+              <a:t>sorted actions</a:t>
+            </a:r>
+          </a:p>
+        </p:txBody>
+      </p:sp>
+      <p:sp>
+        <p:nvSpPr>
+          <p:cNvPr id="292" name="Rounded Rectangle 291">
+            <a:extLst>
+              <a:ext uri="{FF2B5EF4-FFF2-40B4-BE49-F238E27FC236}">
+                <a16:creationId xmlns:a16="http://schemas.microsoft.com/office/drawing/2014/main" id="{0A91749F-39A2-AA44-DD2D-FE69AF3BBDBA}"/>
+              </a:ext>
+            </a:extLst>
+          </p:cNvPr>
+          <p:cNvSpPr>
+            <a:spLocks noChangeAspect="1"/>
+          </p:cNvSpPr>
+          <p:nvPr/>
+        </p:nvSpPr>
+        <p:spPr>
+          <a:xfrm>
+            <a:off x="4691258" y="3898216"/>
+            <a:ext cx="273600" cy="267900"/>
+          </a:xfrm>
+          <a:prstGeom prst="roundRect">
+            <a:avLst/>
+          </a:prstGeom>
+          <a:solidFill>
+            <a:schemeClr val="accent5"/>
+          </a:solidFill>
+          <a:ln>
+            <a:noFill/>
+          </a:ln>
+        </p:spPr>
+        <p:style>
+          <a:lnRef idx="0">
+            <a:scrgbClr r="0" g="0" b="0"/>
+          </a:lnRef>
+          <a:fillRef idx="0">
+            <a:scrgbClr r="0" g="0" b="0"/>
+          </a:fillRef>
+          <a:effectRef idx="0">
+            <a:scrgbClr r="0" g="0" b="0"/>
+          </a:effectRef>
+          <a:fontRef idx="minor">
+            <a:schemeClr val="lt1"/>
+          </a:fontRef>
+        </p:style>
+        <p:txBody>
+          <a:bodyPr lIns="45720" tIns="45720" rIns="45720" rtlCol="0" anchor="ctr"/>
+          <a:lstStyle/>
+          <a:p>
+            <a:pPr algn="ctr"/>
+            <a:r>
+              <a:rPr lang="en-GB" sz="1600" b="1" dirty="0">
+                <a:solidFill>
+                  <a:schemeClr val="tx1"/>
+                </a:solidFill>
+              </a:rPr>
+              <a:t>7</a:t>
+            </a:r>
+          </a:p>
+        </p:txBody>
+      </p:sp>
+      <p:cxnSp>
+        <p:nvCxnSpPr>
+          <p:cNvPr id="27" name="Straight Arrow Connector 12">
+            <a:extLst>
+              <a:ext uri="{FF2B5EF4-FFF2-40B4-BE49-F238E27FC236}">
+                <a16:creationId xmlns:a16="http://schemas.microsoft.com/office/drawing/2014/main" id="{B0E9FB6A-F03C-2C12-9D2B-1EF9D3011581}"/>
+              </a:ext>
+            </a:extLst>
+          </p:cNvPr>
+          <p:cNvCxnSpPr>
+            <a:cxnSpLocks/>
+            <a:endCxn id="71" idx="3"/>
+          </p:cNvCxnSpPr>
+          <p:nvPr/>
+        </p:nvCxnSpPr>
+        <p:spPr>
+          <a:xfrm rot="5400000">
+            <a:off x="4193571" y="5224634"/>
+            <a:ext cx="437171" cy="220968"/>
+          </a:xfrm>
+          <a:prstGeom prst="bentConnector2">
+            <a:avLst/>
+          </a:prstGeom>
+          <a:ln>
+            <a:solidFill>
+              <a:schemeClr val="bg1">
+                <a:lumMod val="50000"/>
+                <a:lumOff val="50000"/>
+              </a:schemeClr>
+            </a:solidFill>
+            <a:headEnd type="triangle" w="lg" len="lg"/>
+            <a:tailEnd type="none" w="lg" len="lg"/>
+          </a:ln>
+        </p:spPr>
+        <p:style>
+          <a:lnRef idx="3">
+            <a:schemeClr val="accent2"/>
+          </a:lnRef>
+          <a:fillRef idx="0">
+            <a:schemeClr val="accent2"/>
+          </a:fillRef>
+          <a:effectRef idx="2">
+            <a:schemeClr val="accent2"/>
+          </a:effectRef>
+          <a:fontRef idx="minor">
+            <a:schemeClr val="tx1"/>
+          </a:fontRef>
+        </p:style>
+      </p:cxnSp>
+      <p:grpSp>
+        <p:nvGrpSpPr>
+          <p:cNvPr id="41" name="Group 40">
+            <a:extLst>
+              <a:ext uri="{FF2B5EF4-FFF2-40B4-BE49-F238E27FC236}">
+                <a16:creationId xmlns:a16="http://schemas.microsoft.com/office/drawing/2014/main" id="{373E0C54-B578-3F65-022E-CFFCA5143E41}"/>
+              </a:ext>
+            </a:extLst>
+          </p:cNvPr>
+          <p:cNvGrpSpPr/>
+          <p:nvPr/>
+        </p:nvGrpSpPr>
+        <p:grpSpPr>
+          <a:xfrm>
+            <a:off x="4691258" y="5331477"/>
+            <a:ext cx="2282795" cy="338554"/>
+            <a:chOff x="4667191" y="985951"/>
+            <a:chExt cx="2282795" cy="338554"/>
+          </a:xfrm>
+        </p:grpSpPr>
+        <p:sp>
+          <p:nvSpPr>
+            <p:cNvPr id="42" name="TextBox 41">
+              <a:extLst>
+                <a:ext uri="{FF2B5EF4-FFF2-40B4-BE49-F238E27FC236}">
+                  <a16:creationId xmlns:a16="http://schemas.microsoft.com/office/drawing/2014/main" id="{02846FDB-6CA0-864D-2E5D-59BF2017E318}"/>
+                </a:ext>
+              </a:extLst>
+            </p:cNvPr>
+            <p:cNvSpPr txBox="1"/>
+            <p:nvPr/>
+          </p:nvSpPr>
+          <p:spPr>
+            <a:xfrm>
+              <a:off x="4925946" y="985951"/>
+              <a:ext cx="2024040" cy="338554"/>
+            </a:xfrm>
+            <a:prstGeom prst="rect">
+              <a:avLst/>
+            </a:prstGeom>
+            <a:noFill/>
+          </p:spPr>
+          <p:txBody>
+            <a:bodyPr wrap="square" anchor="ctr">
+              <a:spAutoFit/>
+            </a:bodyPr>
+            <a:lstStyle/>
+            <a:p>
+              <a:r>
+                <a:rPr lang="en-GB" sz="1600" i="1" dirty="0">
+                  <a:solidFill>
+                    <a:schemeClr val="bg2">
+                      <a:lumMod val="40000"/>
+                      <a:lumOff val="60000"/>
+                    </a:schemeClr>
+                  </a:solidFill>
+                  <a:effectLst>
+                    <a:glow>
+                      <a:schemeClr val="bg1"/>
+                    </a:glow>
+                  </a:effectLst>
+                </a:rPr>
+                <a:t>selected action</a:t>
+              </a:r>
+            </a:p>
+          </p:txBody>
+        </p:sp>
+        <p:sp>
+          <p:nvSpPr>
+            <p:cNvPr id="43" name="Rounded Rectangle 42">
+              <a:extLst>
+                <a:ext uri="{FF2B5EF4-FFF2-40B4-BE49-F238E27FC236}">
+                  <a16:creationId xmlns:a16="http://schemas.microsoft.com/office/drawing/2014/main" id="{C5674D27-5306-C134-2D39-04E0895BD332}"/>
+                </a:ext>
+              </a:extLst>
+            </p:cNvPr>
+            <p:cNvSpPr>
+              <a:spLocks noChangeAspect="1"/>
+            </p:cNvSpPr>
+            <p:nvPr/>
+          </p:nvSpPr>
+          <p:spPr>
+            <a:xfrm>
+              <a:off x="4667191" y="1026770"/>
+              <a:ext cx="273600" cy="267900"/>
+            </a:xfrm>
+            <a:prstGeom prst="roundRect">
+              <a:avLst/>
+            </a:prstGeom>
+            <a:solidFill>
+              <a:schemeClr val="accent5"/>
+            </a:solidFill>
+            <a:ln>
+              <a:noFill/>
+            </a:ln>
+          </p:spPr>
+          <p:style>
+            <a:lnRef idx="0">
+              <a:scrgbClr r="0" g="0" b="0"/>
+            </a:lnRef>
+            <a:fillRef idx="0">
+              <a:scrgbClr r="0" g="0" b="0"/>
+            </a:fillRef>
+            <a:effectRef idx="0">
+              <a:scrgbClr r="0" g="0" b="0"/>
+            </a:effectRef>
+            <a:fontRef idx="minor">
+              <a:schemeClr val="lt1"/>
+            </a:fontRef>
+          </p:style>
+          <p:txBody>
+            <a:bodyPr lIns="45720" tIns="45720" rIns="45720" rtlCol="0" anchor="ctr"/>
+            <a:lstStyle/>
+            <a:p>
+              <a:pPr algn="ctr"/>
+              <a:r>
+                <a:rPr lang="en-GB" sz="1600" b="1" dirty="0">
+                  <a:solidFill>
+                    <a:schemeClr val="tx1"/>
+                  </a:solidFill>
+                </a:rPr>
+                <a:t>9</a:t>
+              </a:r>
+            </a:p>
+          </p:txBody>
+        </p:sp>
+      </p:grpSp>
+      <p:cxnSp>
+        <p:nvCxnSpPr>
+          <p:cNvPr id="12" name="Straight Arrow Connector 12">
+            <a:extLst>
+              <a:ext uri="{FF2B5EF4-FFF2-40B4-BE49-F238E27FC236}">
+                <a16:creationId xmlns:a16="http://schemas.microsoft.com/office/drawing/2014/main" id="{F134FB37-9679-70A1-D2C4-F53B8503E510}"/>
+              </a:ext>
+            </a:extLst>
+          </p:cNvPr>
+          <p:cNvCxnSpPr>
+            <a:cxnSpLocks/>
+            <a:stCxn id="24" idx="0"/>
+            <a:endCxn id="34" idx="1"/>
+          </p:cNvCxnSpPr>
+          <p:nvPr/>
+        </p:nvCxnSpPr>
+        <p:spPr>
+          <a:xfrm rot="5400000" flipH="1" flipV="1">
+            <a:off x="5809256" y="-928054"/>
+            <a:ext cx="1615734" cy="6027789"/>
+          </a:xfrm>
+          <a:prstGeom prst="bentConnector2">
+            <a:avLst/>
+          </a:prstGeom>
+          <a:ln>
+            <a:solidFill>
+              <a:schemeClr val="bg1">
+                <a:lumMod val="50000"/>
+                <a:lumOff val="50000"/>
+              </a:schemeClr>
+            </a:solidFill>
+            <a:tailEnd type="triangle" w="lg" len="lg"/>
+          </a:ln>
+        </p:spPr>
+        <p:style>
+          <a:lnRef idx="3">
+            <a:schemeClr val="accent2"/>
+          </a:lnRef>
+          <a:fillRef idx="0">
+            <a:schemeClr val="accent2"/>
+          </a:fillRef>
+          <a:effectRef idx="2">
+            <a:schemeClr val="accent2"/>
+          </a:effectRef>
+          <a:fontRef idx="minor">
+            <a:schemeClr val="tx1"/>
+          </a:fontRef>
+        </p:style>
+      </p:cxnSp>
+      <p:sp>
+        <p:nvSpPr>
+          <p:cNvPr id="20" name="TextBox 19">
+            <a:extLst>
+              <a:ext uri="{FF2B5EF4-FFF2-40B4-BE49-F238E27FC236}">
+                <a16:creationId xmlns:a16="http://schemas.microsoft.com/office/drawing/2014/main" id="{E3E39638-433A-261D-7657-4C7522C75ADF}"/>
+              </a:ext>
+            </a:extLst>
+          </p:cNvPr>
+          <p:cNvSpPr txBox="1"/>
+          <p:nvPr/>
+        </p:nvSpPr>
+        <p:spPr>
+          <a:xfrm>
+            <a:off x="3746566" y="2893706"/>
+            <a:ext cx="243656" cy="369332"/>
+          </a:xfrm>
+          <a:prstGeom prst="rect">
+            <a:avLst/>
+          </a:prstGeom>
+          <a:noFill/>
+        </p:spPr>
+        <p:txBody>
+          <a:bodyPr wrap="none" lIns="0" rIns="0" rtlCol="0">
+            <a:spAutoFit/>
+          </a:bodyPr>
+          <a:lstStyle/>
+          <a:p>
+            <a:pPr algn="l"/>
+            <a:r>
+              <a:rPr lang="en-PT" dirty="0"/>
+              <a:t>    </a:t>
+            </a:r>
+          </a:p>
+        </p:txBody>
+      </p:sp>
+      <p:sp>
+        <p:nvSpPr>
+          <p:cNvPr id="9" name="Rectangle 8">
+            <a:extLst>
+              <a:ext uri="{FF2B5EF4-FFF2-40B4-BE49-F238E27FC236}">
+                <a16:creationId xmlns:a16="http://schemas.microsoft.com/office/drawing/2014/main" id="{BDADCFAF-2F6F-BEA0-8A6B-59D51AA9B00F}"/>
+              </a:ext>
+            </a:extLst>
+          </p:cNvPr>
+          <p:cNvSpPr/>
+          <p:nvPr/>
+        </p:nvSpPr>
+        <p:spPr>
+          <a:xfrm>
+            <a:off x="9686698" y="1652880"/>
+            <a:ext cx="1688400" cy="392400"/>
+          </a:xfrm>
+          <a:prstGeom prst="rect">
+            <a:avLst/>
+          </a:prstGeom>
+          <a:solidFill>
+            <a:schemeClr val="tx1">
+              <a:lumMod val="95000"/>
+            </a:schemeClr>
+          </a:solidFill>
+          <a:ln w="22225">
+            <a:solidFill>
+              <a:schemeClr val="tx1">
+                <a:lumMod val="50000"/>
+              </a:schemeClr>
+            </a:solidFill>
+            <a:prstDash val="solid"/>
+          </a:ln>
+        </p:spPr>
+        <p:style>
+          <a:lnRef idx="2">
+            <a:schemeClr val="accent1">
+              <a:shade val="50000"/>
+            </a:schemeClr>
+          </a:lnRef>
+          <a:fillRef idx="1">
+            <a:schemeClr val="accent1"/>
+          </a:fillRef>
+          <a:effectRef idx="0">
+            <a:schemeClr val="accent1"/>
+          </a:effectRef>
+          <a:fontRef idx="minor">
+            <a:schemeClr val="lt1"/>
+          </a:fontRef>
+        </p:style>
+        <p:txBody>
+          <a:bodyPr lIns="144000" tIns="144000" rIns="36000" bIns="144000" anchor="ctr"/>
+          <a:lstStyle/>
+          <a:p>
+            <a:r>
+              <a:rPr lang="en-GB" sz="2800" baseline="-9000" dirty="0">
+                <a:solidFill>
+                  <a:schemeClr val="bg2">
+                    <a:lumMod val="40000"/>
+                    <a:lumOff val="60000"/>
+                  </a:schemeClr>
+                </a:solidFill>
+                <a:effectLst>
+                  <a:glow>
+                    <a:schemeClr val="bg1"/>
+                  </a:glow>
+                </a:effectLst>
+              </a:rPr>
+              <a:t>🏦 </a:t>
+            </a:r>
+            <a:r>
+              <a:rPr lang="en-GB" sz="2000" dirty="0">
+                <a:solidFill>
+                  <a:sysClr val="windowText" lastClr="000000"/>
+                </a:solidFill>
+                <a:latin typeface="+mj-lt"/>
+                <a:cs typeface="Arial" panose="020B0604020202020204" pitchFamily="34" charset="0"/>
+              </a:rPr>
+              <a:t>Collector</a:t>
+            </a:r>
+          </a:p>
+        </p:txBody>
+      </p:sp>
+      <p:sp>
+        <p:nvSpPr>
+          <p:cNvPr id="22" name="TextBox 21">
+            <a:extLst>
+              <a:ext uri="{FF2B5EF4-FFF2-40B4-BE49-F238E27FC236}">
+                <a16:creationId xmlns:a16="http://schemas.microsoft.com/office/drawing/2014/main" id="{86D49C6C-6B4E-9271-F412-BFEB4CB717C7}"/>
+              </a:ext>
+            </a:extLst>
+          </p:cNvPr>
+          <p:cNvSpPr txBox="1"/>
+          <p:nvPr/>
+        </p:nvSpPr>
+        <p:spPr>
+          <a:xfrm>
+            <a:off x="9621080" y="2882349"/>
+            <a:ext cx="304571" cy="369332"/>
+          </a:xfrm>
+          <a:prstGeom prst="rect">
+            <a:avLst/>
+          </a:prstGeom>
+          <a:noFill/>
+        </p:spPr>
+        <p:txBody>
+          <a:bodyPr wrap="none" lIns="0" rIns="0" rtlCol="0">
+            <a:spAutoFit/>
+          </a:bodyPr>
+          <a:lstStyle/>
+          <a:p>
+            <a:pPr algn="l"/>
+            <a:r>
+              <a:rPr lang="en-PT" dirty="0"/>
+              <a:t>     </a:t>
+            </a:r>
+          </a:p>
+        </p:txBody>
+      </p:sp>
+      <p:cxnSp>
+        <p:nvCxnSpPr>
+          <p:cNvPr id="26" name="Straight Arrow Connector 12">
+            <a:extLst>
+              <a:ext uri="{FF2B5EF4-FFF2-40B4-BE49-F238E27FC236}">
+                <a16:creationId xmlns:a16="http://schemas.microsoft.com/office/drawing/2014/main" id="{FF98EB8F-B6A5-11B7-DC38-F78D11EE97D0}"/>
+              </a:ext>
+            </a:extLst>
+          </p:cNvPr>
+          <p:cNvCxnSpPr>
+            <a:cxnSpLocks/>
+            <a:stCxn id="16" idx="3"/>
+            <a:endCxn id="9" idx="3"/>
+          </p:cNvCxnSpPr>
+          <p:nvPr/>
+        </p:nvCxnSpPr>
+        <p:spPr>
+          <a:xfrm flipV="1">
+            <a:off x="4532067" y="1849080"/>
+            <a:ext cx="6843031" cy="3005475"/>
+          </a:xfrm>
+          <a:prstGeom prst="bentConnector3">
+            <a:avLst>
+              <a:gd name="adj1" fmla="val 109732"/>
+            </a:avLst>
+          </a:prstGeom>
+          <a:ln>
+            <a:solidFill>
+              <a:schemeClr val="bg1">
+                <a:lumMod val="50000"/>
+                <a:lumOff val="50000"/>
+              </a:schemeClr>
+            </a:solidFill>
+            <a:tailEnd type="triangle" w="lg" len="lg"/>
+          </a:ln>
+        </p:spPr>
+        <p:style>
+          <a:lnRef idx="3">
+            <a:schemeClr val="accent2"/>
+          </a:lnRef>
+          <a:fillRef idx="0">
+            <a:schemeClr val="accent2"/>
+          </a:fillRef>
+          <a:effectRef idx="2">
+            <a:schemeClr val="accent2"/>
+          </a:effectRef>
+          <a:fontRef idx="minor">
+            <a:schemeClr val="tx1"/>
+          </a:fontRef>
+        </p:style>
+      </p:cxnSp>
+      <p:sp>
+        <p:nvSpPr>
+          <p:cNvPr id="31" name="TextBox 30">
+            <a:extLst>
+              <a:ext uri="{FF2B5EF4-FFF2-40B4-BE49-F238E27FC236}">
+                <a16:creationId xmlns:a16="http://schemas.microsoft.com/office/drawing/2014/main" id="{B7F569CE-616D-61A8-225F-A0520CC1CBF4}"/>
+              </a:ext>
+            </a:extLst>
+          </p:cNvPr>
+          <p:cNvSpPr txBox="1"/>
+          <p:nvPr/>
+        </p:nvSpPr>
+        <p:spPr>
+          <a:xfrm>
+            <a:off x="2941982" y="2902228"/>
+            <a:ext cx="365485" cy="369332"/>
+          </a:xfrm>
+          <a:prstGeom prst="rect">
+            <a:avLst/>
+          </a:prstGeom>
+          <a:noFill/>
+        </p:spPr>
+        <p:txBody>
+          <a:bodyPr wrap="none" lIns="0" rIns="0" rtlCol="0">
+            <a:spAutoFit/>
+          </a:bodyPr>
+          <a:lstStyle/>
+          <a:p>
+            <a:pPr algn="l"/>
+            <a:r>
+              <a:rPr lang="en-PT" dirty="0"/>
+              <a:t>      </a:t>
+            </a:r>
+          </a:p>
+        </p:txBody>
+      </p:sp>
+      <p:sp>
+        <p:nvSpPr>
+          <p:cNvPr id="34" name="TextBox 33">
+            <a:extLst>
+              <a:ext uri="{FF2B5EF4-FFF2-40B4-BE49-F238E27FC236}">
+                <a16:creationId xmlns:a16="http://schemas.microsoft.com/office/drawing/2014/main" id="{52367F58-EEA6-5DD8-E752-B3B67F42306A}"/>
+              </a:ext>
+            </a:extLst>
+          </p:cNvPr>
+          <p:cNvSpPr txBox="1"/>
+          <p:nvPr/>
+        </p:nvSpPr>
+        <p:spPr>
+          <a:xfrm>
+            <a:off x="9631018" y="1093307"/>
+            <a:ext cx="365485" cy="369332"/>
+          </a:xfrm>
+          <a:prstGeom prst="rect">
+            <a:avLst/>
+          </a:prstGeom>
+          <a:noFill/>
+        </p:spPr>
+        <p:txBody>
+          <a:bodyPr wrap="none" lIns="0" rIns="0" rtlCol="0">
+            <a:spAutoFit/>
+          </a:bodyPr>
+          <a:lstStyle/>
+          <a:p>
+            <a:pPr algn="l"/>
+            <a:r>
+              <a:rPr lang="en-PT" dirty="0"/>
+              <a:t>      </a:t>
+            </a:r>
+          </a:p>
+        </p:txBody>
+      </p:sp>
+      <p:sp>
+        <p:nvSpPr>
+          <p:cNvPr id="37" name="TextBox 36">
+            <a:extLst>
+              <a:ext uri="{FF2B5EF4-FFF2-40B4-BE49-F238E27FC236}">
+                <a16:creationId xmlns:a16="http://schemas.microsoft.com/office/drawing/2014/main" id="{ECB93AD3-B807-A24E-FB99-9E0FA2971A3A}"/>
+              </a:ext>
+            </a:extLst>
+          </p:cNvPr>
+          <p:cNvSpPr txBox="1"/>
+          <p:nvPr/>
+        </p:nvSpPr>
+        <p:spPr>
+          <a:xfrm>
+            <a:off x="9621081" y="1282145"/>
+            <a:ext cx="365485" cy="369332"/>
+          </a:xfrm>
+          <a:prstGeom prst="rect">
+            <a:avLst/>
+          </a:prstGeom>
+          <a:noFill/>
+        </p:spPr>
+        <p:txBody>
+          <a:bodyPr wrap="none" lIns="0" rIns="0" rtlCol="0">
+            <a:spAutoFit/>
+          </a:bodyPr>
+          <a:lstStyle/>
+          <a:p>
+            <a:pPr algn="l"/>
+            <a:r>
+              <a:rPr lang="en-PT" dirty="0"/>
+              <a:t>      </a:t>
+            </a:r>
+          </a:p>
+        </p:txBody>
+      </p:sp>
+      <p:sp>
+        <p:nvSpPr>
+          <p:cNvPr id="51" name="TextBox 50">
+            <a:extLst>
+              <a:ext uri="{FF2B5EF4-FFF2-40B4-BE49-F238E27FC236}">
+                <a16:creationId xmlns:a16="http://schemas.microsoft.com/office/drawing/2014/main" id="{FB7A173E-AB0B-14DA-AEB9-E5A1E4EC2B1B}"/>
+              </a:ext>
+            </a:extLst>
+          </p:cNvPr>
+          <p:cNvSpPr txBox="1"/>
+          <p:nvPr/>
+        </p:nvSpPr>
+        <p:spPr>
+          <a:xfrm>
+            <a:off x="10679879" y="4432547"/>
+            <a:ext cx="1091366" cy="338554"/>
+          </a:xfrm>
+          <a:prstGeom prst="rect">
+            <a:avLst/>
+          </a:prstGeom>
+          <a:noFill/>
+        </p:spPr>
+        <p:txBody>
+          <a:bodyPr wrap="square" anchor="t">
+            <a:spAutoFit/>
+          </a:bodyPr>
+          <a:lstStyle/>
+          <a:p>
+            <a:r>
+              <a:rPr lang="en-GB" sz="1600" i="1" dirty="0">
+                <a:solidFill>
+                  <a:schemeClr val="bg2">
+                    <a:lumMod val="40000"/>
+                    <a:lumOff val="60000"/>
+                  </a:schemeClr>
+                </a:solidFill>
+                <a:effectLst>
+                  <a:glow>
+                    <a:schemeClr val="bg1"/>
+                  </a:glow>
+                </a:effectLst>
+              </a:rPr>
+              <a:t>payment</a:t>
+            </a:r>
+          </a:p>
+        </p:txBody>
+      </p:sp>
+      <p:sp>
+        <p:nvSpPr>
+          <p:cNvPr id="53" name="Rounded Rectangle 52">
+            <a:extLst>
+              <a:ext uri="{FF2B5EF4-FFF2-40B4-BE49-F238E27FC236}">
+                <a16:creationId xmlns:a16="http://schemas.microsoft.com/office/drawing/2014/main" id="{7CC86E2E-A5A6-E774-1D0D-BDE607B533CE}"/>
+              </a:ext>
+            </a:extLst>
+          </p:cNvPr>
+          <p:cNvSpPr>
+            <a:spLocks noChangeAspect="1"/>
+          </p:cNvSpPr>
+          <p:nvPr/>
+        </p:nvSpPr>
+        <p:spPr>
+          <a:xfrm>
+            <a:off x="11652559" y="4473503"/>
+            <a:ext cx="273600" cy="267900"/>
+          </a:xfrm>
+          <a:prstGeom prst="roundRect">
+            <a:avLst/>
+          </a:prstGeom>
+          <a:solidFill>
+            <a:srgbClr val="7030A0"/>
+          </a:solidFill>
+          <a:ln>
+            <a:noFill/>
+          </a:ln>
+        </p:spPr>
+        <p:style>
+          <a:lnRef idx="0">
+            <a:scrgbClr r="0" g="0" b="0"/>
+          </a:lnRef>
+          <a:fillRef idx="0">
+            <a:scrgbClr r="0" g="0" b="0"/>
+          </a:fillRef>
+          <a:effectRef idx="0">
+            <a:scrgbClr r="0" g="0" b="0"/>
+          </a:effectRef>
+          <a:fontRef idx="minor">
+            <a:schemeClr val="lt1"/>
+          </a:fontRef>
+        </p:style>
+        <p:txBody>
+          <a:bodyPr lIns="45720" tIns="45720" rIns="45720" rtlCol="0" anchor="ctr"/>
+          <a:lstStyle/>
+          <a:p>
+            <a:pPr algn="ctr"/>
+            <a:r>
+              <a:rPr lang="en-GB" sz="1600" b="1" dirty="0">
+                <a:solidFill>
+                  <a:schemeClr val="tx1"/>
+                </a:solidFill>
+              </a:rPr>
+              <a:t>D</a:t>
+            </a:r>
+          </a:p>
+        </p:txBody>
+      </p:sp>
+    </p:spTree>
+    <p:extLst>
+      <p:ext uri="{BB962C8B-B14F-4D97-AF65-F5344CB8AC3E}">
+        <p14:creationId xmlns:p14="http://schemas.microsoft.com/office/powerpoint/2010/main" val="3069026386"/>
       </p:ext>
     </p:extLst>
   </p:cSld>
